--- a/Lecture06_Matching/Lecture06_Matching.pptx
+++ b/Lecture06_Matching/Lecture06_Matching.pptx
@@ -5,7 +5,7 @@
     <p:sldMasterId id="2147483738" r:id="rId1"/>
   </p:sldMasterIdLst>
   <p:notesMasterIdLst>
-    <p:notesMasterId r:id="rId78"/>
+    <p:notesMasterId r:id="rId79"/>
   </p:notesMasterIdLst>
   <p:sldIdLst>
     <p:sldId id="256" r:id="rId2"/>
@@ -24,66 +24,67 @@
     <p:sldId id="423" r:id="rId15"/>
     <p:sldId id="489" r:id="rId16"/>
     <p:sldId id="530" r:id="rId17"/>
-    <p:sldId id="532" r:id="rId18"/>
-    <p:sldId id="554" r:id="rId19"/>
-    <p:sldId id="398" r:id="rId20"/>
-    <p:sldId id="427" r:id="rId21"/>
-    <p:sldId id="428" r:id="rId22"/>
-    <p:sldId id="474" r:id="rId23"/>
-    <p:sldId id="483" r:id="rId24"/>
-    <p:sldId id="422" r:id="rId25"/>
-    <p:sldId id="443" r:id="rId26"/>
-    <p:sldId id="462" r:id="rId27"/>
-    <p:sldId id="424" r:id="rId28"/>
-    <p:sldId id="429" r:id="rId29"/>
-    <p:sldId id="460" r:id="rId30"/>
-    <p:sldId id="430" r:id="rId31"/>
-    <p:sldId id="431" r:id="rId32"/>
-    <p:sldId id="432" r:id="rId33"/>
-    <p:sldId id="425" r:id="rId34"/>
-    <p:sldId id="433" r:id="rId35"/>
-    <p:sldId id="434" r:id="rId36"/>
-    <p:sldId id="435" r:id="rId37"/>
-    <p:sldId id="436" r:id="rId38"/>
-    <p:sldId id="437" r:id="rId39"/>
-    <p:sldId id="446" r:id="rId40"/>
-    <p:sldId id="447" r:id="rId41"/>
-    <p:sldId id="438" r:id="rId42"/>
-    <p:sldId id="449" r:id="rId43"/>
-    <p:sldId id="451" r:id="rId44"/>
-    <p:sldId id="452" r:id="rId45"/>
-    <p:sldId id="453" r:id="rId46"/>
-    <p:sldId id="534" r:id="rId47"/>
-    <p:sldId id="549" r:id="rId48"/>
-    <p:sldId id="551" r:id="rId49"/>
-    <p:sldId id="475" r:id="rId50"/>
-    <p:sldId id="484" r:id="rId51"/>
-    <p:sldId id="455" r:id="rId52"/>
-    <p:sldId id="539" r:id="rId53"/>
-    <p:sldId id="555" r:id="rId54"/>
-    <p:sldId id="526" r:id="rId55"/>
-    <p:sldId id="557" r:id="rId56"/>
-    <p:sldId id="556" r:id="rId57"/>
-    <p:sldId id="553" r:id="rId58"/>
-    <p:sldId id="550" r:id="rId59"/>
-    <p:sldId id="544" r:id="rId60"/>
-    <p:sldId id="552" r:id="rId61"/>
-    <p:sldId id="441" r:id="rId62"/>
-    <p:sldId id="463" r:id="rId63"/>
-    <p:sldId id="464" r:id="rId64"/>
-    <p:sldId id="444" r:id="rId65"/>
-    <p:sldId id="479" r:id="rId66"/>
-    <p:sldId id="481" r:id="rId67"/>
-    <p:sldId id="478" r:id="rId68"/>
-    <p:sldId id="477" r:id="rId69"/>
-    <p:sldId id="476" r:id="rId70"/>
-    <p:sldId id="485" r:id="rId71"/>
-    <p:sldId id="487" r:id="rId72"/>
-    <p:sldId id="486" r:id="rId73"/>
-    <p:sldId id="488" r:id="rId74"/>
-    <p:sldId id="456" r:id="rId75"/>
-    <p:sldId id="445" r:id="rId76"/>
-    <p:sldId id="465" r:id="rId77"/>
+    <p:sldId id="558" r:id="rId18"/>
+    <p:sldId id="532" r:id="rId19"/>
+    <p:sldId id="554" r:id="rId20"/>
+    <p:sldId id="398" r:id="rId21"/>
+    <p:sldId id="427" r:id="rId22"/>
+    <p:sldId id="428" r:id="rId23"/>
+    <p:sldId id="474" r:id="rId24"/>
+    <p:sldId id="483" r:id="rId25"/>
+    <p:sldId id="422" r:id="rId26"/>
+    <p:sldId id="443" r:id="rId27"/>
+    <p:sldId id="462" r:id="rId28"/>
+    <p:sldId id="424" r:id="rId29"/>
+    <p:sldId id="429" r:id="rId30"/>
+    <p:sldId id="460" r:id="rId31"/>
+    <p:sldId id="430" r:id="rId32"/>
+    <p:sldId id="431" r:id="rId33"/>
+    <p:sldId id="432" r:id="rId34"/>
+    <p:sldId id="425" r:id="rId35"/>
+    <p:sldId id="433" r:id="rId36"/>
+    <p:sldId id="434" r:id="rId37"/>
+    <p:sldId id="435" r:id="rId38"/>
+    <p:sldId id="436" r:id="rId39"/>
+    <p:sldId id="437" r:id="rId40"/>
+    <p:sldId id="446" r:id="rId41"/>
+    <p:sldId id="447" r:id="rId42"/>
+    <p:sldId id="438" r:id="rId43"/>
+    <p:sldId id="449" r:id="rId44"/>
+    <p:sldId id="451" r:id="rId45"/>
+    <p:sldId id="452" r:id="rId46"/>
+    <p:sldId id="453" r:id="rId47"/>
+    <p:sldId id="534" r:id="rId48"/>
+    <p:sldId id="549" r:id="rId49"/>
+    <p:sldId id="551" r:id="rId50"/>
+    <p:sldId id="475" r:id="rId51"/>
+    <p:sldId id="484" r:id="rId52"/>
+    <p:sldId id="455" r:id="rId53"/>
+    <p:sldId id="539" r:id="rId54"/>
+    <p:sldId id="555" r:id="rId55"/>
+    <p:sldId id="526" r:id="rId56"/>
+    <p:sldId id="557" r:id="rId57"/>
+    <p:sldId id="556" r:id="rId58"/>
+    <p:sldId id="553" r:id="rId59"/>
+    <p:sldId id="550" r:id="rId60"/>
+    <p:sldId id="544" r:id="rId61"/>
+    <p:sldId id="552" r:id="rId62"/>
+    <p:sldId id="441" r:id="rId63"/>
+    <p:sldId id="463" r:id="rId64"/>
+    <p:sldId id="464" r:id="rId65"/>
+    <p:sldId id="444" r:id="rId66"/>
+    <p:sldId id="479" r:id="rId67"/>
+    <p:sldId id="481" r:id="rId68"/>
+    <p:sldId id="478" r:id="rId69"/>
+    <p:sldId id="477" r:id="rId70"/>
+    <p:sldId id="476" r:id="rId71"/>
+    <p:sldId id="485" r:id="rId72"/>
+    <p:sldId id="487" r:id="rId73"/>
+    <p:sldId id="486" r:id="rId74"/>
+    <p:sldId id="488" r:id="rId75"/>
+    <p:sldId id="456" r:id="rId76"/>
+    <p:sldId id="445" r:id="rId77"/>
+    <p:sldId id="465" r:id="rId78"/>
   </p:sldIdLst>
   <p:sldSz cx="12192000" cy="6858000"/>
   <p:notesSz cx="7010400" cy="9296400"/>
@@ -486,7 +487,7 @@
           <a:p>
             <a:fld id="{EF911157-0FC2-4F06-8D61-FD647FE4E19D}" type="datetimeFigureOut">
               <a:rPr lang="en-US" smtClean="0"/>
-              <a:t>10/18/2024</a:t>
+              <a:t>10/25/2024</a:t>
             </a:fld>
             <a:endParaRPr lang="en-US"/>
           </a:p>
@@ -837,12 +838,38 @@
               <a:buChar char="•"/>
             </a:pPr>
             <a:r>
-              <a:rPr lang="en-US"/>
-              <a:t>Notes </a:t>
-            </a:r>
-            <a:r>
               <a:rPr lang="en-US" dirty="0"/>
-              <a:t>on Assignment 1: default grade for everything is an A (not an A+). With interaction term, make sure you include the levels and the transformation if appropriate. Highlight #9 in particular, talk about colliders in the DAGs maybe? Are people working together? Cite your teams if so – and also do work together! Some code cross-pollination is a good thing</a:t>
+              <a:t>Upcoming seminar series (job talks)</a:t>
+            </a:r>
+          </a:p>
+          <a:p>
+            <a:pPr marL="171450" indent="-171450">
+              <a:buFont typeface="Arial" panose="020B0604020202020204" pitchFamily="34" charset="0"/>
+              <a:buChar char="•"/>
+            </a:pPr>
+            <a:r>
+              <a:rPr lang="en-US" dirty="0"/>
+              <a:t>Final paper/referee reports questions + timelines</a:t>
+            </a:r>
+          </a:p>
+          <a:p>
+            <a:pPr marL="171450" indent="-171450">
+              <a:buFont typeface="Arial" panose="020B0604020202020204" pitchFamily="34" charset="0"/>
+              <a:buChar char="•"/>
+            </a:pPr>
+            <a:r>
+              <a:rPr lang="en-US" dirty="0"/>
+              <a:t>Marking and Notes on Assignment 1: default grade for everything is an A (not an A+, which I rarely give out). In general, your grade will be an A- or an A unless you do really well or really poorly – think about what you want from graduate marks and how that might get in the way of your learning. </a:t>
+            </a:r>
+          </a:p>
+          <a:p>
+            <a:pPr marL="628650" lvl="1" indent="-171450">
+              <a:buFont typeface="Arial" panose="020B0604020202020204" pitchFamily="34" charset="0"/>
+              <a:buChar char="•"/>
+            </a:pPr>
+            <a:r>
+              <a:rPr lang="en-US" dirty="0"/>
+              <a:t>With interaction term, make sure you include the levels and the transformation if appropriate. Highlight #9 in particular, talk about colliders in the DAGs maybe? Are people working together? Cite your teams if so – and also do work together! Some code cross-pollination is a good thing</a:t>
             </a:r>
           </a:p>
         </p:txBody>
@@ -1188,93 +1215,7 @@
           <a:bodyPr/>
           <a:lstStyle/>
           <a:p>
-            <a:r>
-              <a:rPr lang="en-CA" dirty="0"/>
-              <a:t>Note: still using </a:t>
-            </a:r>
-            <a:r>
-              <a:rPr lang="en-CA" u="sng" dirty="0"/>
-              <a:t>association</a:t>
-            </a:r>
-            <a:r>
-              <a:rPr lang="en-CA" dirty="0"/>
-              <a:t>. Why? What might be imperfect about matching? </a:t>
-            </a:r>
-          </a:p>
-          <a:p>
-            <a:r>
-              <a:rPr lang="en-CA" dirty="0"/>
-              <a:t>Discussion questions: </a:t>
-            </a:r>
-          </a:p>
-          <a:p>
-            <a:pPr marL="171450" indent="-171450">
-              <a:buFont typeface="Arial" panose="020B0604020202020204" pitchFamily="34" charset="0"/>
-              <a:buChar char="•"/>
-            </a:pPr>
-            <a:r>
-              <a:rPr lang="en-CA" dirty="0"/>
-              <a:t>What is the importance of this question? (</a:t>
-            </a:r>
-            <a:r>
-              <a:rPr lang="en-US" dirty="0"/>
-              <a:t>deteriorating labor market conditions will produce adverse effects on the health of socioeconomically vulnerable population)</a:t>
-            </a:r>
-            <a:r>
-              <a:rPr lang="en-CA" dirty="0"/>
-              <a:t>  </a:t>
-            </a:r>
-          </a:p>
-          <a:p>
-            <a:pPr marL="171450" indent="-171450">
-              <a:buFont typeface="Arial" panose="020B0604020202020204" pitchFamily="34" charset="0"/>
-              <a:buChar char="•"/>
-            </a:pPr>
-            <a:r>
-              <a:rPr lang="en-CA" dirty="0"/>
-              <a:t>What are the outcomes? What is the independent and dependent variable here? How are they defined and is it okay? (</a:t>
-            </a:r>
-            <a:r>
-              <a:rPr lang="en-US" dirty="0"/>
-              <a:t>unemployment benefit recipiency on self-rated health)</a:t>
-            </a:r>
-            <a:endParaRPr lang="en-CA" dirty="0"/>
-          </a:p>
-          <a:p>
-            <a:pPr marL="171450" indent="-171450">
-              <a:buFont typeface="Arial" panose="020B0604020202020204" pitchFamily="34" charset="0"/>
-              <a:buChar char="•"/>
-            </a:pPr>
-            <a:r>
-              <a:rPr lang="en-CA" dirty="0"/>
-              <a:t>Why can’t we do an RCT here? </a:t>
-            </a:r>
-          </a:p>
-          <a:p>
-            <a:pPr marL="171450" indent="-171450">
-              <a:buFont typeface="Arial" panose="020B0604020202020204" pitchFamily="34" charset="0"/>
-              <a:buChar char="•"/>
-            </a:pPr>
-            <a:r>
-              <a:rPr lang="en-CA" dirty="0"/>
-              <a:t>What is the comparison without matching? What are the open back doors we need to close?  (main problem: selection into unemployment based on health; secondary: </a:t>
-            </a:r>
-            <a:r>
-              <a:rPr lang="en-US" dirty="0"/>
-              <a:t>recipients of unemployment benefits tend to exhibit a more </a:t>
-            </a:r>
-            <a:r>
-              <a:rPr lang="en-US" dirty="0" err="1"/>
-              <a:t>favourable</a:t>
-            </a:r>
-            <a:r>
-              <a:rPr lang="en-US" dirty="0"/>
-              <a:t> socioeconomic profile than their nonrecipient counterparts.</a:t>
-            </a:r>
-            <a:r>
-              <a:rPr lang="en-CA" dirty="0"/>
-              <a:t>)</a:t>
-            </a:r>
+            <a:endParaRPr lang="en-US" dirty="0"/>
           </a:p>
         </p:txBody>
       </p:sp>
@@ -1295,7 +1236,7 @@
           <a:p>
             <a:fld id="{4AF79E1B-2C51-4B9B-8EA4-26DE9E345AFF}" type="slidenum">
               <a:rPr lang="en-US" smtClean="0"/>
-              <a:t>16</a:t>
+              <a:t>15</a:t>
             </a:fld>
             <a:endParaRPr lang="en-US"/>
           </a:p>
@@ -1304,7 +1245,7 @@
     </p:spTree>
     <p:extLst>
       <p:ext uri="{BB962C8B-B14F-4D97-AF65-F5344CB8AC3E}">
-        <p14:creationId xmlns:p14="http://schemas.microsoft.com/office/powerpoint/2010/main" val="1464085377"/>
+        <p14:creationId xmlns:p14="http://schemas.microsoft.com/office/powerpoint/2010/main" val="4162473708"/>
       </p:ext>
     </p:extLst>
   </p:cSld>
@@ -1359,8 +1300,91 @@
           <a:lstStyle/>
           <a:p>
             <a:r>
+              <a:rPr lang="en-CA" dirty="0"/>
+              <a:t>Note: still using </a:t>
+            </a:r>
+            <a:r>
+              <a:rPr lang="en-CA" u="sng" dirty="0"/>
+              <a:t>association</a:t>
+            </a:r>
+            <a:r>
+              <a:rPr lang="en-CA" dirty="0"/>
+              <a:t>. Why? What might be imperfect about matching? </a:t>
+            </a:r>
+          </a:p>
+          <a:p>
+            <a:r>
+              <a:rPr lang="en-CA" dirty="0"/>
+              <a:t>Discussion questions: </a:t>
+            </a:r>
+          </a:p>
+          <a:p>
+            <a:pPr marL="171450" indent="-171450">
+              <a:buFont typeface="Arial" panose="020B0604020202020204" pitchFamily="34" charset="0"/>
+              <a:buChar char="•"/>
+            </a:pPr>
+            <a:r>
+              <a:rPr lang="en-CA" dirty="0"/>
+              <a:t>What is the importance of this question? (</a:t>
+            </a:r>
+            <a:r>
               <a:rPr lang="en-US" dirty="0"/>
-              <a:t>Balance tables! How do we interpret these?</a:t>
+              <a:t>deteriorating labor market conditions will produce adverse effects on the health of socioeconomically vulnerable population)</a:t>
+            </a:r>
+            <a:r>
+              <a:rPr lang="en-CA" dirty="0"/>
+              <a:t>  </a:t>
+            </a:r>
+          </a:p>
+          <a:p>
+            <a:pPr marL="171450" indent="-171450">
+              <a:buFont typeface="Arial" panose="020B0604020202020204" pitchFamily="34" charset="0"/>
+              <a:buChar char="•"/>
+            </a:pPr>
+            <a:r>
+              <a:rPr lang="en-CA" dirty="0"/>
+              <a:t>What are the outcomes? What is the independent and dependent variable here? How are they defined and is it okay? (</a:t>
+            </a:r>
+            <a:r>
+              <a:rPr lang="en-US" dirty="0"/>
+              <a:t>unemployment benefit recipiency on self-rated health)</a:t>
+            </a:r>
+            <a:endParaRPr lang="en-CA" dirty="0"/>
+          </a:p>
+          <a:p>
+            <a:pPr marL="171450" indent="-171450">
+              <a:buFont typeface="Arial" panose="020B0604020202020204" pitchFamily="34" charset="0"/>
+              <a:buChar char="•"/>
+            </a:pPr>
+            <a:r>
+              <a:rPr lang="en-CA" dirty="0"/>
+              <a:t>Why can’t we do an RCT here? </a:t>
+            </a:r>
+          </a:p>
+          <a:p>
+            <a:pPr marL="171450" indent="-171450">
+              <a:buFont typeface="Arial" panose="020B0604020202020204" pitchFamily="34" charset="0"/>
+              <a:buChar char="•"/>
+            </a:pPr>
+            <a:r>
+              <a:rPr lang="en-CA" dirty="0"/>
+              <a:t>What is the comparison without matching? What are the open back doors we need to close?  (main problem: selection into unemployment based on health; secondary: </a:t>
+            </a:r>
+            <a:r>
+              <a:rPr lang="en-US" dirty="0"/>
+              <a:t>recipients of unemployment benefits tend to exhibit a more </a:t>
+            </a:r>
+            <a:r>
+              <a:rPr lang="en-US" dirty="0" err="1"/>
+              <a:t>favourable</a:t>
+            </a:r>
+            <a:r>
+              <a:rPr lang="en-US" dirty="0"/>
+              <a:t> socioeconomic profile than their nonrecipient counterparts.</a:t>
+            </a:r>
+            <a:r>
+              <a:rPr lang="en-CA" dirty="0"/>
+              <a:t>)</a:t>
             </a:r>
           </a:p>
         </p:txBody>
@@ -1382,7 +1406,7 @@
           <a:p>
             <a:fld id="{4AF79E1B-2C51-4B9B-8EA4-26DE9E345AFF}" type="slidenum">
               <a:rPr lang="en-US" smtClean="0"/>
-              <a:t>17</a:t>
+              <a:t>16</a:t>
             </a:fld>
             <a:endParaRPr lang="en-US"/>
           </a:p>
@@ -1391,7 +1415,7 @@
     </p:spTree>
     <p:extLst>
       <p:ext uri="{BB962C8B-B14F-4D97-AF65-F5344CB8AC3E}">
-        <p14:creationId xmlns:p14="http://schemas.microsoft.com/office/powerpoint/2010/main" val="3582323592"/>
+        <p14:creationId xmlns:p14="http://schemas.microsoft.com/office/powerpoint/2010/main" val="1464085377"/>
       </p:ext>
     </p:extLst>
   </p:cSld>
@@ -1446,8 +1470,91 @@
           <a:lstStyle/>
           <a:p>
             <a:r>
+              <a:rPr lang="en-CA" dirty="0"/>
+              <a:t>Note: still using </a:t>
+            </a:r>
+            <a:r>
+              <a:rPr lang="en-CA" u="sng" dirty="0"/>
+              <a:t>association</a:t>
+            </a:r>
+            <a:r>
+              <a:rPr lang="en-CA" dirty="0"/>
+              <a:t>. Why? What might be imperfect about matching? </a:t>
+            </a:r>
+          </a:p>
+          <a:p>
+            <a:r>
+              <a:rPr lang="en-CA" dirty="0"/>
+              <a:t>Discussion questions: </a:t>
+            </a:r>
+          </a:p>
+          <a:p>
+            <a:pPr marL="171450" indent="-171450">
+              <a:buFont typeface="Arial" panose="020B0604020202020204" pitchFamily="34" charset="0"/>
+              <a:buChar char="•"/>
+            </a:pPr>
+            <a:r>
+              <a:rPr lang="en-CA" dirty="0"/>
+              <a:t>What is the importance of this question? (</a:t>
+            </a:r>
+            <a:r>
               <a:rPr lang="en-US" dirty="0"/>
-              <a:t>Balance tables! How do we interpret these?</a:t>
+              <a:t>deteriorating labor market conditions will produce adverse effects on the health of socioeconomically vulnerable population)</a:t>
+            </a:r>
+            <a:r>
+              <a:rPr lang="en-CA" dirty="0"/>
+              <a:t>  </a:t>
+            </a:r>
+          </a:p>
+          <a:p>
+            <a:pPr marL="171450" indent="-171450">
+              <a:buFont typeface="Arial" panose="020B0604020202020204" pitchFamily="34" charset="0"/>
+              <a:buChar char="•"/>
+            </a:pPr>
+            <a:r>
+              <a:rPr lang="en-CA" dirty="0"/>
+              <a:t>What are the outcomes? What is the independent and dependent variable here? How are they defined and is it okay? (</a:t>
+            </a:r>
+            <a:r>
+              <a:rPr lang="en-US" dirty="0"/>
+              <a:t>unemployment benefit recipiency on self-rated health)</a:t>
+            </a:r>
+            <a:endParaRPr lang="en-CA" dirty="0"/>
+          </a:p>
+          <a:p>
+            <a:pPr marL="171450" indent="-171450">
+              <a:buFont typeface="Arial" panose="020B0604020202020204" pitchFamily="34" charset="0"/>
+              <a:buChar char="•"/>
+            </a:pPr>
+            <a:r>
+              <a:rPr lang="en-CA" dirty="0"/>
+              <a:t>Why can’t we do an RCT here? </a:t>
+            </a:r>
+          </a:p>
+          <a:p>
+            <a:pPr marL="171450" indent="-171450">
+              <a:buFont typeface="Arial" panose="020B0604020202020204" pitchFamily="34" charset="0"/>
+              <a:buChar char="•"/>
+            </a:pPr>
+            <a:r>
+              <a:rPr lang="en-CA" dirty="0"/>
+              <a:t>What is the comparison without matching? What are the open back doors we need to close?  (main problem: selection into unemployment based on health; secondary: </a:t>
+            </a:r>
+            <a:r>
+              <a:rPr lang="en-US" dirty="0"/>
+              <a:t>recipients of unemployment benefits tend to exhibit a more </a:t>
+            </a:r>
+            <a:r>
+              <a:rPr lang="en-US" dirty="0" err="1"/>
+              <a:t>favourable</a:t>
+            </a:r>
+            <a:r>
+              <a:rPr lang="en-US" dirty="0"/>
+              <a:t> socioeconomic profile than their nonrecipient counterparts.</a:t>
+            </a:r>
+            <a:r>
+              <a:rPr lang="en-CA" dirty="0"/>
+              <a:t>)</a:t>
             </a:r>
           </a:p>
         </p:txBody>
@@ -1469,7 +1576,7 @@
           <a:p>
             <a:fld id="{4AF79E1B-2C51-4B9B-8EA4-26DE9E345AFF}" type="slidenum">
               <a:rPr lang="en-US" smtClean="0"/>
-              <a:t>18</a:t>
+              <a:t>17</a:t>
             </a:fld>
             <a:endParaRPr lang="en-US"/>
           </a:p>
@@ -1478,7 +1585,7 @@
     </p:spTree>
     <p:extLst>
       <p:ext uri="{BB962C8B-B14F-4D97-AF65-F5344CB8AC3E}">
-        <p14:creationId xmlns:p14="http://schemas.microsoft.com/office/powerpoint/2010/main" val="543147442"/>
+        <p14:creationId xmlns:p14="http://schemas.microsoft.com/office/powerpoint/2010/main" val="4180550678"/>
       </p:ext>
     </p:extLst>
   </p:cSld>
@@ -1534,7 +1641,7 @@
           <a:p>
             <a:r>
               <a:rPr lang="en-US" dirty="0"/>
-              <a:t>Want to do some visualizations in R to look at and replicate (ish) the “unbalance” table</a:t>
+              <a:t>Balance tables! How do we interpret these?</a:t>
             </a:r>
           </a:p>
         </p:txBody>
@@ -1556,7 +1663,7 @@
           <a:p>
             <a:fld id="{4AF79E1B-2C51-4B9B-8EA4-26DE9E345AFF}" type="slidenum">
               <a:rPr lang="en-US" smtClean="0"/>
-              <a:t>20</a:t>
+              <a:t>18</a:t>
             </a:fld>
             <a:endParaRPr lang="en-US"/>
           </a:p>
@@ -1565,7 +1672,7 @@
     </p:spTree>
     <p:extLst>
       <p:ext uri="{BB962C8B-B14F-4D97-AF65-F5344CB8AC3E}">
-        <p14:creationId xmlns:p14="http://schemas.microsoft.com/office/powerpoint/2010/main" val="3930385287"/>
+        <p14:creationId xmlns:p14="http://schemas.microsoft.com/office/powerpoint/2010/main" val="3582323592"/>
       </p:ext>
     </p:extLst>
   </p:cSld>
@@ -1621,7 +1728,7 @@
           <a:p>
             <a:r>
               <a:rPr lang="en-US" dirty="0"/>
-              <a:t>Preprocessing should be informed by the causal model you have in mind (you guess something about what is non-random in treatment assignment and fix it)</a:t>
+              <a:t>Balance tables! How do we interpret these?</a:t>
             </a:r>
           </a:p>
         </p:txBody>
@@ -1643,7 +1750,7 @@
           <a:p>
             <a:fld id="{4AF79E1B-2C51-4B9B-8EA4-26DE9E345AFF}" type="slidenum">
               <a:rPr lang="en-US" smtClean="0"/>
-              <a:t>21</a:t>
+              <a:t>19</a:t>
             </a:fld>
             <a:endParaRPr lang="en-US"/>
           </a:p>
@@ -1652,7 +1759,7 @@
     </p:spTree>
     <p:extLst>
       <p:ext uri="{BB962C8B-B14F-4D97-AF65-F5344CB8AC3E}">
-        <p14:creationId xmlns:p14="http://schemas.microsoft.com/office/powerpoint/2010/main" val="3108054289"/>
+        <p14:creationId xmlns:p14="http://schemas.microsoft.com/office/powerpoint/2010/main" val="543147442"/>
       </p:ext>
     </p:extLst>
   </p:cSld>
@@ -1708,7 +1815,7 @@
           <a:p>
             <a:r>
               <a:rPr lang="en-US" dirty="0"/>
-              <a:t>Note: what is the regression to identify difference in means between two groups? </a:t>
+              <a:t>Want to do some visualizations in R to look at and replicate (ish) the “unbalance” table</a:t>
             </a:r>
           </a:p>
         </p:txBody>
@@ -1730,7 +1837,7 @@
           <a:p>
             <a:fld id="{4AF79E1B-2C51-4B9B-8EA4-26DE9E345AFF}" type="slidenum">
               <a:rPr lang="en-US" smtClean="0"/>
-              <a:t>22</a:t>
+              <a:t>21</a:t>
             </a:fld>
             <a:endParaRPr lang="en-US"/>
           </a:p>
@@ -1739,7 +1846,7 @@
     </p:spTree>
     <p:extLst>
       <p:ext uri="{BB962C8B-B14F-4D97-AF65-F5344CB8AC3E}">
-        <p14:creationId xmlns:p14="http://schemas.microsoft.com/office/powerpoint/2010/main" val="3657453220"/>
+        <p14:creationId xmlns:p14="http://schemas.microsoft.com/office/powerpoint/2010/main" val="3930385287"/>
       </p:ext>
     </p:extLst>
   </p:cSld>
@@ -1795,31 +1902,7 @@
           <a:p>
             <a:r>
               <a:rPr lang="en-US" dirty="0"/>
-              <a:t>Estimator notes – want difference in means across groups (treated and control). If D = 1 , then we want the positive difference; if D = 0, then we want the reverse (because </a:t>
-            </a:r>
-            <a:r>
-              <a:rPr lang="en-US" dirty="0" err="1"/>
-              <a:t>Y_i</a:t>
-            </a:r>
-            <a:r>
-              <a:rPr lang="en-US" dirty="0"/>
-              <a:t> is control and </a:t>
-            </a:r>
-            <a:r>
-              <a:rPr lang="en-US" dirty="0" err="1"/>
-              <a:t>Y_j</a:t>
-            </a:r>
-            <a:r>
-              <a:rPr lang="en-US" dirty="0"/>
-              <a:t>(</a:t>
-            </a:r>
-            <a:r>
-              <a:rPr lang="en-US" dirty="0" err="1"/>
-              <a:t>i</a:t>
-            </a:r>
-            <a:r>
-              <a:rPr lang="en-US" dirty="0"/>
-              <a:t>) is treated). Always want treated – control for each pair. </a:t>
+              <a:t>Preprocessing should be informed by the causal model you have in mind (you guess something about what is non-random in treatment assignment and fix it)</a:t>
             </a:r>
           </a:p>
         </p:txBody>
@@ -1841,7 +1924,7 @@
           <a:p>
             <a:fld id="{4AF79E1B-2C51-4B9B-8EA4-26DE9E345AFF}" type="slidenum">
               <a:rPr lang="en-US" smtClean="0"/>
-              <a:t>23</a:t>
+              <a:t>22</a:t>
             </a:fld>
             <a:endParaRPr lang="en-US"/>
           </a:p>
@@ -1850,7 +1933,7 @@
     </p:spTree>
     <p:extLst>
       <p:ext uri="{BB962C8B-B14F-4D97-AF65-F5344CB8AC3E}">
-        <p14:creationId xmlns:p14="http://schemas.microsoft.com/office/powerpoint/2010/main" val="1659117476"/>
+        <p14:creationId xmlns:p14="http://schemas.microsoft.com/office/powerpoint/2010/main" val="3108054289"/>
       </p:ext>
     </p:extLst>
   </p:cSld>
@@ -1992,8 +2075,8 @@
           <a:lstStyle/>
           <a:p>
             <a:r>
-              <a:rPr lang="en-CA" dirty="0"/>
-              <a:t>So if you are analyzing data from an RCT, you really just have to look at differences in means (maybe adjusting the SE s or adjusting for multiple hypothesis testing). You don’t even need controls! (Why? No confounding) Our goal today: can we simulate an RCT in the real world? </a:t>
+              <a:rPr lang="en-US" dirty="0"/>
+              <a:t>Note: what is the regression to identify difference in means between two groups? </a:t>
             </a:r>
           </a:p>
         </p:txBody>
@@ -2015,7 +2098,7 @@
           <a:p>
             <a:fld id="{4AF79E1B-2C51-4B9B-8EA4-26DE9E345AFF}" type="slidenum">
               <a:rPr lang="en-US" smtClean="0"/>
-              <a:t>24</a:t>
+              <a:t>23</a:t>
             </a:fld>
             <a:endParaRPr lang="en-US"/>
           </a:p>
@@ -2024,7 +2107,7 @@
     </p:spTree>
     <p:extLst>
       <p:ext uri="{BB962C8B-B14F-4D97-AF65-F5344CB8AC3E}">
-        <p14:creationId xmlns:p14="http://schemas.microsoft.com/office/powerpoint/2010/main" val="4067255298"/>
+        <p14:creationId xmlns:p14="http://schemas.microsoft.com/office/powerpoint/2010/main" val="3657453220"/>
       </p:ext>
     </p:extLst>
   </p:cSld>
@@ -2080,7 +2163,31 @@
           <a:p>
             <a:r>
               <a:rPr lang="en-US" dirty="0"/>
-              <a:t>Also note that the OLS assigns weights to observations that may bias your estimate of ATE or ATT, particularly if (1) probability of treatment varies with x and (2) E(Y_1-Y_0|x) varies in x</a:t>
+              <a:t>Estimator notes – want difference in means across groups (treated and control). If D = 1 , then we want the positive difference; if D = 0, then we want the reverse (because </a:t>
+            </a:r>
+            <a:r>
+              <a:rPr lang="en-US" dirty="0" err="1"/>
+              <a:t>Y_i</a:t>
+            </a:r>
+            <a:r>
+              <a:rPr lang="en-US" dirty="0"/>
+              <a:t> is control and </a:t>
+            </a:r>
+            <a:r>
+              <a:rPr lang="en-US" dirty="0" err="1"/>
+              <a:t>Y_j</a:t>
+            </a:r>
+            <a:r>
+              <a:rPr lang="en-US" dirty="0"/>
+              <a:t>(</a:t>
+            </a:r>
+            <a:r>
+              <a:rPr lang="en-US" dirty="0" err="1"/>
+              <a:t>i</a:t>
+            </a:r>
+            <a:r>
+              <a:rPr lang="en-US" dirty="0"/>
+              <a:t>) is treated). Always want treated – control for each pair. </a:t>
             </a:r>
           </a:p>
         </p:txBody>
@@ -2102,7 +2209,7 @@
           <a:p>
             <a:fld id="{4AF79E1B-2C51-4B9B-8EA4-26DE9E345AFF}" type="slidenum">
               <a:rPr lang="en-US" smtClean="0"/>
-              <a:t>26</a:t>
+              <a:t>24</a:t>
             </a:fld>
             <a:endParaRPr lang="en-US"/>
           </a:p>
@@ -2111,7 +2218,7 @@
     </p:spTree>
     <p:extLst>
       <p:ext uri="{BB962C8B-B14F-4D97-AF65-F5344CB8AC3E}">
-        <p14:creationId xmlns:p14="http://schemas.microsoft.com/office/powerpoint/2010/main" val="481348209"/>
+        <p14:creationId xmlns:p14="http://schemas.microsoft.com/office/powerpoint/2010/main" val="1659117476"/>
       </p:ext>
     </p:extLst>
   </p:cSld>
@@ -2167,7 +2274,7 @@
           <a:p>
             <a:r>
               <a:rPr lang="en-CA" dirty="0"/>
-              <a:t>You want to go through this section quickly – just to build intuition. </a:t>
+              <a:t>So if you are analyzing data from an RCT, you really just have to look at differences in means (maybe adjusting the SE s or adjusting for multiple hypothesis testing). You don’t even need controls! (Why? No confounding) Our goal today: can we simulate an RCT in the real world? </a:t>
             </a:r>
           </a:p>
         </p:txBody>
@@ -2189,7 +2296,7 @@
           <a:p>
             <a:fld id="{4AF79E1B-2C51-4B9B-8EA4-26DE9E345AFF}" type="slidenum">
               <a:rPr lang="en-US" smtClean="0"/>
-              <a:t>27</a:t>
+              <a:t>25</a:t>
             </a:fld>
             <a:endParaRPr lang="en-US"/>
           </a:p>
@@ -2198,7 +2305,7 @@
     </p:spTree>
     <p:extLst>
       <p:ext uri="{BB962C8B-B14F-4D97-AF65-F5344CB8AC3E}">
-        <p14:creationId xmlns:p14="http://schemas.microsoft.com/office/powerpoint/2010/main" val="1701568236"/>
+        <p14:creationId xmlns:p14="http://schemas.microsoft.com/office/powerpoint/2010/main" val="4067255298"/>
       </p:ext>
     </p:extLst>
   </p:cSld>
@@ -2254,7 +2361,7 @@
           <a:p>
             <a:r>
               <a:rPr lang="en-US" dirty="0"/>
-              <a:t>Subclassification is a simplistic form of matching, used to give intuition here.</a:t>
+              <a:t>Also note that the OLS assigns weights to observations that may bias your estimate of ATE or ATT, particularly if (1) probability of treatment varies with x and (2) E(Y_1-Y_0|x) varies in x</a:t>
             </a:r>
           </a:p>
         </p:txBody>
@@ -2276,7 +2383,7 @@
           <a:p>
             <a:fld id="{4AF79E1B-2C51-4B9B-8EA4-26DE9E345AFF}" type="slidenum">
               <a:rPr lang="en-US" smtClean="0"/>
-              <a:t>28</a:t>
+              <a:t>27</a:t>
             </a:fld>
             <a:endParaRPr lang="en-US"/>
           </a:p>
@@ -2285,7 +2392,7 @@
     </p:spTree>
     <p:extLst>
       <p:ext uri="{BB962C8B-B14F-4D97-AF65-F5344CB8AC3E}">
-        <p14:creationId xmlns:p14="http://schemas.microsoft.com/office/powerpoint/2010/main" val="3042673188"/>
+        <p14:creationId xmlns:p14="http://schemas.microsoft.com/office/powerpoint/2010/main" val="481348209"/>
       </p:ext>
     </p:extLst>
   </p:cSld>
@@ -2340,8 +2447,8 @@
           <a:lstStyle/>
           <a:p>
             <a:r>
-              <a:rPr lang="en-US" dirty="0"/>
-              <a:t>Weights are determined by the frequency of data – how likely is it that you see someone in a certain quantile of BMI</a:t>
+              <a:rPr lang="en-CA" dirty="0"/>
+              <a:t>You want to go through this section quickly – just to build intuition. </a:t>
             </a:r>
           </a:p>
         </p:txBody>
@@ -2363,7 +2470,7 @@
           <a:p>
             <a:fld id="{4AF79E1B-2C51-4B9B-8EA4-26DE9E345AFF}" type="slidenum">
               <a:rPr lang="en-US" smtClean="0"/>
-              <a:t>29</a:t>
+              <a:t>28</a:t>
             </a:fld>
             <a:endParaRPr lang="en-US"/>
           </a:p>
@@ -2372,7 +2479,7 @@
     </p:spTree>
     <p:extLst>
       <p:ext uri="{BB962C8B-B14F-4D97-AF65-F5344CB8AC3E}">
-        <p14:creationId xmlns:p14="http://schemas.microsoft.com/office/powerpoint/2010/main" val="3045847423"/>
+        <p14:creationId xmlns:p14="http://schemas.microsoft.com/office/powerpoint/2010/main" val="1701568236"/>
       </p:ext>
     </p:extLst>
   </p:cSld>
@@ -2428,27 +2535,7 @@
           <a:p>
             <a:r>
               <a:rPr lang="en-US" dirty="0"/>
-              <a:t>**update this to use MatchIt** Packages: good, but make sure you know what is happening under the hood! If you can code up your own estimator, do. Otherwise, cite your packages (show the citations in RMD, don’t go through code)</a:t>
-            </a:r>
-          </a:p>
-          <a:p>
-            <a:pPr marL="171450" indent="-171450">
-              <a:buFont typeface="Arial" panose="020B0604020202020204" pitchFamily="34" charset="0"/>
-              <a:buChar char="•"/>
-            </a:pPr>
-            <a:r>
-              <a:rPr lang="en-US" dirty="0"/>
-              <a:t>MatchIt method</a:t>
-            </a:r>
-          </a:p>
-          <a:p>
-            <a:pPr marL="171450" indent="-171450">
-              <a:buFont typeface="Arial" panose="020B0604020202020204" pitchFamily="34" charset="0"/>
-              <a:buChar char="•"/>
-            </a:pPr>
-            <a:r>
-              <a:rPr lang="en-US" dirty="0"/>
-              <a:t>Mention that R really is better for Stata when it comes to matching. </a:t>
+              <a:t>Subclassification is a simplistic form of matching, used to give intuition here.</a:t>
             </a:r>
           </a:p>
         </p:txBody>
@@ -2470,7 +2557,7 @@
           <a:p>
             <a:fld id="{4AF79E1B-2C51-4B9B-8EA4-26DE9E345AFF}" type="slidenum">
               <a:rPr lang="en-US" smtClean="0"/>
-              <a:t>30</a:t>
+              <a:t>29</a:t>
             </a:fld>
             <a:endParaRPr lang="en-US"/>
           </a:p>
@@ -2479,7 +2566,7 @@
     </p:spTree>
     <p:extLst>
       <p:ext uri="{BB962C8B-B14F-4D97-AF65-F5344CB8AC3E}">
-        <p14:creationId xmlns:p14="http://schemas.microsoft.com/office/powerpoint/2010/main" val="3276036988"/>
+        <p14:creationId xmlns:p14="http://schemas.microsoft.com/office/powerpoint/2010/main" val="3042673188"/>
       </p:ext>
     </p:extLst>
   </p:cSld>
@@ -2535,7 +2622,7 @@
           <a:p>
             <a:r>
               <a:rPr lang="en-US" dirty="0"/>
-              <a:t>What might some examples be here? What are some problems with subclassification? How many classifications? </a:t>
+              <a:t>Weights are determined by the frequency of data – how likely is it that you see someone in a certain quantile of BMI</a:t>
             </a:r>
           </a:p>
         </p:txBody>
@@ -2557,7 +2644,7 @@
           <a:p>
             <a:fld id="{4AF79E1B-2C51-4B9B-8EA4-26DE9E345AFF}" type="slidenum">
               <a:rPr lang="en-US" smtClean="0"/>
-              <a:t>31</a:t>
+              <a:t>30</a:t>
             </a:fld>
             <a:endParaRPr lang="en-US"/>
           </a:p>
@@ -2566,7 +2653,7 @@
     </p:spTree>
     <p:extLst>
       <p:ext uri="{BB962C8B-B14F-4D97-AF65-F5344CB8AC3E}">
-        <p14:creationId xmlns:p14="http://schemas.microsoft.com/office/powerpoint/2010/main" val="3306235369"/>
+        <p14:creationId xmlns:p14="http://schemas.microsoft.com/office/powerpoint/2010/main" val="3045847423"/>
       </p:ext>
     </p:extLst>
   </p:cSld>
@@ -2622,7 +2709,35 @@
           <a:p>
             <a:r>
               <a:rPr lang="en-US" dirty="0"/>
-              <a:t>We typically assume away sparsity problems (or use a different strategy if we have this problem – then matching doesn’t get rid of the selection (they’re still apples and oranges after matching))</a:t>
+              <a:t>**update this to use MatchIt** Packages: good, but make sure you know what is happening under the hood! If you can code up your own estimator, do. Otherwise, cite your packages (show the citations in RMD, don’t go through code)</a:t>
+            </a:r>
+          </a:p>
+          <a:p>
+            <a:pPr marL="171450" indent="-171450">
+              <a:buFont typeface="Arial" panose="020B0604020202020204" pitchFamily="34" charset="0"/>
+              <a:buChar char="•"/>
+            </a:pPr>
+            <a:r>
+              <a:rPr lang="en-US" dirty="0"/>
+              <a:t>MatchIt method</a:t>
+            </a:r>
+          </a:p>
+          <a:p>
+            <a:pPr marL="171450" indent="-171450">
+              <a:buFont typeface="Arial" panose="020B0604020202020204" pitchFamily="34" charset="0"/>
+              <a:buChar char="•"/>
+            </a:pPr>
+            <a:r>
+              <a:rPr lang="en-US" dirty="0"/>
+              <a:t>Mention that Stata really is </a:t>
+            </a:r>
+            <a:r>
+              <a:rPr lang="en-US"/>
+              <a:t>better than R when </a:t>
+            </a:r>
+            <a:r>
+              <a:rPr lang="en-US" dirty="0"/>
+              <a:t>it comes to matching. </a:t>
             </a:r>
           </a:p>
         </p:txBody>
@@ -2644,7 +2759,7 @@
           <a:p>
             <a:fld id="{4AF79E1B-2C51-4B9B-8EA4-26DE9E345AFF}" type="slidenum">
               <a:rPr lang="en-US" smtClean="0"/>
-              <a:t>32</a:t>
+              <a:t>31</a:t>
             </a:fld>
             <a:endParaRPr lang="en-US"/>
           </a:p>
@@ -2653,7 +2768,7 @@
     </p:spTree>
     <p:extLst>
       <p:ext uri="{BB962C8B-B14F-4D97-AF65-F5344CB8AC3E}">
-        <p14:creationId xmlns:p14="http://schemas.microsoft.com/office/powerpoint/2010/main" val="2789666599"/>
+        <p14:creationId xmlns:p14="http://schemas.microsoft.com/office/powerpoint/2010/main" val="3276036988"/>
       </p:ext>
     </p:extLst>
   </p:cSld>
@@ -2708,8 +2823,8 @@
           <a:lstStyle/>
           <a:p>
             <a:r>
-              <a:rPr lang="en-CA" dirty="0"/>
-              <a:t>Exact matching should be covered quickly, want to get to approximate matches</a:t>
+              <a:rPr lang="en-US" dirty="0"/>
+              <a:t>What might some examples be here? What are some problems with subclassification? How many classifications? </a:t>
             </a:r>
           </a:p>
         </p:txBody>
@@ -2731,7 +2846,7 @@
           <a:p>
             <a:fld id="{4AF79E1B-2C51-4B9B-8EA4-26DE9E345AFF}" type="slidenum">
               <a:rPr lang="en-US" smtClean="0"/>
-              <a:t>33</a:t>
+              <a:t>32</a:t>
             </a:fld>
             <a:endParaRPr lang="en-US"/>
           </a:p>
@@ -2740,7 +2855,7 @@
     </p:spTree>
     <p:extLst>
       <p:ext uri="{BB962C8B-B14F-4D97-AF65-F5344CB8AC3E}">
-        <p14:creationId xmlns:p14="http://schemas.microsoft.com/office/powerpoint/2010/main" val="3508860060"/>
+        <p14:creationId xmlns:p14="http://schemas.microsoft.com/office/powerpoint/2010/main" val="3306235369"/>
       </p:ext>
     </p:extLst>
   </p:cSld>
@@ -2794,7 +2909,10 @@
           <a:bodyPr/>
           <a:lstStyle/>
           <a:p>
-            <a:endParaRPr lang="en-US" dirty="0"/>
+            <a:r>
+              <a:rPr lang="en-US" dirty="0"/>
+              <a:t>We typically assume away sparsity problems (or use a different strategy if we have this problem – then matching doesn’t get rid of the selection (they’re still apples and oranges after matching))</a:t>
+            </a:r>
           </a:p>
         </p:txBody>
       </p:sp>
@@ -2815,7 +2933,7 @@
           <a:p>
             <a:fld id="{4AF79E1B-2C51-4B9B-8EA4-26DE9E345AFF}" type="slidenum">
               <a:rPr lang="en-US" smtClean="0"/>
-              <a:t>35</a:t>
+              <a:t>33</a:t>
             </a:fld>
             <a:endParaRPr lang="en-US"/>
           </a:p>
@@ -2824,7 +2942,7 @@
     </p:spTree>
     <p:extLst>
       <p:ext uri="{BB962C8B-B14F-4D97-AF65-F5344CB8AC3E}">
-        <p14:creationId xmlns:p14="http://schemas.microsoft.com/office/powerpoint/2010/main" val="2986673398"/>
+        <p14:creationId xmlns:p14="http://schemas.microsoft.com/office/powerpoint/2010/main" val="2789666599"/>
       </p:ext>
     </p:extLst>
   </p:cSld>
@@ -2966,8 +3084,8 @@
           <a:lstStyle/>
           <a:p>
             <a:r>
-              <a:rPr lang="en-US" dirty="0"/>
-              <a:t>Skip over the code for exact matching, don’t need it? </a:t>
+              <a:rPr lang="en-CA" dirty="0"/>
+              <a:t>Exact matching should be covered quickly, want to get to approximate matches</a:t>
             </a:r>
           </a:p>
         </p:txBody>
@@ -2989,7 +3107,7 @@
           <a:p>
             <a:fld id="{4AF79E1B-2C51-4B9B-8EA4-26DE9E345AFF}" type="slidenum">
               <a:rPr lang="en-US" smtClean="0"/>
-              <a:t>36</a:t>
+              <a:t>34</a:t>
             </a:fld>
             <a:endParaRPr lang="en-US"/>
           </a:p>
@@ -2998,7 +3116,7 @@
     </p:spTree>
     <p:extLst>
       <p:ext uri="{BB962C8B-B14F-4D97-AF65-F5344CB8AC3E}">
-        <p14:creationId xmlns:p14="http://schemas.microsoft.com/office/powerpoint/2010/main" val="3289897223"/>
+        <p14:creationId xmlns:p14="http://schemas.microsoft.com/office/powerpoint/2010/main" val="3508860060"/>
       </p:ext>
     </p:extLst>
   </p:cSld>
@@ -3052,10 +3170,7 @@
           <a:bodyPr/>
           <a:lstStyle/>
           <a:p>
-            <a:r>
-              <a:rPr lang="en-US" dirty="0"/>
-              <a:t>This is the way most matching actually happens these days!</a:t>
-            </a:r>
+            <a:endParaRPr lang="en-US" dirty="0"/>
           </a:p>
         </p:txBody>
       </p:sp>
@@ -3076,7 +3191,7 @@
           <a:p>
             <a:fld id="{4AF79E1B-2C51-4B9B-8EA4-26DE9E345AFF}" type="slidenum">
               <a:rPr lang="en-US" smtClean="0"/>
-              <a:t>38</a:t>
+              <a:t>36</a:t>
             </a:fld>
             <a:endParaRPr lang="en-US"/>
           </a:p>
@@ -3085,7 +3200,7 @@
     </p:spTree>
     <p:extLst>
       <p:ext uri="{BB962C8B-B14F-4D97-AF65-F5344CB8AC3E}">
-        <p14:creationId xmlns:p14="http://schemas.microsoft.com/office/powerpoint/2010/main" val="1810726846"/>
+        <p14:creationId xmlns:p14="http://schemas.microsoft.com/office/powerpoint/2010/main" val="2986673398"/>
       </p:ext>
     </p:extLst>
   </p:cSld>
@@ -3141,15 +3256,7 @@
           <a:p>
             <a:r>
               <a:rPr lang="en-US" dirty="0"/>
-              <a:t>Subscript notes: I and j are people, n is covariate (age, sex, </a:t>
-            </a:r>
-            <a:r>
-              <a:rPr lang="en-US" dirty="0" err="1"/>
-              <a:t>bmi</a:t>
-            </a:r>
-            <a:r>
-              <a:rPr lang="en-US" dirty="0"/>
-              <a:t>, married, etc.)</a:t>
+              <a:t>Skip over the code for exact matching, don’t need it? </a:t>
             </a:r>
           </a:p>
         </p:txBody>
@@ -3171,7 +3278,7 @@
           <a:p>
             <a:fld id="{4AF79E1B-2C51-4B9B-8EA4-26DE9E345AFF}" type="slidenum">
               <a:rPr lang="en-US" smtClean="0"/>
-              <a:t>39</a:t>
+              <a:t>37</a:t>
             </a:fld>
             <a:endParaRPr lang="en-US"/>
           </a:p>
@@ -3180,7 +3287,7 @@
     </p:spTree>
     <p:extLst>
       <p:ext uri="{BB962C8B-B14F-4D97-AF65-F5344CB8AC3E}">
-        <p14:creationId xmlns:p14="http://schemas.microsoft.com/office/powerpoint/2010/main" val="2702435886"/>
+        <p14:creationId xmlns:p14="http://schemas.microsoft.com/office/powerpoint/2010/main" val="3289897223"/>
       </p:ext>
     </p:extLst>
   </p:cSld>
@@ -3236,7 +3343,7 @@
           <a:p>
             <a:r>
               <a:rPr lang="en-US" dirty="0"/>
-              <a:t>You have to choose k</a:t>
+              <a:t>This is the way most matching actually happens these days!</a:t>
             </a:r>
           </a:p>
         </p:txBody>
@@ -3258,7 +3365,7 @@
           <a:p>
             <a:fld id="{4AF79E1B-2C51-4B9B-8EA4-26DE9E345AFF}" type="slidenum">
               <a:rPr lang="en-US" smtClean="0"/>
-              <a:t>40</a:t>
+              <a:t>39</a:t>
             </a:fld>
             <a:endParaRPr lang="en-US"/>
           </a:p>
@@ -3267,7 +3374,7 @@
     </p:spTree>
     <p:extLst>
       <p:ext uri="{BB962C8B-B14F-4D97-AF65-F5344CB8AC3E}">
-        <p14:creationId xmlns:p14="http://schemas.microsoft.com/office/powerpoint/2010/main" val="1551035533"/>
+        <p14:creationId xmlns:p14="http://schemas.microsoft.com/office/powerpoint/2010/main" val="1810726846"/>
       </p:ext>
     </p:extLst>
   </p:cSld>
@@ -3323,7 +3430,15 @@
           <a:p>
             <a:r>
               <a:rPr lang="en-US" dirty="0"/>
-              <a:t>So what are the neighbors of this guy? </a:t>
+              <a:t>Subscript notes: I and j are people, n is covariate (age, sex, </a:t>
+            </a:r>
+            <a:r>
+              <a:rPr lang="en-US" dirty="0" err="1"/>
+              <a:t>bmi</a:t>
+            </a:r>
+            <a:r>
+              <a:rPr lang="en-US" dirty="0"/>
+              <a:t>, married, etc.)</a:t>
             </a:r>
           </a:p>
         </p:txBody>
@@ -3345,7 +3460,7 @@
           <a:p>
             <a:fld id="{4AF79E1B-2C51-4B9B-8EA4-26DE9E345AFF}" type="slidenum">
               <a:rPr lang="en-US" smtClean="0"/>
-              <a:t>42</a:t>
+              <a:t>40</a:t>
             </a:fld>
             <a:endParaRPr lang="en-US"/>
           </a:p>
@@ -3354,7 +3469,7 @@
     </p:spTree>
     <p:extLst>
       <p:ext uri="{BB962C8B-B14F-4D97-AF65-F5344CB8AC3E}">
-        <p14:creationId xmlns:p14="http://schemas.microsoft.com/office/powerpoint/2010/main" val="448131795"/>
+        <p14:creationId xmlns:p14="http://schemas.microsoft.com/office/powerpoint/2010/main" val="2702435886"/>
       </p:ext>
     </p:extLst>
   </p:cSld>
@@ -3410,7 +3525,7 @@
           <a:p>
             <a:r>
               <a:rPr lang="en-US" dirty="0"/>
-              <a:t>How do we choose k? </a:t>
+              <a:t>You have to choose k</a:t>
             </a:r>
           </a:p>
         </p:txBody>
@@ -3432,7 +3547,7 @@
           <a:p>
             <a:fld id="{4AF79E1B-2C51-4B9B-8EA4-26DE9E345AFF}" type="slidenum">
               <a:rPr lang="en-US" smtClean="0"/>
-              <a:t>43</a:t>
+              <a:t>41</a:t>
             </a:fld>
             <a:endParaRPr lang="en-US"/>
           </a:p>
@@ -3441,7 +3556,7 @@
     </p:spTree>
     <p:extLst>
       <p:ext uri="{BB962C8B-B14F-4D97-AF65-F5344CB8AC3E}">
-        <p14:creationId xmlns:p14="http://schemas.microsoft.com/office/powerpoint/2010/main" val="4092278446"/>
+        <p14:creationId xmlns:p14="http://schemas.microsoft.com/office/powerpoint/2010/main" val="1551035533"/>
       </p:ext>
     </p:extLst>
   </p:cSld>
@@ -3495,7 +3610,10 @@
           <a:bodyPr/>
           <a:lstStyle/>
           <a:p>
-            <a:endParaRPr lang="en-CA" dirty="0"/>
+            <a:r>
+              <a:rPr lang="en-US" dirty="0"/>
+              <a:t>So what are the neighbors of this guy? </a:t>
+            </a:r>
           </a:p>
         </p:txBody>
       </p:sp>
@@ -3516,7 +3634,7 @@
           <a:p>
             <a:fld id="{4AF79E1B-2C51-4B9B-8EA4-26DE9E345AFF}" type="slidenum">
               <a:rPr lang="en-US" smtClean="0"/>
-              <a:t>44</a:t>
+              <a:t>43</a:t>
             </a:fld>
             <a:endParaRPr lang="en-US"/>
           </a:p>
@@ -3525,7 +3643,7 @@
     </p:spTree>
     <p:extLst>
       <p:ext uri="{BB962C8B-B14F-4D97-AF65-F5344CB8AC3E}">
-        <p14:creationId xmlns:p14="http://schemas.microsoft.com/office/powerpoint/2010/main" val="25111178"/>
+        <p14:creationId xmlns:p14="http://schemas.microsoft.com/office/powerpoint/2010/main" val="448131795"/>
       </p:ext>
     </p:extLst>
   </p:cSld>
@@ -3580,8 +3698,8 @@
           <a:lstStyle/>
           <a:p>
             <a:r>
-              <a:rPr lang="en-CA" dirty="0"/>
-              <a:t>Is there a better way to solve these problems? Can we beat the curse of dimensionality? Is there an optimal bandwidth? </a:t>
+              <a:rPr lang="en-US" dirty="0"/>
+              <a:t>How do we choose k? </a:t>
             </a:r>
           </a:p>
         </p:txBody>
@@ -3603,7 +3721,7 @@
           <a:p>
             <a:fld id="{4AF79E1B-2C51-4B9B-8EA4-26DE9E345AFF}" type="slidenum">
               <a:rPr lang="en-US" smtClean="0"/>
-              <a:t>45</a:t>
+              <a:t>44</a:t>
             </a:fld>
             <a:endParaRPr lang="en-US"/>
           </a:p>
@@ -3612,7 +3730,7 @@
     </p:spTree>
     <p:extLst>
       <p:ext uri="{BB962C8B-B14F-4D97-AF65-F5344CB8AC3E}">
-        <p14:creationId xmlns:p14="http://schemas.microsoft.com/office/powerpoint/2010/main" val="1824373681"/>
+        <p14:creationId xmlns:p14="http://schemas.microsoft.com/office/powerpoint/2010/main" val="4092278446"/>
       </p:ext>
     </p:extLst>
   </p:cSld>
@@ -3666,42 +3784,6 @@
           <a:bodyPr/>
           <a:lstStyle/>
           <a:p>
-            <a:r>
-              <a:rPr lang="en-CA" dirty="0"/>
-              <a:t>Section 2.4 in the case study. What goes in X? </a:t>
-            </a:r>
-            <a:r>
-              <a:rPr lang="en-US" dirty="0"/>
-              <a:t>age(years), sex (male versus female), marital status (couple, single, or widowed/divorced), whether there are children living in the household, self-reported race/ethnicity (white, black, Aboriginal, Asian, or multiple/other), immigrant status (non-immigrant, immigrant less than 15years, or immigrant 15 years or more), geographical region (Atlantic, Central, or Western), urbanicity (urban versus rural), education (less than secondary, secondary degree, some post-secondary, post-secondary degree), home ownership (owner versus renter), and survey  year.</a:t>
-            </a:r>
-          </a:p>
-          <a:p>
-            <a:pPr marL="171450" indent="-171450">
-              <a:buFont typeface="Arial" panose="020B0604020202020204" pitchFamily="34" charset="0"/>
-              <a:buChar char="•"/>
-            </a:pPr>
-            <a:r>
-              <a:rPr lang="en-US" dirty="0"/>
-              <a:t>Note: should we really be controlling for home ownership? Why or why not? </a:t>
-            </a:r>
-          </a:p>
-          <a:p>
-            <a:pPr marL="171450" indent="-171450">
-              <a:buFont typeface="Arial" panose="020B0604020202020204" pitchFamily="34" charset="0"/>
-              <a:buChar char="•"/>
-            </a:pPr>
-            <a:r>
-              <a:rPr lang="en-US" dirty="0"/>
-              <a:t>What are we missing? </a:t>
-            </a:r>
-            <a:r>
-              <a:rPr lang="en-US" b="1" dirty="0"/>
-              <a:t>Income! </a:t>
-            </a:r>
-            <a:r>
-              <a:rPr lang="en-US" b="0" dirty="0"/>
-              <a:t>Why do they exclude it?</a:t>
-            </a:r>
             <a:endParaRPr lang="en-CA" dirty="0"/>
           </a:p>
         </p:txBody>
@@ -3723,7 +3805,7 @@
           <a:p>
             <a:fld id="{4AF79E1B-2C51-4B9B-8EA4-26DE9E345AFF}" type="slidenum">
               <a:rPr lang="en-US" smtClean="0"/>
-              <a:t>46</a:t>
+              <a:t>45</a:t>
             </a:fld>
             <a:endParaRPr lang="en-US"/>
           </a:p>
@@ -3732,7 +3814,7 @@
     </p:spTree>
     <p:extLst>
       <p:ext uri="{BB962C8B-B14F-4D97-AF65-F5344CB8AC3E}">
-        <p14:creationId xmlns:p14="http://schemas.microsoft.com/office/powerpoint/2010/main" val="621437806"/>
+        <p14:creationId xmlns:p14="http://schemas.microsoft.com/office/powerpoint/2010/main" val="25111178"/>
       </p:ext>
     </p:extLst>
   </p:cSld>
@@ -3787,10 +3869,9 @@
           <a:lstStyle/>
           <a:p>
             <a:r>
-              <a:rPr lang="en-US" dirty="0"/>
-              <a:t>Someone turn this into plain English – what are we doing here? </a:t>
-            </a:r>
-            <a:endParaRPr lang="en-CA" dirty="0"/>
+              <a:rPr lang="en-CA" dirty="0"/>
+              <a:t>Is there a better way to solve these problems? Can we beat the curse of dimensionality? Is there an optimal bandwidth? </a:t>
+            </a:r>
           </a:p>
         </p:txBody>
       </p:sp>
@@ -3811,7 +3892,7 @@
           <a:p>
             <a:fld id="{4AF79E1B-2C51-4B9B-8EA4-26DE9E345AFF}" type="slidenum">
               <a:rPr lang="en-US" smtClean="0"/>
-              <a:t>47</a:t>
+              <a:t>46</a:t>
             </a:fld>
             <a:endParaRPr lang="en-US"/>
           </a:p>
@@ -3820,7 +3901,7 @@
     </p:spTree>
     <p:extLst>
       <p:ext uri="{BB962C8B-B14F-4D97-AF65-F5344CB8AC3E}">
-        <p14:creationId xmlns:p14="http://schemas.microsoft.com/office/powerpoint/2010/main" val="1568255184"/>
+        <p14:creationId xmlns:p14="http://schemas.microsoft.com/office/powerpoint/2010/main" val="1824373681"/>
       </p:ext>
     </p:extLst>
   </p:cSld>
@@ -3962,8 +4043,40 @@
           <a:lstStyle/>
           <a:p>
             <a:r>
+              <a:rPr lang="en-CA" dirty="0"/>
+              <a:t>Section 2.4 in the case study. What goes in X? </a:t>
+            </a:r>
+            <a:r>
               <a:rPr lang="en-US" dirty="0"/>
-              <a:t>Someone turn this into plain English – what are we doing here? </a:t>
+              <a:t>age(years), sex (male versus female), marital status (couple, single, or widowed/divorced), whether there are children living in the household, self-reported race/ethnicity (white, black, Aboriginal, Asian, or multiple/other), immigrant status (non-immigrant, immigrant less than 15years, or immigrant 15 years or more), geographical region (Atlantic, Central, or Western), urbanicity (urban versus rural), education (less than secondary, secondary degree, some post-secondary, post-secondary degree), home ownership (owner versus renter), and survey  year.</a:t>
+            </a:r>
+          </a:p>
+          <a:p>
+            <a:pPr marL="171450" indent="-171450">
+              <a:buFont typeface="Arial" panose="020B0604020202020204" pitchFamily="34" charset="0"/>
+              <a:buChar char="•"/>
+            </a:pPr>
+            <a:r>
+              <a:rPr lang="en-US" dirty="0"/>
+              <a:t>Note: should we really be controlling for home ownership? Why or why not? </a:t>
+            </a:r>
+          </a:p>
+          <a:p>
+            <a:pPr marL="171450" indent="-171450">
+              <a:buFont typeface="Arial" panose="020B0604020202020204" pitchFamily="34" charset="0"/>
+              <a:buChar char="•"/>
+            </a:pPr>
+            <a:r>
+              <a:rPr lang="en-US" dirty="0"/>
+              <a:t>What are we missing? </a:t>
+            </a:r>
+            <a:r>
+              <a:rPr lang="en-US" b="1" dirty="0"/>
+              <a:t>Income! </a:t>
+            </a:r>
+            <a:r>
+              <a:rPr lang="en-US" b="0" dirty="0"/>
+              <a:t>Why do they exclude it?</a:t>
             </a:r>
             <a:endParaRPr lang="en-CA" dirty="0"/>
           </a:p>
@@ -3986,7 +4099,7 @@
           <a:p>
             <a:fld id="{4AF79E1B-2C51-4B9B-8EA4-26DE9E345AFF}" type="slidenum">
               <a:rPr lang="en-US" smtClean="0"/>
-              <a:t>48</a:t>
+              <a:t>47</a:t>
             </a:fld>
             <a:endParaRPr lang="en-US"/>
           </a:p>
@@ -3995,7 +4108,7 @@
     </p:spTree>
     <p:extLst>
       <p:ext uri="{BB962C8B-B14F-4D97-AF65-F5344CB8AC3E}">
-        <p14:creationId xmlns:p14="http://schemas.microsoft.com/office/powerpoint/2010/main" val="1029284478"/>
+        <p14:creationId xmlns:p14="http://schemas.microsoft.com/office/powerpoint/2010/main" val="621437806"/>
       </p:ext>
     </p:extLst>
   </p:cSld>
@@ -4050,17 +4163,10 @@
           <a:lstStyle/>
           <a:p>
             <a:r>
-              <a:rPr lang="en-CA" dirty="0"/>
-              <a:t>We haven’t covered logit or </a:t>
-            </a:r>
-            <a:r>
-              <a:rPr lang="en-CA" dirty="0" err="1"/>
-              <a:t>probit</a:t>
-            </a:r>
-            <a:r>
-              <a:rPr lang="en-CA" dirty="0"/>
-              <a:t> yet, will in future lectures. If I have two observations with similar propensities but only one is treated, then differences across those observations are more likely to be treatment related, right? But the true propensity score is (of course) unknown </a:t>
-            </a:r>
+              <a:rPr lang="en-US" dirty="0"/>
+              <a:t>Someone turn this into plain English – what are we doing here? </a:t>
+            </a:r>
+            <a:endParaRPr lang="en-CA" dirty="0"/>
           </a:p>
         </p:txBody>
       </p:sp>
@@ -4081,7 +4187,7 @@
           <a:p>
             <a:fld id="{4AF79E1B-2C51-4B9B-8EA4-26DE9E345AFF}" type="slidenum">
               <a:rPr lang="en-US" smtClean="0"/>
-              <a:t>49</a:t>
+              <a:t>48</a:t>
             </a:fld>
             <a:endParaRPr lang="en-US"/>
           </a:p>
@@ -4090,7 +4196,7 @@
     </p:spTree>
     <p:extLst>
       <p:ext uri="{BB962C8B-B14F-4D97-AF65-F5344CB8AC3E}">
-        <p14:creationId xmlns:p14="http://schemas.microsoft.com/office/powerpoint/2010/main" val="2231763867"/>
+        <p14:creationId xmlns:p14="http://schemas.microsoft.com/office/powerpoint/2010/main" val="1568255184"/>
       </p:ext>
     </p:extLst>
   </p:cSld>
@@ -4144,76 +4250,11 @@
           <a:bodyPr/>
           <a:lstStyle/>
           <a:p>
-            <a:pPr marL="0" marR="0" lvl="0" indent="0" algn="l" defTabSz="914400" rtl="0" eaLnBrk="1" fontAlgn="auto" latinLnBrk="0" hangingPunct="1">
-              <a:lnSpc>
-                <a:spcPct val="100000"/>
-              </a:lnSpc>
-              <a:spcBef>
-                <a:spcPts val="0"/>
-              </a:spcBef>
-              <a:spcAft>
-                <a:spcPts val="0"/>
-              </a:spcAft>
-              <a:buClrTx/>
-              <a:buSzTx/>
-              <a:buFontTx/>
-              <a:buNone/>
-              <a:tabLst/>
-              <a:defRPr/>
-            </a:pPr>
             <a:r>
               <a:rPr lang="en-US" dirty="0"/>
-              <a:t>In a true RCT, this is just the probability of the coin flip (e.g., 0.5) But in a non-RCT, there are lots of ways your treatment probabilities could change (e.g., remember that this is why we cluster?)</a:t>
-            </a:r>
-          </a:p>
-          <a:p>
-            <a:pPr marL="0" marR="0" lvl="0" indent="0" algn="l" defTabSz="914400" rtl="0" eaLnBrk="1" fontAlgn="auto" latinLnBrk="0" hangingPunct="1">
-              <a:lnSpc>
-                <a:spcPct val="100000"/>
-              </a:lnSpc>
-              <a:spcBef>
-                <a:spcPts val="0"/>
-              </a:spcBef>
-              <a:spcAft>
-                <a:spcPts val="0"/>
-              </a:spcAft>
-              <a:buClrTx/>
-              <a:buSzTx/>
-              <a:buFontTx/>
-              <a:buNone/>
-              <a:tabLst/>
-              <a:defRPr/>
-            </a:pPr>
-            <a:endParaRPr lang="en-US" dirty="0"/>
-          </a:p>
-          <a:p>
-            <a:pPr marL="0" marR="0" lvl="0" indent="0" algn="l" defTabSz="914400" rtl="0" eaLnBrk="1" fontAlgn="auto" latinLnBrk="0" hangingPunct="1">
-              <a:lnSpc>
-                <a:spcPct val="100000"/>
-              </a:lnSpc>
-              <a:spcBef>
-                <a:spcPts val="0"/>
-              </a:spcBef>
-              <a:spcAft>
-                <a:spcPts val="0"/>
-              </a:spcAft>
-              <a:buClrTx/>
-              <a:buSzTx/>
-              <a:buFontTx/>
-              <a:buNone/>
-              <a:tabLst/>
-              <a:defRPr/>
-            </a:pPr>
-            <a:r>
-              <a:rPr lang="en-US" dirty="0"/>
-              <a:t>What’s the logic for using this in matching? If you and I have the same probability of being treated, but only one of us is actually treated, then we’re pretty similar in the counterfactual worlds, right? </a:t>
-            </a:r>
-          </a:p>
-          <a:p>
-            <a:r>
-              <a:rPr lang="en-US" dirty="0"/>
-              <a:t> Plus this is pretty easy to implement!</a:t>
-            </a:r>
+              <a:t>Someone turn this into plain English – what are we doing here? </a:t>
+            </a:r>
+            <a:endParaRPr lang="en-CA" dirty="0"/>
           </a:p>
         </p:txBody>
       </p:sp>
@@ -4234,7 +4275,7 @@
           <a:p>
             <a:fld id="{4AF79E1B-2C51-4B9B-8EA4-26DE9E345AFF}" type="slidenum">
               <a:rPr lang="en-US" smtClean="0"/>
-              <a:t>50</a:t>
+              <a:t>49</a:t>
             </a:fld>
             <a:endParaRPr lang="en-US"/>
           </a:p>
@@ -4243,7 +4284,7 @@
     </p:spTree>
     <p:extLst>
       <p:ext uri="{BB962C8B-B14F-4D97-AF65-F5344CB8AC3E}">
-        <p14:creationId xmlns:p14="http://schemas.microsoft.com/office/powerpoint/2010/main" val="204094027"/>
+        <p14:creationId xmlns:p14="http://schemas.microsoft.com/office/powerpoint/2010/main" val="1029284478"/>
       </p:ext>
     </p:extLst>
   </p:cSld>
@@ -4299,7 +4340,15 @@
           <a:p>
             <a:r>
               <a:rPr lang="en-CA" dirty="0"/>
-              <a:t>Matching (and regression, and all design-based approaches) are approximating an RCT – what kind of RCT are you comfortable with? </a:t>
+              <a:t>We haven’t covered logit or </a:t>
+            </a:r>
+            <a:r>
+              <a:rPr lang="en-CA" dirty="0" err="1"/>
+              <a:t>probit</a:t>
+            </a:r>
+            <a:r>
+              <a:rPr lang="en-CA" dirty="0"/>
+              <a:t> yet, will in future lectures. If I have two observations with similar propensities but only one is treated, then differences across those observations are more likely to be treatment related, right? But the true propensity score is (of course) unknown </a:t>
             </a:r>
           </a:p>
         </p:txBody>
@@ -4321,7 +4370,7 @@
           <a:p>
             <a:fld id="{4AF79E1B-2C51-4B9B-8EA4-26DE9E345AFF}" type="slidenum">
               <a:rPr lang="en-US" smtClean="0"/>
-              <a:t>51</a:t>
+              <a:t>50</a:t>
             </a:fld>
             <a:endParaRPr lang="en-US"/>
           </a:p>
@@ -4330,7 +4379,7 @@
     </p:spTree>
     <p:extLst>
       <p:ext uri="{BB962C8B-B14F-4D97-AF65-F5344CB8AC3E}">
-        <p14:creationId xmlns:p14="http://schemas.microsoft.com/office/powerpoint/2010/main" val="2455635008"/>
+        <p14:creationId xmlns:p14="http://schemas.microsoft.com/office/powerpoint/2010/main" val="2231763867"/>
       </p:ext>
     </p:extLst>
   </p:cSld>
@@ -4384,19 +4433,75 @@
           <a:bodyPr/>
           <a:lstStyle/>
           <a:p>
+            <a:pPr marL="0" marR="0" lvl="0" indent="0" algn="l" defTabSz="914400" rtl="0" eaLnBrk="1" fontAlgn="auto" latinLnBrk="0" hangingPunct="1">
+              <a:lnSpc>
+                <a:spcPct val="100000"/>
+              </a:lnSpc>
+              <a:spcBef>
+                <a:spcPts val="0"/>
+              </a:spcBef>
+              <a:spcAft>
+                <a:spcPts val="0"/>
+              </a:spcAft>
+              <a:buClrTx/>
+              <a:buSzTx/>
+              <a:buFontTx/>
+              <a:buNone/>
+              <a:tabLst/>
+              <a:defRPr/>
+            </a:pPr>
             <a:r>
               <a:rPr lang="en-US" dirty="0"/>
-              <a:t>Balance tables! Can look at the full one here: https://www.sciencedirect.com/science/article/pii/S0277953619301200?casa_token=3sZ0ALXMOo8AAAAA:uB1kjnETLu-dhuvYmrUzTkvSr1DGtpUXDn1dtMb44fKQKt97v7Exe4HX0kEjveHIk4dsl2uftsw#appsec1. </a:t>
-            </a:r>
-          </a:p>
-          <a:p>
+              <a:t>In a true RCT, this is just the probability of the coin flip (e.g., 0.5) But in a non-RCT, there are lots of ways your treatment probabilities could change (e.g., remember that this is why we cluster?)</a:t>
+            </a:r>
+          </a:p>
+          <a:p>
+            <a:pPr marL="0" marR="0" lvl="0" indent="0" algn="l" defTabSz="914400" rtl="0" eaLnBrk="1" fontAlgn="auto" latinLnBrk="0" hangingPunct="1">
+              <a:lnSpc>
+                <a:spcPct val="100000"/>
+              </a:lnSpc>
+              <a:spcBef>
+                <a:spcPts val="0"/>
+              </a:spcBef>
+              <a:spcAft>
+                <a:spcPts val="0"/>
+              </a:spcAft>
+              <a:buClrTx/>
+              <a:buSzTx/>
+              <a:buFontTx/>
+              <a:buNone/>
+              <a:tabLst/>
+              <a:defRPr/>
+            </a:pPr>
+            <a:endParaRPr lang="en-US" dirty="0"/>
+          </a:p>
+          <a:p>
+            <a:pPr marL="0" marR="0" lvl="0" indent="0" algn="l" defTabSz="914400" rtl="0" eaLnBrk="1" fontAlgn="auto" latinLnBrk="0" hangingPunct="1">
+              <a:lnSpc>
+                <a:spcPct val="100000"/>
+              </a:lnSpc>
+              <a:spcBef>
+                <a:spcPts val="0"/>
+              </a:spcBef>
+              <a:spcAft>
+                <a:spcPts val="0"/>
+              </a:spcAft>
+              <a:buClrTx/>
+              <a:buSzTx/>
+              <a:buFontTx/>
+              <a:buNone/>
+              <a:tabLst/>
+              <a:defRPr/>
+            </a:pPr>
             <a:r>
               <a:rPr lang="en-US" dirty="0"/>
-              <a:t>How do we interpret these? </a:t>
-            </a:r>
-            <a:r>
-              <a:rPr lang="en-US" b="1" u="sng" dirty="0"/>
-              <a:t>How do we decide if the match is good enough? </a:t>
+              <a:t>What’s the logic for using this in matching? If you and I have the same probability of being treated, but only one of us is actually treated, then we’re pretty similar in the counterfactual worlds, right? </a:t>
+            </a:r>
+          </a:p>
+          <a:p>
+            <a:r>
+              <a:rPr lang="en-US" dirty="0"/>
+              <a:t> Plus this is pretty easy to implement!</a:t>
             </a:r>
           </a:p>
         </p:txBody>
@@ -4418,7 +4523,7 @@
           <a:p>
             <a:fld id="{4AF79E1B-2C51-4B9B-8EA4-26DE9E345AFF}" type="slidenum">
               <a:rPr lang="en-US" smtClean="0"/>
-              <a:t>52</a:t>
+              <a:t>51</a:t>
             </a:fld>
             <a:endParaRPr lang="en-US"/>
           </a:p>
@@ -4427,7 +4532,7 @@
     </p:spTree>
     <p:extLst>
       <p:ext uri="{BB962C8B-B14F-4D97-AF65-F5344CB8AC3E}">
-        <p14:creationId xmlns:p14="http://schemas.microsoft.com/office/powerpoint/2010/main" val="418948226"/>
+        <p14:creationId xmlns:p14="http://schemas.microsoft.com/office/powerpoint/2010/main" val="204094027"/>
       </p:ext>
     </p:extLst>
   </p:cSld>
@@ -4483,7 +4588,7 @@
           <a:p>
             <a:r>
               <a:rPr lang="en-CA" dirty="0"/>
-              <a:t>So then what? </a:t>
+              <a:t>Matching (and regression, and all design-based approaches) are approximating an RCT – what kind of RCT are you comfortable with? </a:t>
             </a:r>
           </a:p>
         </p:txBody>
@@ -4505,7 +4610,7 @@
           <a:p>
             <a:fld id="{4AF79E1B-2C51-4B9B-8EA4-26DE9E345AFF}" type="slidenum">
               <a:rPr lang="en-US" smtClean="0"/>
-              <a:t>53</a:t>
+              <a:t>52</a:t>
             </a:fld>
             <a:endParaRPr lang="en-US"/>
           </a:p>
@@ -4514,7 +4619,7 @@
     </p:spTree>
     <p:extLst>
       <p:ext uri="{BB962C8B-B14F-4D97-AF65-F5344CB8AC3E}">
-        <p14:creationId xmlns:p14="http://schemas.microsoft.com/office/powerpoint/2010/main" val="3116795009"/>
+        <p14:creationId xmlns:p14="http://schemas.microsoft.com/office/powerpoint/2010/main" val="2455635008"/>
       </p:ext>
     </p:extLst>
   </p:cSld>
@@ -4569,8 +4674,18 @@
           <a:lstStyle/>
           <a:p>
             <a:r>
-              <a:rPr lang="en-CA" dirty="0"/>
-              <a:t>So if you are analyzing data from an RCT, you really just have to look at differences in means (maybe adjusting the SE s or adjusting for multiple hypothesis testing). You don’t even need controls! (Why? No confounding) Our goal today: can we simulate an RCT in the real world? (You can add adjustment if you need to). </a:t>
+              <a:rPr lang="en-US" dirty="0"/>
+              <a:t>Balance tables! Can look at the full one here: https://www.sciencedirect.com/science/article/pii/S0277953619301200?casa_token=3sZ0ALXMOo8AAAAA:uB1kjnETLu-dhuvYmrUzTkvSr1DGtpUXDn1dtMb44fKQKt97v7Exe4HX0kEjveHIk4dsl2uftsw#appsec1. </a:t>
+            </a:r>
+          </a:p>
+          <a:p>
+            <a:r>
+              <a:rPr lang="en-US" dirty="0"/>
+              <a:t>How do we interpret these? </a:t>
+            </a:r>
+            <a:r>
+              <a:rPr lang="en-US" b="1" u="sng" dirty="0"/>
+              <a:t>How do we decide if the match is good enough? </a:t>
             </a:r>
           </a:p>
         </p:txBody>
@@ -4592,7 +4707,7 @@
           <a:p>
             <a:fld id="{4AF79E1B-2C51-4B9B-8EA4-26DE9E345AFF}" type="slidenum">
               <a:rPr lang="en-US" smtClean="0"/>
-              <a:t>54</a:t>
+              <a:t>53</a:t>
             </a:fld>
             <a:endParaRPr lang="en-US"/>
           </a:p>
@@ -4601,7 +4716,7 @@
     </p:spTree>
     <p:extLst>
       <p:ext uri="{BB962C8B-B14F-4D97-AF65-F5344CB8AC3E}">
-        <p14:creationId xmlns:p14="http://schemas.microsoft.com/office/powerpoint/2010/main" val="4067255298"/>
+        <p14:creationId xmlns:p14="http://schemas.microsoft.com/office/powerpoint/2010/main" val="418948226"/>
       </p:ext>
     </p:extLst>
   </p:cSld>
@@ -4656,8 +4771,8 @@
           <a:lstStyle/>
           <a:p>
             <a:r>
-              <a:rPr lang="en-US" dirty="0"/>
-              <a:t>Here, what is the regression? What is the main coefficient of interest? </a:t>
+              <a:rPr lang="en-CA" dirty="0"/>
+              <a:t>So then what? </a:t>
             </a:r>
           </a:p>
         </p:txBody>
@@ -4679,7 +4794,7 @@
           <a:p>
             <a:fld id="{4AF79E1B-2C51-4B9B-8EA4-26DE9E345AFF}" type="slidenum">
               <a:rPr lang="en-US" smtClean="0"/>
-              <a:t>55</a:t>
+              <a:t>54</a:t>
             </a:fld>
             <a:endParaRPr lang="en-US"/>
           </a:p>
@@ -4688,7 +4803,7 @@
     </p:spTree>
     <p:extLst>
       <p:ext uri="{BB962C8B-B14F-4D97-AF65-F5344CB8AC3E}">
-        <p14:creationId xmlns:p14="http://schemas.microsoft.com/office/powerpoint/2010/main" val="3657453220"/>
+        <p14:creationId xmlns:p14="http://schemas.microsoft.com/office/powerpoint/2010/main" val="3116795009"/>
       </p:ext>
     </p:extLst>
   </p:cSld>
@@ -4744,7 +4859,7 @@
           <a:p>
             <a:r>
               <a:rPr lang="en-CA" dirty="0"/>
-              <a:t>How do we interpret these results? </a:t>
+              <a:t>So if you are analyzing data from an RCT, you really just have to look at differences in means (maybe adjusting the SE s or adjusting for multiple hypothesis testing). You don’t even need controls! (Why? No confounding) Our goal today: can we simulate an RCT in the real world? (You can add adjustment if you need to). </a:t>
             </a:r>
           </a:p>
         </p:txBody>
@@ -4766,7 +4881,7 @@
           <a:p>
             <a:fld id="{4AF79E1B-2C51-4B9B-8EA4-26DE9E345AFF}" type="slidenum">
               <a:rPr lang="en-US" smtClean="0"/>
-              <a:t>56</a:t>
+              <a:t>55</a:t>
             </a:fld>
             <a:endParaRPr lang="en-US"/>
           </a:p>
@@ -4775,7 +4890,7 @@
     </p:spTree>
     <p:extLst>
       <p:ext uri="{BB962C8B-B14F-4D97-AF65-F5344CB8AC3E}">
-        <p14:creationId xmlns:p14="http://schemas.microsoft.com/office/powerpoint/2010/main" val="986814685"/>
+        <p14:creationId xmlns:p14="http://schemas.microsoft.com/office/powerpoint/2010/main" val="4067255298"/>
       </p:ext>
     </p:extLst>
   </p:cSld>
@@ -4829,10 +4944,10 @@
           <a:bodyPr/>
           <a:lstStyle/>
           <a:p>
-            <a:pPr marL="228600" indent="-228600">
-              <a:buAutoNum type="arabicPeriod"/>
-            </a:pPr>
-            <a:endParaRPr lang="en-CA" dirty="0"/>
+            <a:r>
+              <a:rPr lang="en-US" dirty="0"/>
+              <a:t>Here, what is the regression? What is the main coefficient of interest? </a:t>
+            </a:r>
           </a:p>
         </p:txBody>
       </p:sp>
@@ -4853,7 +4968,7 @@
           <a:p>
             <a:fld id="{4AF79E1B-2C51-4B9B-8EA4-26DE9E345AFF}" type="slidenum">
               <a:rPr lang="en-US" smtClean="0"/>
-              <a:t>57</a:t>
+              <a:t>56</a:t>
             </a:fld>
             <a:endParaRPr lang="en-US"/>
           </a:p>
@@ -4862,7 +4977,7 @@
     </p:spTree>
     <p:extLst>
       <p:ext uri="{BB962C8B-B14F-4D97-AF65-F5344CB8AC3E}">
-        <p14:creationId xmlns:p14="http://schemas.microsoft.com/office/powerpoint/2010/main" val="1822991965"/>
+        <p14:creationId xmlns:p14="http://schemas.microsoft.com/office/powerpoint/2010/main" val="3657453220"/>
       </p:ext>
     </p:extLst>
   </p:cSld>
@@ -5008,131 +5123,10 @@
           <a:bodyPr/>
           <a:lstStyle/>
           <a:p>
-            <a:pPr marL="228600" indent="-228600">
-              <a:buAutoNum type="arabicPeriod"/>
-            </a:pPr>
-            <a:r>
-              <a:rPr lang="en-US" dirty="0" err="1"/>
-              <a:t>Nevertheless,given</a:t>
-            </a:r>
-            <a:r>
-              <a:rPr lang="en-US" dirty="0"/>
-              <a:t> the centrality of income to our hypothesis, we ran a second </a:t>
-            </a:r>
-            <a:r>
-              <a:rPr lang="en-US" dirty="0" err="1"/>
-              <a:t>modelwhere</a:t>
-            </a:r>
-            <a:r>
-              <a:rPr lang="en-US" dirty="0"/>
-              <a:t> recipients and non-recipients were also matched on </a:t>
-            </a:r>
-            <a:r>
-              <a:rPr lang="en-US" dirty="0" err="1"/>
-              <a:t>householdincome</a:t>
-            </a:r>
-            <a:r>
-              <a:rPr lang="en-US" dirty="0"/>
-              <a:t>, in addition to the original set of covariates, to ascertain whether our results were sensitive to this analytic decision. However, </a:t>
-            </a:r>
-            <a:r>
-              <a:rPr lang="en-US" dirty="0" err="1"/>
-              <a:t>toaddress</a:t>
-            </a:r>
-            <a:r>
-              <a:rPr lang="en-US" dirty="0"/>
-              <a:t> the aforementioned challenge, we calculated a revised </a:t>
-            </a:r>
-            <a:r>
-              <a:rPr lang="en-US" dirty="0" err="1"/>
-              <a:t>measureof</a:t>
-            </a:r>
-            <a:r>
-              <a:rPr lang="en-US" dirty="0"/>
-              <a:t> household income in which the average annual EI benefit amount($8246) was subtracted from the reported income values of </a:t>
-            </a:r>
-            <a:r>
-              <a:rPr lang="en-US" dirty="0" err="1"/>
-              <a:t>individualsin</a:t>
-            </a:r>
-            <a:r>
-              <a:rPr lang="en-US" dirty="0"/>
-              <a:t> the recipient group. This mitigated some of the concern around including income in the model, since after accounting for benefit </a:t>
-            </a:r>
-            <a:r>
-              <a:rPr lang="en-US" dirty="0" err="1"/>
-              <a:t>receipt,income</a:t>
-            </a:r>
-            <a:r>
-              <a:rPr lang="en-US" dirty="0"/>
-              <a:t> should be independent of treatment assignment. To </a:t>
-            </a:r>
-            <a:r>
-              <a:rPr lang="en-US" dirty="0" err="1"/>
-              <a:t>calculatethe</a:t>
-            </a:r>
-            <a:r>
-              <a:rPr lang="en-US" dirty="0"/>
-              <a:t> annual average benefit amount, we multiplied the average </a:t>
-            </a:r>
-            <a:r>
-              <a:rPr lang="en-US" dirty="0" err="1"/>
-              <a:t>durationof</a:t>
-            </a:r>
-            <a:r>
-              <a:rPr lang="en-US" dirty="0"/>
-              <a:t> EI benefits by the average weekly benefit level over the study period– 21.7 weeks and $380, respectively (Statistics Canada, 2015). We included a second model in which recipients and non-recipients </a:t>
-            </a:r>
-            <a:r>
-              <a:rPr lang="en-US" dirty="0" err="1"/>
-              <a:t>werematched</a:t>
-            </a:r>
-            <a:r>
-              <a:rPr lang="en-US" dirty="0"/>
-              <a:t> on this revised household income measure.</a:t>
-            </a:r>
-          </a:p>
-          <a:p>
-            <a:pPr marL="228600" indent="-228600">
-              <a:buAutoNum type="arabicPeriod"/>
-            </a:pPr>
-            <a:r>
-              <a:rPr lang="en-US" dirty="0"/>
-              <a:t>To address </a:t>
-            </a:r>
-            <a:r>
-              <a:rPr lang="en-US" dirty="0" err="1"/>
-              <a:t>thischallenge</a:t>
-            </a:r>
-            <a:r>
-              <a:rPr lang="en-US" dirty="0"/>
-              <a:t>, we treated chronic conditions as a proxy for labor </a:t>
-            </a:r>
-            <a:r>
-              <a:rPr lang="en-US" dirty="0" err="1"/>
-              <a:t>marketdisadvantage</a:t>
-            </a:r>
-            <a:r>
-              <a:rPr lang="en-US" dirty="0"/>
-              <a:t> – albeit a limited one – and ran a supplementary set </a:t>
-            </a:r>
-            <a:r>
-              <a:rPr lang="en-US" dirty="0" err="1"/>
-              <a:t>ofmodels</a:t>
-            </a:r>
-            <a:r>
-              <a:rPr lang="en-US" dirty="0"/>
-              <a:t> in which we restricted our analysis to the subset of </a:t>
-            </a:r>
-            <a:r>
-              <a:rPr lang="en-US" dirty="0" err="1"/>
-              <a:t>individualswho</a:t>
-            </a:r>
-            <a:r>
-              <a:rPr lang="en-US" dirty="0"/>
-              <a:t> reported having no chronic conditions.</a:t>
-            </a:r>
-            <a:endParaRPr lang="en-CA" dirty="0"/>
+            <a:r>
+              <a:rPr lang="en-CA" dirty="0"/>
+              <a:t>How do we interpret these results? </a:t>
+            </a:r>
           </a:p>
         </p:txBody>
       </p:sp>
@@ -5153,7 +5147,7 @@
           <a:p>
             <a:fld id="{4AF79E1B-2C51-4B9B-8EA4-26DE9E345AFF}" type="slidenum">
               <a:rPr lang="en-US" smtClean="0"/>
-              <a:t>58</a:t>
+              <a:t>57</a:t>
             </a:fld>
             <a:endParaRPr lang="en-US"/>
           </a:p>
@@ -5162,7 +5156,7 @@
     </p:spTree>
     <p:extLst>
       <p:ext uri="{BB962C8B-B14F-4D97-AF65-F5344CB8AC3E}">
-        <p14:creationId xmlns:p14="http://schemas.microsoft.com/office/powerpoint/2010/main" val="1688812553"/>
+        <p14:creationId xmlns:p14="http://schemas.microsoft.com/office/powerpoint/2010/main" val="986814685"/>
       </p:ext>
     </p:extLst>
   </p:cSld>
@@ -5216,10 +5210,10 @@
           <a:bodyPr/>
           <a:lstStyle/>
           <a:p>
-            <a:r>
-              <a:rPr lang="en-US" dirty="0"/>
-              <a:t>I don’t think they did a super good job dealing with this. Their limitations are all “fake” limitations. </a:t>
-            </a:r>
+            <a:pPr marL="228600" indent="-228600">
+              <a:buAutoNum type="arabicPeriod"/>
+            </a:pPr>
+            <a:endParaRPr lang="en-CA" dirty="0"/>
           </a:p>
         </p:txBody>
       </p:sp>
@@ -5240,7 +5234,7 @@
           <a:p>
             <a:fld id="{4AF79E1B-2C51-4B9B-8EA4-26DE9E345AFF}" type="slidenum">
               <a:rPr lang="en-US" smtClean="0"/>
-              <a:t>59</a:t>
+              <a:t>58</a:t>
             </a:fld>
             <a:endParaRPr lang="en-US"/>
           </a:p>
@@ -5249,7 +5243,7 @@
     </p:spTree>
     <p:extLst>
       <p:ext uri="{BB962C8B-B14F-4D97-AF65-F5344CB8AC3E}">
-        <p14:creationId xmlns:p14="http://schemas.microsoft.com/office/powerpoint/2010/main" val="345144341"/>
+        <p14:creationId xmlns:p14="http://schemas.microsoft.com/office/powerpoint/2010/main" val="1822991965"/>
       </p:ext>
     </p:extLst>
   </p:cSld>
@@ -5303,10 +5297,80 @@
           <a:bodyPr/>
           <a:lstStyle/>
           <a:p>
-            <a:r>
-              <a:rPr lang="en-CA" dirty="0"/>
-              <a:t>Exact matching should be covered quickly, want to get to approximate matches</a:t>
-            </a:r>
+            <a:pPr marL="228600" indent="-228600">
+              <a:buAutoNum type="arabicPeriod"/>
+            </a:pPr>
+            <a:r>
+              <a:rPr lang="en-US" dirty="0"/>
+              <a:t>The problem: income is the main way that you get the benefits, but its also the way benefits are meant to affect health. They (</a:t>
+            </a:r>
+            <a:r>
+              <a:rPr lang="en-US" dirty="0" err="1"/>
+              <a:t>i</a:t>
+            </a:r>
+            <a:r>
+              <a:rPr lang="en-US" dirty="0"/>
+              <a:t>) adjusted the measure of income and (ii) ran a second model where recipients and non-recipients were also matched on household income, in addition to the original set of covariates, to ascertain whether our results were sensitive to this analytic decision. However, to address the aforementioned challenge, we calculated a revised measure of household income in which the average annual EI benefit amount($8246) was subtracted from the reported income values of individuals in the recipient group. This mitigated some of the concern around including income in the model, since </a:t>
+            </a:r>
+            <a:r>
+              <a:rPr lang="en-US" b="1" dirty="0"/>
+              <a:t>after accounting for benefit receipt, income should be independent of treatment assignment. </a:t>
+            </a:r>
+            <a:r>
+              <a:rPr lang="en-US" dirty="0"/>
+              <a:t>To calculate the annual average benefit amount, we multiplied the average duration of EI benefits by the average weekly benefit level over the study period– 21.7 weeks and $380, respectively (Statistics Canada, 2015). We included a second model in which recipients and non-recipients were matched on this revised household income measure.</a:t>
+            </a:r>
+          </a:p>
+          <a:p>
+            <a:pPr marL="228600" indent="-228600">
+              <a:buAutoNum type="arabicPeriod"/>
+            </a:pPr>
+            <a:r>
+              <a:rPr lang="en-US" dirty="0"/>
+              <a:t>To address </a:t>
+            </a:r>
+            <a:r>
+              <a:rPr lang="en-US" dirty="0" err="1"/>
+              <a:t>thischallenge</a:t>
+            </a:r>
+            <a:r>
+              <a:rPr lang="en-US" dirty="0"/>
+              <a:t>, we treated chronic conditions as a proxy for labor </a:t>
+            </a:r>
+            <a:r>
+              <a:rPr lang="en-US" dirty="0" err="1"/>
+              <a:t>marketdisadvantage</a:t>
+            </a:r>
+            <a:r>
+              <a:rPr lang="en-US" dirty="0"/>
+              <a:t> – albeit a limited one – and ran a supplementary set </a:t>
+            </a:r>
+            <a:r>
+              <a:rPr lang="en-US" dirty="0" err="1"/>
+              <a:t>ofmodels</a:t>
+            </a:r>
+            <a:r>
+              <a:rPr lang="en-US" dirty="0"/>
+              <a:t> in which we restricted our analysis to the subset of </a:t>
+            </a:r>
+            <a:r>
+              <a:rPr lang="en-US" dirty="0" err="1"/>
+              <a:t>individualswho</a:t>
+            </a:r>
+            <a:r>
+              <a:rPr lang="en-US" dirty="0"/>
+              <a:t> reported having no chronic conditions.</a:t>
+            </a:r>
+          </a:p>
+          <a:p>
+            <a:pPr marL="228600" indent="-228600">
+              <a:buAutoNum type="arabicPeriod"/>
+            </a:pPr>
+            <a:r>
+              <a:rPr lang="en-US" dirty="0"/>
+              <a:t>Strongest in bottom five deciles (lol) – this is convincing though. </a:t>
+            </a:r>
+            <a:endParaRPr lang="en-CA" dirty="0"/>
           </a:p>
         </p:txBody>
       </p:sp>
@@ -5327,7 +5391,7 @@
           <a:p>
             <a:fld id="{4AF79E1B-2C51-4B9B-8EA4-26DE9E345AFF}" type="slidenum">
               <a:rPr lang="en-US" smtClean="0"/>
-              <a:t>60</a:t>
+              <a:t>59</a:t>
             </a:fld>
             <a:endParaRPr lang="en-US"/>
           </a:p>
@@ -5336,7 +5400,7 @@
     </p:spTree>
     <p:extLst>
       <p:ext uri="{BB962C8B-B14F-4D97-AF65-F5344CB8AC3E}">
-        <p14:creationId xmlns:p14="http://schemas.microsoft.com/office/powerpoint/2010/main" val="2052596549"/>
+        <p14:creationId xmlns:p14="http://schemas.microsoft.com/office/powerpoint/2010/main" val="1688812553"/>
       </p:ext>
     </p:extLst>
   </p:cSld>
@@ -5391,14 +5455,8 @@
           <a:lstStyle/>
           <a:p>
             <a:r>
-              <a:rPr lang="en-CA" dirty="0"/>
-              <a:t>If you can’t match on, say, ability, your matching might be making things worse. </a:t>
-            </a:r>
-          </a:p>
-          <a:p>
-            <a:r>
-              <a:rPr lang="en-CA" dirty="0"/>
-              <a:t>PSM had its heyday, now we have problems with it.</a:t>
+              <a:rPr lang="en-US" dirty="0"/>
+              <a:t>I don’t think they did a super good job dealing with this. Their limitations are all “fake” limitations. </a:t>
             </a:r>
           </a:p>
         </p:txBody>
@@ -5420,7 +5478,7 @@
           <a:p>
             <a:fld id="{4AF79E1B-2C51-4B9B-8EA4-26DE9E345AFF}" type="slidenum">
               <a:rPr lang="en-US" smtClean="0"/>
-              <a:t>64</a:t>
+              <a:t>60</a:t>
             </a:fld>
             <a:endParaRPr lang="en-US"/>
           </a:p>
@@ -5429,7 +5487,7 @@
     </p:spTree>
     <p:extLst>
       <p:ext uri="{BB962C8B-B14F-4D97-AF65-F5344CB8AC3E}">
-        <p14:creationId xmlns:p14="http://schemas.microsoft.com/office/powerpoint/2010/main" val="3365413990"/>
+        <p14:creationId xmlns:p14="http://schemas.microsoft.com/office/powerpoint/2010/main" val="345144341"/>
       </p:ext>
     </p:extLst>
   </p:cSld>
@@ -5483,30 +5541,10 @@
           <a:bodyPr/>
           <a:lstStyle/>
           <a:p>
-            <a:pPr marL="0" marR="0" lvl="0" indent="0" algn="l" defTabSz="914400" rtl="0" eaLnBrk="1" fontAlgn="auto" latinLnBrk="0" hangingPunct="1">
-              <a:lnSpc>
-                <a:spcPct val="100000"/>
-              </a:lnSpc>
-              <a:spcBef>
-                <a:spcPts val="0"/>
-              </a:spcBef>
-              <a:spcAft>
-                <a:spcPts val="0"/>
-              </a:spcAft>
-              <a:buClrTx/>
-              <a:buSzTx/>
-              <a:buFontTx/>
-              <a:buNone/>
-              <a:tabLst/>
-              <a:defRPr/>
-            </a:pPr>
-            <a:r>
-              <a:rPr lang="en-US" dirty="0"/>
-              <a:t>Had to update the slide here. </a:t>
-            </a:r>
-          </a:p>
-          <a:p>
-            <a:endParaRPr lang="en-US" dirty="0"/>
+            <a:r>
+              <a:rPr lang="en-CA" dirty="0"/>
+              <a:t>Exact matching should be covered quickly, want to get to approximate matches</a:t>
+            </a:r>
           </a:p>
         </p:txBody>
       </p:sp>
@@ -5527,7 +5565,7 @@
           <a:p>
             <a:fld id="{4AF79E1B-2C51-4B9B-8EA4-26DE9E345AFF}" type="slidenum">
               <a:rPr lang="en-US" smtClean="0"/>
-              <a:t>65</a:t>
+              <a:t>61</a:t>
             </a:fld>
             <a:endParaRPr lang="en-US"/>
           </a:p>
@@ -5536,7 +5574,7 @@
     </p:spTree>
     <p:extLst>
       <p:ext uri="{BB962C8B-B14F-4D97-AF65-F5344CB8AC3E}">
-        <p14:creationId xmlns:p14="http://schemas.microsoft.com/office/powerpoint/2010/main" val="2926396704"/>
+        <p14:creationId xmlns:p14="http://schemas.microsoft.com/office/powerpoint/2010/main" val="2052596549"/>
       </p:ext>
     </p:extLst>
   </p:cSld>
@@ -5590,7 +5628,16 @@
           <a:bodyPr/>
           <a:lstStyle/>
           <a:p>
-            <a:endParaRPr lang="en-US" dirty="0"/>
+            <a:r>
+              <a:rPr lang="en-CA" dirty="0"/>
+              <a:t>If you can’t match on, say, ability, your matching might be making things worse. </a:t>
+            </a:r>
+          </a:p>
+          <a:p>
+            <a:r>
+              <a:rPr lang="en-CA" dirty="0"/>
+              <a:t>PSM had its heyday, now we have problems with it.</a:t>
+            </a:r>
           </a:p>
         </p:txBody>
       </p:sp>
@@ -5611,7 +5658,7 @@
           <a:p>
             <a:fld id="{4AF79E1B-2C51-4B9B-8EA4-26DE9E345AFF}" type="slidenum">
               <a:rPr lang="en-US" smtClean="0"/>
-              <a:t>66</a:t>
+              <a:t>65</a:t>
             </a:fld>
             <a:endParaRPr lang="en-US"/>
           </a:p>
@@ -5620,7 +5667,7 @@
     </p:spTree>
     <p:extLst>
       <p:ext uri="{BB962C8B-B14F-4D97-AF65-F5344CB8AC3E}">
-        <p14:creationId xmlns:p14="http://schemas.microsoft.com/office/powerpoint/2010/main" val="2014537183"/>
+        <p14:creationId xmlns:p14="http://schemas.microsoft.com/office/powerpoint/2010/main" val="3365413990"/>
       </p:ext>
     </p:extLst>
   </p:cSld>
@@ -5674,10 +5721,30 @@
           <a:bodyPr/>
           <a:lstStyle/>
           <a:p>
-            <a:r>
-              <a:rPr lang="en-CA" dirty="0"/>
-              <a:t>Results of a MC simulation with different treatment effects (no omitted covariates) – note the performance of regression and IPW against PSM</a:t>
-            </a:r>
+            <a:pPr marL="0" marR="0" lvl="0" indent="0" algn="l" defTabSz="914400" rtl="0" eaLnBrk="1" fontAlgn="auto" latinLnBrk="0" hangingPunct="1">
+              <a:lnSpc>
+                <a:spcPct val="100000"/>
+              </a:lnSpc>
+              <a:spcBef>
+                <a:spcPts val="0"/>
+              </a:spcBef>
+              <a:spcAft>
+                <a:spcPts val="0"/>
+              </a:spcAft>
+              <a:buClrTx/>
+              <a:buSzTx/>
+              <a:buFontTx/>
+              <a:buNone/>
+              <a:tabLst/>
+              <a:defRPr/>
+            </a:pPr>
+            <a:r>
+              <a:rPr lang="en-US" dirty="0"/>
+              <a:t>Had to update the slide here. </a:t>
+            </a:r>
+          </a:p>
+          <a:p>
+            <a:endParaRPr lang="en-US" dirty="0"/>
           </a:p>
         </p:txBody>
       </p:sp>
@@ -5698,7 +5765,7 @@
           <a:p>
             <a:fld id="{4AF79E1B-2C51-4B9B-8EA4-26DE9E345AFF}" type="slidenum">
               <a:rPr lang="en-US" smtClean="0"/>
-              <a:t>67</a:t>
+              <a:t>66</a:t>
             </a:fld>
             <a:endParaRPr lang="en-US"/>
           </a:p>
@@ -5707,7 +5774,7 @@
     </p:spTree>
     <p:extLst>
       <p:ext uri="{BB962C8B-B14F-4D97-AF65-F5344CB8AC3E}">
-        <p14:creationId xmlns:p14="http://schemas.microsoft.com/office/powerpoint/2010/main" val="3796857964"/>
+        <p14:creationId xmlns:p14="http://schemas.microsoft.com/office/powerpoint/2010/main" val="2926396704"/>
       </p:ext>
     </p:extLst>
   </p:cSld>
@@ -5761,10 +5828,7 @@
           <a:bodyPr/>
           <a:lstStyle/>
           <a:p>
-            <a:r>
-              <a:rPr lang="en-CA" dirty="0"/>
-              <a:t>If you leave out covariates, this gets worse (particularly for PSM – I trimmed out PSM with regression because there’s so much variation it’s impossible to see others)</a:t>
-            </a:r>
+            <a:endParaRPr lang="en-US" dirty="0"/>
           </a:p>
         </p:txBody>
       </p:sp>
@@ -5785,7 +5849,7 @@
           <a:p>
             <a:fld id="{4AF79E1B-2C51-4B9B-8EA4-26DE9E345AFF}" type="slidenum">
               <a:rPr lang="en-US" smtClean="0"/>
-              <a:t>68</a:t>
+              <a:t>67</a:t>
             </a:fld>
             <a:endParaRPr lang="en-US"/>
           </a:p>
@@ -5794,7 +5858,7 @@
     </p:spTree>
     <p:extLst>
       <p:ext uri="{BB962C8B-B14F-4D97-AF65-F5344CB8AC3E}">
-        <p14:creationId xmlns:p14="http://schemas.microsoft.com/office/powerpoint/2010/main" val="2036240908"/>
+        <p14:creationId xmlns:p14="http://schemas.microsoft.com/office/powerpoint/2010/main" val="2014537183"/>
       </p:ext>
     </p:extLst>
   </p:cSld>
@@ -5850,7 +5914,7 @@
           <a:p>
             <a:r>
               <a:rPr lang="en-CA" dirty="0"/>
-              <a:t>PSM isn’t a great matching technique, because it’s trying to randomize in the wrong way. PSM wants to fully randomize the experiment by collapsing all covariates into a single estimator – you’re better off doing a blocked experiment by matching on multiple variables without collapsing them. This takes us back to NN matching. </a:t>
+              <a:t>Results of a MC simulation with different treatment effects (no omitted covariates) – note the performance of regression and IPW against PSM</a:t>
             </a:r>
           </a:p>
         </p:txBody>
@@ -5872,7 +5936,7 @@
           <a:p>
             <a:fld id="{4AF79E1B-2C51-4B9B-8EA4-26DE9E345AFF}" type="slidenum">
               <a:rPr lang="en-US" smtClean="0"/>
-              <a:t>69</a:t>
+              <a:t>68</a:t>
             </a:fld>
             <a:endParaRPr lang="en-US"/>
           </a:p>
@@ -5881,7 +5945,7 @@
     </p:spTree>
     <p:extLst>
       <p:ext uri="{BB962C8B-B14F-4D97-AF65-F5344CB8AC3E}">
-        <p14:creationId xmlns:p14="http://schemas.microsoft.com/office/powerpoint/2010/main" val="396091186"/>
+        <p14:creationId xmlns:p14="http://schemas.microsoft.com/office/powerpoint/2010/main" val="3796857964"/>
       </p:ext>
     </p:extLst>
   </p:cSld>
@@ -5937,7 +6001,7 @@
           <a:p>
             <a:r>
               <a:rPr lang="en-CA" dirty="0"/>
-              <a:t>Machine learning might not be quite the right way to learn which observations are similar, depending on your philosophy . </a:t>
+              <a:t>If you leave out covariates, this gets worse (particularly for PSM – I trimmed out PSM with regression because there’s so much variation it’s impossible to see others)</a:t>
             </a:r>
           </a:p>
         </p:txBody>
@@ -5959,7 +6023,7 @@
           <a:p>
             <a:fld id="{4AF79E1B-2C51-4B9B-8EA4-26DE9E345AFF}" type="slidenum">
               <a:rPr lang="en-US" smtClean="0"/>
-              <a:t>70</a:t>
+              <a:t>69</a:t>
             </a:fld>
             <a:endParaRPr lang="en-US"/>
           </a:p>
@@ -5968,7 +6032,7 @@
     </p:spTree>
     <p:extLst>
       <p:ext uri="{BB962C8B-B14F-4D97-AF65-F5344CB8AC3E}">
-        <p14:creationId xmlns:p14="http://schemas.microsoft.com/office/powerpoint/2010/main" val="1430904467"/>
+        <p14:creationId xmlns:p14="http://schemas.microsoft.com/office/powerpoint/2010/main" val="2036240908"/>
       </p:ext>
     </p:extLst>
   </p:cSld>
@@ -6120,7 +6184,94 @@
           <a:p>
             <a:r>
               <a:rPr lang="en-CA" dirty="0"/>
-              <a:t>In addition, PS are everywhere, even in OLS – the only difference is that OLS adds assumptions to PS, just like PSM does. </a:t>
+              <a:t>PSM isn’t a great matching technique, because it’s trying to randomize in the wrong way. PSM wants to fully randomize the experiment by collapsing all covariates into a single estimator – you’re better off doing a blocked experiment by matching on multiple variables without collapsing them. This takes us back to NN matching. </a:t>
+            </a:r>
+          </a:p>
+        </p:txBody>
+      </p:sp>
+      <p:sp>
+        <p:nvSpPr>
+          <p:cNvPr id="4" name="Slide Number Placeholder 3"/>
+          <p:cNvSpPr>
+            <a:spLocks noGrp="1"/>
+          </p:cNvSpPr>
+          <p:nvPr>
+            <p:ph type="sldNum" sz="quarter" idx="5"/>
+          </p:nvPr>
+        </p:nvSpPr>
+        <p:spPr/>
+        <p:txBody>
+          <a:bodyPr/>
+          <a:lstStyle/>
+          <a:p>
+            <a:fld id="{4AF79E1B-2C51-4B9B-8EA4-26DE9E345AFF}" type="slidenum">
+              <a:rPr lang="en-US" smtClean="0"/>
+              <a:t>70</a:t>
+            </a:fld>
+            <a:endParaRPr lang="en-US"/>
+          </a:p>
+        </p:txBody>
+      </p:sp>
+    </p:spTree>
+    <p:extLst>
+      <p:ext uri="{BB962C8B-B14F-4D97-AF65-F5344CB8AC3E}">
+        <p14:creationId xmlns:p14="http://schemas.microsoft.com/office/powerpoint/2010/main" val="396091186"/>
+      </p:ext>
+    </p:extLst>
+  </p:cSld>
+  <p:clrMapOvr>
+    <a:masterClrMapping/>
+  </p:clrMapOvr>
+</p:notes>
+</file>
+
+<file path=ppt/notesSlides/notesSlide61.xml><?xml version="1.0" encoding="utf-8"?>
+<p:notes xmlns:a="http://schemas.openxmlformats.org/drawingml/2006/main" xmlns:r="http://schemas.openxmlformats.org/officeDocument/2006/relationships" xmlns:p="http://schemas.openxmlformats.org/presentationml/2006/main">
+  <p:cSld>
+    <p:spTree>
+      <p:nvGrpSpPr>
+        <p:cNvPr id="1" name=""/>
+        <p:cNvGrpSpPr/>
+        <p:nvPr/>
+      </p:nvGrpSpPr>
+      <p:grpSpPr>
+        <a:xfrm>
+          <a:off x="0" y="0"/>
+          <a:ext cx="0" cy="0"/>
+          <a:chOff x="0" y="0"/>
+          <a:chExt cx="0" cy="0"/>
+        </a:xfrm>
+      </p:grpSpPr>
+      <p:sp>
+        <p:nvSpPr>
+          <p:cNvPr id="2" name="Slide Image Placeholder 1"/>
+          <p:cNvSpPr>
+            <a:spLocks noGrp="1" noRot="1" noChangeAspect="1"/>
+          </p:cNvSpPr>
+          <p:nvPr>
+            <p:ph type="sldImg"/>
+          </p:nvPr>
+        </p:nvSpPr>
+        <p:spPr/>
+      </p:sp>
+      <p:sp>
+        <p:nvSpPr>
+          <p:cNvPr id="3" name="Notes Placeholder 2"/>
+          <p:cNvSpPr>
+            <a:spLocks noGrp="1"/>
+          </p:cNvSpPr>
+          <p:nvPr>
+            <p:ph type="body" idx="1"/>
+          </p:nvPr>
+        </p:nvSpPr>
+        <p:spPr/>
+        <p:txBody>
+          <a:bodyPr/>
+          <a:lstStyle/>
+          <a:p>
+            <a:r>
+              <a:rPr lang="en-CA" dirty="0"/>
+              <a:t>Machine learning might not be quite the right way to learn which observations are similar, depending on your philosophy . </a:t>
             </a:r>
           </a:p>
         </p:txBody>
@@ -6143,6 +6294,93 @@
             <a:fld id="{4AF79E1B-2C51-4B9B-8EA4-26DE9E345AFF}" type="slidenum">
               <a:rPr lang="en-US" smtClean="0"/>
               <a:t>71</a:t>
+            </a:fld>
+            <a:endParaRPr lang="en-US"/>
+          </a:p>
+        </p:txBody>
+      </p:sp>
+    </p:spTree>
+    <p:extLst>
+      <p:ext uri="{BB962C8B-B14F-4D97-AF65-F5344CB8AC3E}">
+        <p14:creationId xmlns:p14="http://schemas.microsoft.com/office/powerpoint/2010/main" val="1430904467"/>
+      </p:ext>
+    </p:extLst>
+  </p:cSld>
+  <p:clrMapOvr>
+    <a:masterClrMapping/>
+  </p:clrMapOvr>
+</p:notes>
+</file>
+
+<file path=ppt/notesSlides/notesSlide62.xml><?xml version="1.0" encoding="utf-8"?>
+<p:notes xmlns:a="http://schemas.openxmlformats.org/drawingml/2006/main" xmlns:r="http://schemas.openxmlformats.org/officeDocument/2006/relationships" xmlns:p="http://schemas.openxmlformats.org/presentationml/2006/main">
+  <p:cSld>
+    <p:spTree>
+      <p:nvGrpSpPr>
+        <p:cNvPr id="1" name=""/>
+        <p:cNvGrpSpPr/>
+        <p:nvPr/>
+      </p:nvGrpSpPr>
+      <p:grpSpPr>
+        <a:xfrm>
+          <a:off x="0" y="0"/>
+          <a:ext cx="0" cy="0"/>
+          <a:chOff x="0" y="0"/>
+          <a:chExt cx="0" cy="0"/>
+        </a:xfrm>
+      </p:grpSpPr>
+      <p:sp>
+        <p:nvSpPr>
+          <p:cNvPr id="2" name="Slide Image Placeholder 1"/>
+          <p:cNvSpPr>
+            <a:spLocks noGrp="1" noRot="1" noChangeAspect="1"/>
+          </p:cNvSpPr>
+          <p:nvPr>
+            <p:ph type="sldImg"/>
+          </p:nvPr>
+        </p:nvSpPr>
+        <p:spPr/>
+      </p:sp>
+      <p:sp>
+        <p:nvSpPr>
+          <p:cNvPr id="3" name="Notes Placeholder 2"/>
+          <p:cNvSpPr>
+            <a:spLocks noGrp="1"/>
+          </p:cNvSpPr>
+          <p:nvPr>
+            <p:ph type="body" idx="1"/>
+          </p:nvPr>
+        </p:nvSpPr>
+        <p:spPr/>
+        <p:txBody>
+          <a:bodyPr/>
+          <a:lstStyle/>
+          <a:p>
+            <a:r>
+              <a:rPr lang="en-CA" dirty="0"/>
+              <a:t>In addition, PS are everywhere, even in OLS – the only difference is that OLS adds assumptions to PS, just like PSM does. </a:t>
+            </a:r>
+          </a:p>
+        </p:txBody>
+      </p:sp>
+      <p:sp>
+        <p:nvSpPr>
+          <p:cNvPr id="4" name="Slide Number Placeholder 3"/>
+          <p:cNvSpPr>
+            <a:spLocks noGrp="1"/>
+          </p:cNvSpPr>
+          <p:nvPr>
+            <p:ph type="sldNum" sz="quarter" idx="5"/>
+          </p:nvPr>
+        </p:nvSpPr>
+        <p:spPr/>
+        <p:txBody>
+          <a:bodyPr/>
+          <a:lstStyle/>
+          <a:p>
+            <a:fld id="{4AF79E1B-2C51-4B9B-8EA4-26DE9E345AFF}" type="slidenum">
+              <a:rPr lang="en-US" smtClean="0"/>
+              <a:t>72</a:t>
             </a:fld>
             <a:endParaRPr lang="en-US"/>
           </a:p>
@@ -6161,7 +6399,7 @@
 </p:notes>
 </file>
 
-<file path=ppt/notesSlides/notesSlide61.xml><?xml version="1.0" encoding="utf-8"?>
+<file path=ppt/notesSlides/notesSlide63.xml><?xml version="1.0" encoding="utf-8"?>
 <p:notes xmlns:a="http://schemas.openxmlformats.org/drawingml/2006/main" xmlns:r="http://schemas.openxmlformats.org/officeDocument/2006/relationships" xmlns:p="http://schemas.openxmlformats.org/presentationml/2006/main">
   <p:cSld>
     <p:spTree>
@@ -6596,7 +6834,7 @@
           <a:p>
             <a:fld id="{4AF79E1B-2C51-4B9B-8EA4-26DE9E345AFF}" type="slidenum">
               <a:rPr lang="en-US" smtClean="0"/>
-              <a:t>72</a:t>
+              <a:t>73</a:t>
             </a:fld>
             <a:endParaRPr lang="en-US"/>
           </a:p>
@@ -6615,7 +6853,7 @@
 </p:notes>
 </file>
 
-<file path=ppt/notesSlides/notesSlide62.xml><?xml version="1.0" encoding="utf-8"?>
+<file path=ppt/notesSlides/notesSlide64.xml><?xml version="1.0" encoding="utf-8"?>
 <p:notes xmlns:a="http://schemas.openxmlformats.org/drawingml/2006/main" xmlns:r="http://schemas.openxmlformats.org/officeDocument/2006/relationships" xmlns:p="http://schemas.openxmlformats.org/presentationml/2006/main">
   <p:cSld>
     <p:spTree>
@@ -6683,7 +6921,7 @@
           <a:p>
             <a:fld id="{4AF79E1B-2C51-4B9B-8EA4-26DE9E345AFF}" type="slidenum">
               <a:rPr lang="en-US" smtClean="0"/>
-              <a:t>73</a:t>
+              <a:t>74</a:t>
             </a:fld>
             <a:endParaRPr lang="en-US"/>
           </a:p>
@@ -6702,7 +6940,7 @@
 </p:notes>
 </file>
 
-<file path=ppt/notesSlides/notesSlide63.xml><?xml version="1.0" encoding="utf-8"?>
+<file path=ppt/notesSlides/notesSlide65.xml><?xml version="1.0" encoding="utf-8"?>
 <p:notes xmlns:a="http://schemas.openxmlformats.org/drawingml/2006/main" xmlns:r="http://schemas.openxmlformats.org/officeDocument/2006/relationships" xmlns:p="http://schemas.openxmlformats.org/presentationml/2006/main">
   <p:cSld>
     <p:spTree>
@@ -6777,7 +7015,7 @@
           <a:p>
             <a:fld id="{4AF79E1B-2C51-4B9B-8EA4-26DE9E345AFF}" type="slidenum">
               <a:rPr lang="en-US" smtClean="0"/>
-              <a:t>74</a:t>
+              <a:t>75</a:t>
             </a:fld>
             <a:endParaRPr lang="en-US"/>
           </a:p>
@@ -7232,7 +7470,7 @@
             <a:fld id="{0972D05C-DCFB-4BB6-B49C-AC126BF3ED2C}" type="datetimeFigureOut">
               <a:rPr lang="en-US" smtClean="0"/>
               <a:pPr/>
-              <a:t>10/18/2024</a:t>
+              <a:t>10/25/2024</a:t>
             </a:fld>
             <a:endParaRPr lang="en-US"/>
           </a:p>
@@ -7462,7 +7700,7 @@
             <a:fld id="{0972D05C-DCFB-4BB6-B49C-AC126BF3ED2C}" type="datetimeFigureOut">
               <a:rPr lang="en-US" smtClean="0"/>
               <a:pPr/>
-              <a:t>10/18/2024</a:t>
+              <a:t>10/25/2024</a:t>
             </a:fld>
             <a:endParaRPr lang="en-US"/>
           </a:p>
@@ -7644,7 +7882,7 @@
             <a:fld id="{0972D05C-DCFB-4BB6-B49C-AC126BF3ED2C}" type="datetimeFigureOut">
               <a:rPr lang="en-US" smtClean="0"/>
               <a:pPr/>
-              <a:t>10/18/2024</a:t>
+              <a:t>10/25/2024</a:t>
             </a:fld>
             <a:endParaRPr lang="en-US"/>
           </a:p>
@@ -7816,7 +8054,7 @@
             <a:fld id="{0972D05C-DCFB-4BB6-B49C-AC126BF3ED2C}" type="datetimeFigureOut">
               <a:rPr lang="en-US" smtClean="0"/>
               <a:pPr/>
-              <a:t>10/18/2024</a:t>
+              <a:t>10/25/2024</a:t>
             </a:fld>
             <a:endParaRPr lang="en-US"/>
           </a:p>
@@ -8072,7 +8310,7 @@
             <a:fld id="{0972D05C-DCFB-4BB6-B49C-AC126BF3ED2C}" type="datetimeFigureOut">
               <a:rPr lang="en-US" smtClean="0"/>
               <a:pPr/>
-              <a:t>10/18/2024</a:t>
+              <a:t>10/25/2024</a:t>
             </a:fld>
             <a:endParaRPr lang="en-US"/>
           </a:p>
@@ -8400,7 +8638,7 @@
             <a:fld id="{0972D05C-DCFB-4BB6-B49C-AC126BF3ED2C}" type="datetimeFigureOut">
               <a:rPr lang="en-US" smtClean="0"/>
               <a:pPr/>
-              <a:t>10/18/2024</a:t>
+              <a:t>10/25/2024</a:t>
             </a:fld>
             <a:endParaRPr lang="en-US"/>
           </a:p>
@@ -8853,7 +9091,7 @@
             <a:fld id="{0972D05C-DCFB-4BB6-B49C-AC126BF3ED2C}" type="datetimeFigureOut">
               <a:rPr lang="en-US" smtClean="0"/>
               <a:pPr/>
-              <a:t>10/18/2024</a:t>
+              <a:t>10/25/2024</a:t>
             </a:fld>
             <a:endParaRPr lang="en-US"/>
           </a:p>
@@ -8973,7 +9211,7 @@
             <a:fld id="{0972D05C-DCFB-4BB6-B49C-AC126BF3ED2C}" type="datetimeFigureOut">
               <a:rPr lang="en-US" smtClean="0"/>
               <a:pPr/>
-              <a:t>10/18/2024</a:t>
+              <a:t>10/25/2024</a:t>
             </a:fld>
             <a:endParaRPr lang="en-US"/>
           </a:p>
@@ -9070,7 +9308,7 @@
             <a:fld id="{0972D05C-DCFB-4BB6-B49C-AC126BF3ED2C}" type="datetimeFigureOut">
               <a:rPr lang="en-US" smtClean="0"/>
               <a:pPr/>
-              <a:t>10/18/2024</a:t>
+              <a:t>10/25/2024</a:t>
             </a:fld>
             <a:endParaRPr lang="en-US"/>
           </a:p>
@@ -9359,7 +9597,7 @@
             <a:fld id="{0972D05C-DCFB-4BB6-B49C-AC126BF3ED2C}" type="datetimeFigureOut">
               <a:rPr lang="en-US" smtClean="0"/>
               <a:pPr/>
-              <a:t>10/18/2024</a:t>
+              <a:t>10/25/2024</a:t>
             </a:fld>
             <a:endParaRPr lang="en-US"/>
           </a:p>
@@ -9683,7 +9921,7 @@
             <a:fld id="{0972D05C-DCFB-4BB6-B49C-AC126BF3ED2C}" type="datetimeFigureOut">
               <a:rPr lang="en-US" smtClean="0"/>
               <a:pPr/>
-              <a:t>10/18/2024</a:t>
+              <a:t>10/25/2024</a:t>
             </a:fld>
             <a:endParaRPr lang="en-US"/>
           </a:p>
@@ -9938,7 +10176,7 @@
             <a:fld id="{0972D05C-DCFB-4BB6-B49C-AC126BF3ED2C}" type="datetimeFigureOut">
               <a:rPr lang="en-US" smtClean="0"/>
               <a:pPr/>
-              <a:t>10/18/2024</a:t>
+              <a:t>10/25/2024</a:t>
             </a:fld>
             <a:endParaRPr lang="en-US" dirty="0"/>
           </a:p>
@@ -11705,8 +11943,8 @@
         </p:nvSpPr>
         <p:spPr>
           <a:xfrm>
-            <a:off x="1135601" y="2209800"/>
-            <a:ext cx="9227599" cy="457200"/>
+            <a:off x="15792" y="1396340"/>
+            <a:ext cx="10914296" cy="737260"/>
           </a:xfrm>
           <a:prstGeom prst="rect">
             <a:avLst/>
@@ -11742,6 +11980,167 @@
 </file>
 
 <file path=ppt/slides/slide17.xml><?xml version="1.0" encoding="utf-8"?>
+<p:sld xmlns:a="http://schemas.openxmlformats.org/drawingml/2006/main" xmlns:r="http://schemas.openxmlformats.org/officeDocument/2006/relationships" xmlns:p="http://schemas.openxmlformats.org/presentationml/2006/main">
+  <p:cSld>
+    <p:spTree>
+      <p:nvGrpSpPr>
+        <p:cNvPr id="1" name=""/>
+        <p:cNvGrpSpPr/>
+        <p:nvPr/>
+      </p:nvGrpSpPr>
+      <p:grpSpPr>
+        <a:xfrm>
+          <a:off x="0" y="0"/>
+          <a:ext cx="0" cy="0"/>
+          <a:chOff x="0" y="0"/>
+          <a:chExt cx="0" cy="0"/>
+        </a:xfrm>
+      </p:grpSpPr>
+      <p:sp>
+        <p:nvSpPr>
+          <p:cNvPr id="2" name="Title 1"/>
+          <p:cNvSpPr>
+            <a:spLocks noGrp="1"/>
+          </p:cNvSpPr>
+          <p:nvPr>
+            <p:ph type="title"/>
+          </p:nvPr>
+        </p:nvSpPr>
+        <p:spPr>
+          <a:xfrm>
+            <a:off x="8318090" y="758952"/>
+            <a:ext cx="2802194" cy="4041648"/>
+          </a:xfrm>
+        </p:spPr>
+        <p:txBody>
+          <a:bodyPr vert="horz" lIns="91440" tIns="45720" rIns="91440" bIns="45720" rtlCol="0" anchor="b">
+            <a:normAutofit/>
+          </a:bodyPr>
+          <a:lstStyle/>
+          <a:p>
+            <a:pPr>
+              <a:lnSpc>
+                <a:spcPct val="85000"/>
+              </a:lnSpc>
+            </a:pPr>
+            <a:r>
+              <a:rPr lang="en-US" sz="4100">
+                <a:solidFill>
+                  <a:srgbClr val="FFFFFF"/>
+                </a:solidFill>
+                <a:latin typeface="+mj-lt"/>
+              </a:rPr>
+              <a:t>Matching combines well with regression!</a:t>
+            </a:r>
+          </a:p>
+        </p:txBody>
+      </p:sp>
+      <p:sp>
+        <p:nvSpPr>
+          <p:cNvPr id="3" name="Content Placeholder 2">
+            <a:extLst>
+              <a:ext uri="{FF2B5EF4-FFF2-40B4-BE49-F238E27FC236}">
+                <a16:creationId xmlns:a16="http://schemas.microsoft.com/office/drawing/2014/main" id="{A9078737-5018-52A4-8999-4194CFF6DFDB}"/>
+              </a:ext>
+            </a:extLst>
+          </p:cNvPr>
+          <p:cNvSpPr>
+            <a:spLocks noGrp="1"/>
+          </p:cNvSpPr>
+          <p:nvPr>
+            <p:ph idx="1"/>
+          </p:nvPr>
+        </p:nvSpPr>
+        <p:spPr/>
+        <p:txBody>
+          <a:bodyPr/>
+          <a:lstStyle/>
+          <a:p>
+            <a:endParaRPr lang="en-US"/>
+          </a:p>
+        </p:txBody>
+      </p:sp>
+      <p:pic>
+        <p:nvPicPr>
+          <p:cNvPr id="7" name="Picture 6">
+            <a:extLst>
+              <a:ext uri="{FF2B5EF4-FFF2-40B4-BE49-F238E27FC236}">
+                <a16:creationId xmlns:a16="http://schemas.microsoft.com/office/drawing/2014/main" id="{CBB2C120-3C20-051F-B2D5-AC5C812791C7}"/>
+              </a:ext>
+            </a:extLst>
+          </p:cNvPr>
+          <p:cNvPicPr>
+            <a:picLocks noChangeAspect="1"/>
+          </p:cNvPicPr>
+          <p:nvPr/>
+        </p:nvPicPr>
+        <p:blipFill>
+          <a:blip r:embed="rId3"/>
+          <a:stretch>
+            <a:fillRect/>
+          </a:stretch>
+        </p:blipFill>
+        <p:spPr>
+          <a:xfrm>
+            <a:off x="152400" y="228600"/>
+            <a:ext cx="10914296" cy="5257800"/>
+          </a:xfrm>
+          <a:prstGeom prst="rect">
+            <a:avLst/>
+          </a:prstGeom>
+        </p:spPr>
+      </p:pic>
+      <p:sp>
+        <p:nvSpPr>
+          <p:cNvPr id="6" name="TextBox 5">
+            <a:extLst>
+              <a:ext uri="{FF2B5EF4-FFF2-40B4-BE49-F238E27FC236}">
+                <a16:creationId xmlns:a16="http://schemas.microsoft.com/office/drawing/2014/main" id="{59734D7A-13BB-1C47-62DE-5D1D4CCA134B}"/>
+              </a:ext>
+            </a:extLst>
+          </p:cNvPr>
+          <p:cNvSpPr txBox="1"/>
+          <p:nvPr/>
+        </p:nvSpPr>
+        <p:spPr>
+          <a:xfrm>
+            <a:off x="1135601" y="2209800"/>
+            <a:ext cx="9227599" cy="457200"/>
+          </a:xfrm>
+          <a:prstGeom prst="rect">
+            <a:avLst/>
+          </a:prstGeom>
+          <a:noFill/>
+          <a:ln w="76200">
+            <a:solidFill>
+              <a:srgbClr val="00B050"/>
+            </a:solidFill>
+          </a:ln>
+        </p:spPr>
+        <p:txBody>
+          <a:bodyPr wrap="square" rtlCol="0">
+            <a:spAutoFit/>
+          </a:bodyPr>
+          <a:lstStyle/>
+          <a:p>
+            <a:endParaRPr lang="en-US" dirty="0"/>
+          </a:p>
+        </p:txBody>
+      </p:sp>
+    </p:spTree>
+    <p:extLst>
+      <p:ext uri="{BB962C8B-B14F-4D97-AF65-F5344CB8AC3E}">
+        <p14:creationId xmlns:p14="http://schemas.microsoft.com/office/powerpoint/2010/main" val="3354160654"/>
+      </p:ext>
+    </p:extLst>
+  </p:cSld>
+  <p:clrMapOvr>
+    <a:masterClrMapping/>
+  </p:clrMapOvr>
+</p:sld>
+</file>
+
+<file path=ppt/slides/slide18.xml><?xml version="1.0" encoding="utf-8"?>
 <p:sld xmlns:a="http://schemas.openxmlformats.org/drawingml/2006/main" xmlns:r="http://schemas.openxmlformats.org/officeDocument/2006/relationships" xmlns:p="http://schemas.openxmlformats.org/presentationml/2006/main">
   <p:cSld>
     <p:spTree>
@@ -11872,7 +12271,7 @@
 </p:sld>
 </file>
 
-<file path=ppt/slides/slide18.xml><?xml version="1.0" encoding="utf-8"?>
+<file path=ppt/slides/slide19.xml><?xml version="1.0" encoding="utf-8"?>
 <p:sld xmlns:a="http://schemas.openxmlformats.org/drawingml/2006/main" xmlns:r="http://schemas.openxmlformats.org/officeDocument/2006/relationships" xmlns:p="http://schemas.openxmlformats.org/presentationml/2006/main">
   <p:cSld>
     <p:spTree>
@@ -12003,89 +12402,6 @@
 </p:sld>
 </file>
 
-<file path=ppt/slides/slide19.xml><?xml version="1.0" encoding="utf-8"?>
-<p:sld xmlns:a="http://schemas.openxmlformats.org/drawingml/2006/main" xmlns:r="http://schemas.openxmlformats.org/officeDocument/2006/relationships" xmlns:p="http://schemas.openxmlformats.org/presentationml/2006/main">
-  <p:cSld>
-    <p:spTree>
-      <p:nvGrpSpPr>
-        <p:cNvPr id="1" name=""/>
-        <p:cNvGrpSpPr/>
-        <p:nvPr/>
-      </p:nvGrpSpPr>
-      <p:grpSpPr>
-        <a:xfrm>
-          <a:off x="0" y="0"/>
-          <a:ext cx="0" cy="0"/>
-          <a:chOff x="0" y="0"/>
-          <a:chExt cx="0" cy="0"/>
-        </a:xfrm>
-      </p:grpSpPr>
-      <p:sp>
-        <p:nvSpPr>
-          <p:cNvPr id="2" name="Title 1">
-            <a:extLst>
-              <a:ext uri="{FF2B5EF4-FFF2-40B4-BE49-F238E27FC236}">
-                <a16:creationId xmlns:a16="http://schemas.microsoft.com/office/drawing/2014/main" id="{F6693EDF-660D-4391-A114-A6C54268E445}"/>
-              </a:ext>
-            </a:extLst>
-          </p:cNvPr>
-          <p:cNvSpPr>
-            <a:spLocks noGrp="1"/>
-          </p:cNvSpPr>
-          <p:nvPr>
-            <p:ph type="ctrTitle"/>
-          </p:nvPr>
-        </p:nvSpPr>
-        <p:spPr/>
-        <p:txBody>
-          <a:bodyPr/>
-          <a:lstStyle/>
-          <a:p>
-            <a:r>
-              <a:rPr lang="en-US" dirty="0"/>
-              <a:t>Matching in Concept</a:t>
-            </a:r>
-          </a:p>
-        </p:txBody>
-      </p:sp>
-      <p:sp>
-        <p:nvSpPr>
-          <p:cNvPr id="3" name="Subtitle 2">
-            <a:extLst>
-              <a:ext uri="{FF2B5EF4-FFF2-40B4-BE49-F238E27FC236}">
-                <a16:creationId xmlns:a16="http://schemas.microsoft.com/office/drawing/2014/main" id="{9A7FADE3-4D7C-4B3A-B023-71CD85AECCCB}"/>
-              </a:ext>
-            </a:extLst>
-          </p:cNvPr>
-          <p:cNvSpPr>
-            <a:spLocks noGrp="1"/>
-          </p:cNvSpPr>
-          <p:nvPr>
-            <p:ph type="subTitle" idx="1"/>
-          </p:nvPr>
-        </p:nvSpPr>
-        <p:spPr/>
-        <p:txBody>
-          <a:bodyPr/>
-          <a:lstStyle/>
-          <a:p>
-            <a:endParaRPr lang="en-US"/>
-          </a:p>
-        </p:txBody>
-      </p:sp>
-    </p:spTree>
-    <p:extLst>
-      <p:ext uri="{BB962C8B-B14F-4D97-AF65-F5344CB8AC3E}">
-        <p14:creationId xmlns:p14="http://schemas.microsoft.com/office/powerpoint/2010/main" val="2953910715"/>
-      </p:ext>
-    </p:extLst>
-  </p:cSld>
-  <p:clrMapOvr>
-    <a:masterClrMapping/>
-  </p:clrMapOvr>
-</p:sld>
-</file>
-
 <file path=ppt/slides/slide2.xml><?xml version="1.0" encoding="utf-8"?>
 <p:sld xmlns:a="http://schemas.openxmlformats.org/drawingml/2006/main" xmlns:r="http://schemas.openxmlformats.org/officeDocument/2006/relationships" xmlns:p="http://schemas.openxmlformats.org/presentationml/2006/main">
   <p:cSld>
@@ -12313,6 +12629,89 @@
 </file>
 
 <file path=ppt/slides/slide20.xml><?xml version="1.0" encoding="utf-8"?>
+<p:sld xmlns:a="http://schemas.openxmlformats.org/drawingml/2006/main" xmlns:r="http://schemas.openxmlformats.org/officeDocument/2006/relationships" xmlns:p="http://schemas.openxmlformats.org/presentationml/2006/main">
+  <p:cSld>
+    <p:spTree>
+      <p:nvGrpSpPr>
+        <p:cNvPr id="1" name=""/>
+        <p:cNvGrpSpPr/>
+        <p:nvPr/>
+      </p:nvGrpSpPr>
+      <p:grpSpPr>
+        <a:xfrm>
+          <a:off x="0" y="0"/>
+          <a:ext cx="0" cy="0"/>
+          <a:chOff x="0" y="0"/>
+          <a:chExt cx="0" cy="0"/>
+        </a:xfrm>
+      </p:grpSpPr>
+      <p:sp>
+        <p:nvSpPr>
+          <p:cNvPr id="2" name="Title 1">
+            <a:extLst>
+              <a:ext uri="{FF2B5EF4-FFF2-40B4-BE49-F238E27FC236}">
+                <a16:creationId xmlns:a16="http://schemas.microsoft.com/office/drawing/2014/main" id="{F6693EDF-660D-4391-A114-A6C54268E445}"/>
+              </a:ext>
+            </a:extLst>
+          </p:cNvPr>
+          <p:cNvSpPr>
+            <a:spLocks noGrp="1"/>
+          </p:cNvSpPr>
+          <p:nvPr>
+            <p:ph type="ctrTitle"/>
+          </p:nvPr>
+        </p:nvSpPr>
+        <p:spPr/>
+        <p:txBody>
+          <a:bodyPr/>
+          <a:lstStyle/>
+          <a:p>
+            <a:r>
+              <a:rPr lang="en-US" dirty="0"/>
+              <a:t>Matching in Concept</a:t>
+            </a:r>
+          </a:p>
+        </p:txBody>
+      </p:sp>
+      <p:sp>
+        <p:nvSpPr>
+          <p:cNvPr id="3" name="Subtitle 2">
+            <a:extLst>
+              <a:ext uri="{FF2B5EF4-FFF2-40B4-BE49-F238E27FC236}">
+                <a16:creationId xmlns:a16="http://schemas.microsoft.com/office/drawing/2014/main" id="{9A7FADE3-4D7C-4B3A-B023-71CD85AECCCB}"/>
+              </a:ext>
+            </a:extLst>
+          </p:cNvPr>
+          <p:cNvSpPr>
+            <a:spLocks noGrp="1"/>
+          </p:cNvSpPr>
+          <p:nvPr>
+            <p:ph type="subTitle" idx="1"/>
+          </p:nvPr>
+        </p:nvSpPr>
+        <p:spPr/>
+        <p:txBody>
+          <a:bodyPr/>
+          <a:lstStyle/>
+          <a:p>
+            <a:endParaRPr lang="en-US"/>
+          </a:p>
+        </p:txBody>
+      </p:sp>
+    </p:spTree>
+    <p:extLst>
+      <p:ext uri="{BB962C8B-B14F-4D97-AF65-F5344CB8AC3E}">
+        <p14:creationId xmlns:p14="http://schemas.microsoft.com/office/powerpoint/2010/main" val="2953910715"/>
+      </p:ext>
+    </p:extLst>
+  </p:cSld>
+  <p:clrMapOvr>
+    <a:masterClrMapping/>
+  </p:clrMapOvr>
+</p:sld>
+</file>
+
+<file path=ppt/slides/slide21.xml><?xml version="1.0" encoding="utf-8"?>
 <p:sld xmlns:a="http://schemas.openxmlformats.org/drawingml/2006/main" xmlns:r="http://schemas.openxmlformats.org/officeDocument/2006/relationships" xmlns:p="http://schemas.openxmlformats.org/presentationml/2006/main">
   <p:cSld>
     <p:spTree>
@@ -12544,259 +12943,6 @@
 </p:sld>
 </file>
 
-<file path=ppt/slides/slide21.xml><?xml version="1.0" encoding="utf-8"?>
-<p:sld xmlns:a="http://schemas.openxmlformats.org/drawingml/2006/main" xmlns:r="http://schemas.openxmlformats.org/officeDocument/2006/relationships" xmlns:p="http://schemas.openxmlformats.org/presentationml/2006/main">
-  <p:cSld>
-    <p:spTree>
-      <p:nvGrpSpPr>
-        <p:cNvPr id="1" name=""/>
-        <p:cNvGrpSpPr/>
-        <p:nvPr/>
-      </p:nvGrpSpPr>
-      <p:grpSpPr>
-        <a:xfrm>
-          <a:off x="0" y="0"/>
-          <a:ext cx="0" cy="0"/>
-          <a:chOff x="0" y="0"/>
-          <a:chExt cx="0" cy="0"/>
-        </a:xfrm>
-      </p:grpSpPr>
-      <p:sp>
-        <p:nvSpPr>
-          <p:cNvPr id="2" name="Title 1"/>
-          <p:cNvSpPr>
-            <a:spLocks noGrp="1"/>
-          </p:cNvSpPr>
-          <p:nvPr>
-            <p:ph type="title"/>
-          </p:nvPr>
-        </p:nvSpPr>
-        <p:spPr>
-          <a:xfrm>
-            <a:off x="609600" y="337392"/>
-            <a:ext cx="10439400" cy="624840"/>
-          </a:xfrm>
-        </p:spPr>
-        <p:txBody>
-          <a:bodyPr>
-            <a:noAutofit/>
-          </a:bodyPr>
-          <a:lstStyle/>
-          <a:p>
-            <a:r>
-              <a:rPr lang="en-US" sz="3600" dirty="0">
-                <a:cs typeface="Times New Roman" panose="02020603050405020304" pitchFamily="18" charset="0"/>
-              </a:rPr>
-              <a:t>Step 1: Preprocessing (matching) data</a:t>
-            </a:r>
-            <a:endParaRPr lang="en-US" sz="3600" dirty="0">
-              <a:latin typeface="Times New Roman" panose="02020603050405020304" pitchFamily="18" charset="0"/>
-              <a:cs typeface="Times New Roman" panose="02020603050405020304" pitchFamily="18" charset="0"/>
-            </a:endParaRPr>
-          </a:p>
-        </p:txBody>
-      </p:sp>
-      <p:sp>
-        <p:nvSpPr>
-          <p:cNvPr id="3" name="Content Placeholder 2"/>
-          <p:cNvSpPr>
-            <a:spLocks noGrp="1"/>
-          </p:cNvSpPr>
-          <p:nvPr>
-            <p:ph idx="1"/>
-          </p:nvPr>
-        </p:nvSpPr>
-        <p:spPr>
-          <a:xfrm>
-            <a:off x="609601" y="1066800"/>
-            <a:ext cx="10015390" cy="5141388"/>
-          </a:xfrm>
-        </p:spPr>
-        <p:txBody>
-          <a:bodyPr>
-            <a:normAutofit/>
-          </a:bodyPr>
-          <a:lstStyle/>
-          <a:p>
-            <a:pPr marL="0" indent="0">
-              <a:buNone/>
-            </a:pPr>
-            <a:r>
-              <a:rPr lang="en-US" sz="2800" b="1" dirty="0">
-                <a:solidFill>
-                  <a:schemeClr val="accent2">
-                    <a:lumMod val="75000"/>
-                  </a:schemeClr>
-                </a:solidFill>
-                <a:cs typeface="Times New Roman" panose="02020603050405020304" pitchFamily="18" charset="0"/>
-              </a:rPr>
-              <a:t>Main matching algorithm</a:t>
-            </a:r>
-          </a:p>
-          <a:p>
-            <a:pPr marL="0" indent="0">
-              <a:buNone/>
-            </a:pPr>
-            <a:r>
-              <a:rPr lang="en-US" sz="2400" dirty="0">
-                <a:cs typeface="Times New Roman" panose="02020603050405020304" pitchFamily="18" charset="0"/>
-              </a:rPr>
-              <a:t>We want to match treated observations to </a:t>
-            </a:r>
-            <a:r>
-              <a:rPr lang="en-US" sz="2400" i="1" dirty="0">
-                <a:solidFill>
-                  <a:schemeClr val="accent2">
-                    <a:lumMod val="75000"/>
-                  </a:schemeClr>
-                </a:solidFill>
-                <a:cs typeface="Times New Roman" panose="02020603050405020304" pitchFamily="18" charset="0"/>
-              </a:rPr>
-              <a:t>similar</a:t>
-            </a:r>
-            <a:r>
-              <a:rPr lang="en-US" sz="2400" i="1" dirty="0">
-                <a:cs typeface="Times New Roman" panose="02020603050405020304" pitchFamily="18" charset="0"/>
-              </a:rPr>
-              <a:t> </a:t>
-            </a:r>
-            <a:r>
-              <a:rPr lang="en-US" sz="2400" dirty="0">
-                <a:cs typeface="Times New Roman" panose="02020603050405020304" pitchFamily="18" charset="0"/>
-              </a:rPr>
-              <a:t>control observations</a:t>
-            </a:r>
-          </a:p>
-          <a:p>
-            <a:pPr marL="457200" indent="-457200">
-              <a:buFont typeface="+mj-lt"/>
-              <a:buAutoNum type="arabicPeriod"/>
-            </a:pPr>
-            <a:r>
-              <a:rPr lang="en-US" sz="2400" dirty="0">
-                <a:cs typeface="Times New Roman" panose="02020603050405020304" pitchFamily="18" charset="0"/>
-              </a:rPr>
-              <a:t>What will our matching criteria be? </a:t>
-            </a:r>
-            <a:r>
-              <a:rPr lang="en-US" sz="2400" dirty="0">
-                <a:solidFill>
-                  <a:schemeClr val="accent2">
-                    <a:lumMod val="75000"/>
-                  </a:schemeClr>
-                </a:solidFill>
-                <a:cs typeface="Times New Roman" panose="02020603050405020304" pitchFamily="18" charset="0"/>
-              </a:rPr>
-              <a:t>(what is “similar”?)</a:t>
-            </a:r>
-          </a:p>
-          <a:p>
-            <a:pPr marL="457200" indent="-457200">
-              <a:buFont typeface="+mj-lt"/>
-              <a:buAutoNum type="arabicPeriod"/>
-            </a:pPr>
-            <a:r>
-              <a:rPr lang="en-US" sz="2400" dirty="0">
-                <a:cs typeface="Times New Roman" panose="02020603050405020304" pitchFamily="18" charset="0"/>
-              </a:rPr>
-              <a:t>Are we assigning</a:t>
-            </a:r>
-            <a:r>
-              <a:rPr lang="en-US" sz="2400" i="1" dirty="0">
-                <a:solidFill>
-                  <a:schemeClr val="accent2">
-                    <a:lumMod val="75000"/>
-                  </a:schemeClr>
-                </a:solidFill>
-                <a:cs typeface="Times New Roman" panose="02020603050405020304" pitchFamily="18" charset="0"/>
-              </a:rPr>
-              <a:t> matches </a:t>
-            </a:r>
-            <a:r>
-              <a:rPr lang="en-US" sz="2400" dirty="0">
-                <a:cs typeface="Times New Roman" panose="02020603050405020304" pitchFamily="18" charset="0"/>
-              </a:rPr>
-              <a:t>or </a:t>
-            </a:r>
-            <a:r>
-              <a:rPr lang="en-US" sz="2400" i="1" dirty="0">
-                <a:solidFill>
-                  <a:schemeClr val="accent2">
-                    <a:lumMod val="75000"/>
-                  </a:schemeClr>
-                </a:solidFill>
-                <a:cs typeface="Times New Roman" panose="02020603050405020304" pitchFamily="18" charset="0"/>
-              </a:rPr>
-              <a:t>weights</a:t>
-            </a:r>
-            <a:r>
-              <a:rPr lang="en-US" sz="2400" i="1" dirty="0">
-                <a:cs typeface="Times New Roman" panose="02020603050405020304" pitchFamily="18" charset="0"/>
-              </a:rPr>
-              <a:t>? </a:t>
-            </a:r>
-          </a:p>
-          <a:p>
-            <a:pPr marL="457200" indent="-457200">
-              <a:buFont typeface="+mj-lt"/>
-              <a:buAutoNum type="arabicPeriod"/>
-            </a:pPr>
-            <a:r>
-              <a:rPr lang="en-US" sz="2400" dirty="0">
-                <a:cs typeface="Times New Roman" panose="02020603050405020304" pitchFamily="18" charset="0"/>
-              </a:rPr>
-              <a:t>How many matches will we select? </a:t>
-            </a:r>
-          </a:p>
-          <a:p>
-            <a:pPr marL="457200" indent="-457200">
-              <a:buFont typeface="+mj-lt"/>
-              <a:buAutoNum type="arabicPeriod"/>
-            </a:pPr>
-            <a:r>
-              <a:rPr lang="en-US" sz="2400" dirty="0">
-                <a:cs typeface="Times New Roman" panose="02020603050405020304" pitchFamily="18" charset="0"/>
-              </a:rPr>
-              <a:t>How will weights decay with distance? </a:t>
-            </a:r>
-          </a:p>
-          <a:p>
-            <a:pPr marL="457200" indent="-457200">
-              <a:buFont typeface="+mj-lt"/>
-              <a:buAutoNum type="arabicPeriod"/>
-            </a:pPr>
-            <a:r>
-              <a:rPr lang="en-US" sz="2400" dirty="0">
-                <a:cs typeface="Times New Roman" panose="02020603050405020304" pitchFamily="18" charset="0"/>
-              </a:rPr>
-              <a:t>What is the worst acceptable match?</a:t>
-            </a:r>
-          </a:p>
-          <a:p>
-            <a:endParaRPr lang="en-US" sz="2400" dirty="0">
-              <a:cs typeface="Times New Roman" panose="02020603050405020304" pitchFamily="18" charset="0"/>
-            </a:endParaRPr>
-          </a:p>
-          <a:p>
-            <a:endParaRPr lang="en-US" sz="2400" dirty="0">
-              <a:cs typeface="Times New Roman" panose="02020603050405020304" pitchFamily="18" charset="0"/>
-            </a:endParaRPr>
-          </a:p>
-        </p:txBody>
-      </p:sp>
-    </p:spTree>
-    <p:extLst>
-      <p:ext uri="{BB962C8B-B14F-4D97-AF65-F5344CB8AC3E}">
-        <p14:creationId xmlns:p14="http://schemas.microsoft.com/office/powerpoint/2010/main" val="2135161111"/>
-      </p:ext>
-    </p:extLst>
-  </p:cSld>
-  <p:clrMapOvr>
-    <a:masterClrMapping/>
-  </p:clrMapOvr>
-</p:sld>
-</file>
-
 <file path=ppt/slides/slide22.xml><?xml version="1.0" encoding="utf-8"?>
 <p:sld xmlns:a="http://schemas.openxmlformats.org/drawingml/2006/main" xmlns:r="http://schemas.openxmlformats.org/officeDocument/2006/relationships" xmlns:p="http://schemas.openxmlformats.org/presentationml/2006/main">
   <p:cSld>
@@ -12840,6 +12986,259 @@
               <a:rPr lang="en-US" sz="3600" dirty="0">
                 <a:cs typeface="Times New Roman" panose="02020603050405020304" pitchFamily="18" charset="0"/>
               </a:rPr>
+              <a:t>Step 1: Preprocessing (matching) data</a:t>
+            </a:r>
+            <a:endParaRPr lang="en-US" sz="3600" dirty="0">
+              <a:latin typeface="Times New Roman" panose="02020603050405020304" pitchFamily="18" charset="0"/>
+              <a:cs typeface="Times New Roman" panose="02020603050405020304" pitchFamily="18" charset="0"/>
+            </a:endParaRPr>
+          </a:p>
+        </p:txBody>
+      </p:sp>
+      <p:sp>
+        <p:nvSpPr>
+          <p:cNvPr id="3" name="Content Placeholder 2"/>
+          <p:cNvSpPr>
+            <a:spLocks noGrp="1"/>
+          </p:cNvSpPr>
+          <p:nvPr>
+            <p:ph idx="1"/>
+          </p:nvPr>
+        </p:nvSpPr>
+        <p:spPr>
+          <a:xfrm>
+            <a:off x="609601" y="1066800"/>
+            <a:ext cx="10015390" cy="5141388"/>
+          </a:xfrm>
+        </p:spPr>
+        <p:txBody>
+          <a:bodyPr>
+            <a:normAutofit/>
+          </a:bodyPr>
+          <a:lstStyle/>
+          <a:p>
+            <a:pPr marL="0" indent="0">
+              <a:buNone/>
+            </a:pPr>
+            <a:r>
+              <a:rPr lang="en-US" sz="2800" b="1" dirty="0">
+                <a:solidFill>
+                  <a:schemeClr val="accent2">
+                    <a:lumMod val="75000"/>
+                  </a:schemeClr>
+                </a:solidFill>
+                <a:cs typeface="Times New Roman" panose="02020603050405020304" pitchFamily="18" charset="0"/>
+              </a:rPr>
+              <a:t>Main matching algorithm</a:t>
+            </a:r>
+          </a:p>
+          <a:p>
+            <a:pPr marL="0" indent="0">
+              <a:buNone/>
+            </a:pPr>
+            <a:r>
+              <a:rPr lang="en-US" sz="2400" dirty="0">
+                <a:cs typeface="Times New Roman" panose="02020603050405020304" pitchFamily="18" charset="0"/>
+              </a:rPr>
+              <a:t>We want to match treated observations to </a:t>
+            </a:r>
+            <a:r>
+              <a:rPr lang="en-US" sz="2400" i="1" dirty="0">
+                <a:solidFill>
+                  <a:schemeClr val="accent2">
+                    <a:lumMod val="75000"/>
+                  </a:schemeClr>
+                </a:solidFill>
+                <a:cs typeface="Times New Roman" panose="02020603050405020304" pitchFamily="18" charset="0"/>
+              </a:rPr>
+              <a:t>similar</a:t>
+            </a:r>
+            <a:r>
+              <a:rPr lang="en-US" sz="2400" i="1" dirty="0">
+                <a:cs typeface="Times New Roman" panose="02020603050405020304" pitchFamily="18" charset="0"/>
+              </a:rPr>
+              <a:t> </a:t>
+            </a:r>
+            <a:r>
+              <a:rPr lang="en-US" sz="2400" dirty="0">
+                <a:cs typeface="Times New Roman" panose="02020603050405020304" pitchFamily="18" charset="0"/>
+              </a:rPr>
+              <a:t>control observations</a:t>
+            </a:r>
+          </a:p>
+          <a:p>
+            <a:pPr marL="457200" indent="-457200">
+              <a:buFont typeface="+mj-lt"/>
+              <a:buAutoNum type="arabicPeriod"/>
+            </a:pPr>
+            <a:r>
+              <a:rPr lang="en-US" sz="2400" dirty="0">
+                <a:cs typeface="Times New Roman" panose="02020603050405020304" pitchFamily="18" charset="0"/>
+              </a:rPr>
+              <a:t>What will our matching criteria be? </a:t>
+            </a:r>
+            <a:r>
+              <a:rPr lang="en-US" sz="2400" dirty="0">
+                <a:solidFill>
+                  <a:schemeClr val="accent2">
+                    <a:lumMod val="75000"/>
+                  </a:schemeClr>
+                </a:solidFill>
+                <a:cs typeface="Times New Roman" panose="02020603050405020304" pitchFamily="18" charset="0"/>
+              </a:rPr>
+              <a:t>(what is “similar”?)</a:t>
+            </a:r>
+          </a:p>
+          <a:p>
+            <a:pPr marL="457200" indent="-457200">
+              <a:buFont typeface="+mj-lt"/>
+              <a:buAutoNum type="arabicPeriod"/>
+            </a:pPr>
+            <a:r>
+              <a:rPr lang="en-US" sz="2400" dirty="0">
+                <a:cs typeface="Times New Roman" panose="02020603050405020304" pitchFamily="18" charset="0"/>
+              </a:rPr>
+              <a:t>Are we assigning</a:t>
+            </a:r>
+            <a:r>
+              <a:rPr lang="en-US" sz="2400" i="1" dirty="0">
+                <a:solidFill>
+                  <a:schemeClr val="accent2">
+                    <a:lumMod val="75000"/>
+                  </a:schemeClr>
+                </a:solidFill>
+                <a:cs typeface="Times New Roman" panose="02020603050405020304" pitchFamily="18" charset="0"/>
+              </a:rPr>
+              <a:t> matches </a:t>
+            </a:r>
+            <a:r>
+              <a:rPr lang="en-US" sz="2400" dirty="0">
+                <a:cs typeface="Times New Roman" panose="02020603050405020304" pitchFamily="18" charset="0"/>
+              </a:rPr>
+              <a:t>or </a:t>
+            </a:r>
+            <a:r>
+              <a:rPr lang="en-US" sz="2400" i="1" dirty="0">
+                <a:solidFill>
+                  <a:schemeClr val="accent2">
+                    <a:lumMod val="75000"/>
+                  </a:schemeClr>
+                </a:solidFill>
+                <a:cs typeface="Times New Roman" panose="02020603050405020304" pitchFamily="18" charset="0"/>
+              </a:rPr>
+              <a:t>weights</a:t>
+            </a:r>
+            <a:r>
+              <a:rPr lang="en-US" sz="2400" i="1" dirty="0">
+                <a:cs typeface="Times New Roman" panose="02020603050405020304" pitchFamily="18" charset="0"/>
+              </a:rPr>
+              <a:t>? </a:t>
+            </a:r>
+          </a:p>
+          <a:p>
+            <a:pPr marL="457200" indent="-457200">
+              <a:buFont typeface="+mj-lt"/>
+              <a:buAutoNum type="arabicPeriod"/>
+            </a:pPr>
+            <a:r>
+              <a:rPr lang="en-US" sz="2400" dirty="0">
+                <a:cs typeface="Times New Roman" panose="02020603050405020304" pitchFamily="18" charset="0"/>
+              </a:rPr>
+              <a:t>How many matches will we select? </a:t>
+            </a:r>
+          </a:p>
+          <a:p>
+            <a:pPr marL="457200" indent="-457200">
+              <a:buFont typeface="+mj-lt"/>
+              <a:buAutoNum type="arabicPeriod"/>
+            </a:pPr>
+            <a:r>
+              <a:rPr lang="en-US" sz="2400" dirty="0">
+                <a:cs typeface="Times New Roman" panose="02020603050405020304" pitchFamily="18" charset="0"/>
+              </a:rPr>
+              <a:t>How will weights decay with distance? </a:t>
+            </a:r>
+          </a:p>
+          <a:p>
+            <a:pPr marL="457200" indent="-457200">
+              <a:buFont typeface="+mj-lt"/>
+              <a:buAutoNum type="arabicPeriod"/>
+            </a:pPr>
+            <a:r>
+              <a:rPr lang="en-US" sz="2400" dirty="0">
+                <a:cs typeface="Times New Roman" panose="02020603050405020304" pitchFamily="18" charset="0"/>
+              </a:rPr>
+              <a:t>What is the worst acceptable match?</a:t>
+            </a:r>
+          </a:p>
+          <a:p>
+            <a:endParaRPr lang="en-US" sz="2400" dirty="0">
+              <a:cs typeface="Times New Roman" panose="02020603050405020304" pitchFamily="18" charset="0"/>
+            </a:endParaRPr>
+          </a:p>
+          <a:p>
+            <a:endParaRPr lang="en-US" sz="2400" dirty="0">
+              <a:cs typeface="Times New Roman" panose="02020603050405020304" pitchFamily="18" charset="0"/>
+            </a:endParaRPr>
+          </a:p>
+        </p:txBody>
+      </p:sp>
+    </p:spTree>
+    <p:extLst>
+      <p:ext uri="{BB962C8B-B14F-4D97-AF65-F5344CB8AC3E}">
+        <p14:creationId xmlns:p14="http://schemas.microsoft.com/office/powerpoint/2010/main" val="2135161111"/>
+      </p:ext>
+    </p:extLst>
+  </p:cSld>
+  <p:clrMapOvr>
+    <a:masterClrMapping/>
+  </p:clrMapOvr>
+</p:sld>
+</file>
+
+<file path=ppt/slides/slide23.xml><?xml version="1.0" encoding="utf-8"?>
+<p:sld xmlns:a="http://schemas.openxmlformats.org/drawingml/2006/main" xmlns:r="http://schemas.openxmlformats.org/officeDocument/2006/relationships" xmlns:p="http://schemas.openxmlformats.org/presentationml/2006/main">
+  <p:cSld>
+    <p:spTree>
+      <p:nvGrpSpPr>
+        <p:cNvPr id="1" name=""/>
+        <p:cNvGrpSpPr/>
+        <p:nvPr/>
+      </p:nvGrpSpPr>
+      <p:grpSpPr>
+        <a:xfrm>
+          <a:off x="0" y="0"/>
+          <a:ext cx="0" cy="0"/>
+          <a:chOff x="0" y="0"/>
+          <a:chExt cx="0" cy="0"/>
+        </a:xfrm>
+      </p:grpSpPr>
+      <p:sp>
+        <p:nvSpPr>
+          <p:cNvPr id="2" name="Title 1"/>
+          <p:cNvSpPr>
+            <a:spLocks noGrp="1"/>
+          </p:cNvSpPr>
+          <p:nvPr>
+            <p:ph type="title"/>
+          </p:nvPr>
+        </p:nvSpPr>
+        <p:spPr>
+          <a:xfrm>
+            <a:off x="609600" y="337392"/>
+            <a:ext cx="10439400" cy="624840"/>
+          </a:xfrm>
+        </p:spPr>
+        <p:txBody>
+          <a:bodyPr>
+            <a:noAutofit/>
+          </a:bodyPr>
+          <a:lstStyle/>
+          <a:p>
+            <a:r>
+              <a:rPr lang="en-US" sz="3600" dirty="0">
+                <a:cs typeface="Times New Roman" panose="02020603050405020304" pitchFamily="18" charset="0"/>
+              </a:rPr>
               <a:t>Step 2: Estimation</a:t>
             </a:r>
             <a:endParaRPr lang="en-US" sz="3600" dirty="0">
@@ -12924,7 +13323,7 @@
 </p:sld>
 </file>
 
-<file path=ppt/slides/slide23.xml><?xml version="1.0" encoding="utf-8"?>
+<file path=ppt/slides/slide24.xml><?xml version="1.0" encoding="utf-8"?>
 <p:sld xmlns:a="http://schemas.openxmlformats.org/drawingml/2006/main" xmlns:r="http://schemas.openxmlformats.org/officeDocument/2006/relationships" xmlns:p="http://schemas.openxmlformats.org/presentationml/2006/main">
   <p:cSld>
     <p:spTree>
@@ -13453,7 +13852,7 @@
 </p:sld>
 </file>
 
-<file path=ppt/slides/slide24.xml><?xml version="1.0" encoding="utf-8"?>
+<file path=ppt/slides/slide25.xml><?xml version="1.0" encoding="utf-8"?>
 <p:sld xmlns:a="http://schemas.openxmlformats.org/drawingml/2006/main" xmlns:r="http://schemas.openxmlformats.org/officeDocument/2006/relationships" xmlns:p="http://schemas.openxmlformats.org/presentationml/2006/main">
   <p:cSld>
     <p:spTree>
@@ -13589,7 +13988,7 @@
 </p:sld>
 </file>
 
-<file path=ppt/slides/slide25.xml><?xml version="1.0" encoding="utf-8"?>
+<file path=ppt/slides/slide26.xml><?xml version="1.0" encoding="utf-8"?>
 <p:sld xmlns:a="http://schemas.openxmlformats.org/drawingml/2006/main" xmlns:r="http://schemas.openxmlformats.org/officeDocument/2006/relationships" xmlns:p="http://schemas.openxmlformats.org/presentationml/2006/main">
   <p:cSld>
     <p:spTree>
@@ -13863,7 +14262,7 @@
 </p:sld>
 </file>
 
-<file path=ppt/slides/slide26.xml><?xml version="1.0" encoding="utf-8"?>
+<file path=ppt/slides/slide27.xml><?xml version="1.0" encoding="utf-8"?>
 <p:sld xmlns:a="http://schemas.openxmlformats.org/drawingml/2006/main" xmlns:r="http://schemas.openxmlformats.org/officeDocument/2006/relationships" xmlns:p="http://schemas.openxmlformats.org/presentationml/2006/main">
   <p:cSld>
     <p:spTree>
@@ -14178,96 +14577,6 @@
 </p:sld>
 </file>
 
-<file path=ppt/slides/slide27.xml><?xml version="1.0" encoding="utf-8"?>
-<p:sld xmlns:a="http://schemas.openxmlformats.org/drawingml/2006/main" xmlns:r="http://schemas.openxmlformats.org/officeDocument/2006/relationships" xmlns:p="http://schemas.openxmlformats.org/presentationml/2006/main">
-  <p:cSld>
-    <p:spTree>
-      <p:nvGrpSpPr>
-        <p:cNvPr id="1" name=""/>
-        <p:cNvGrpSpPr/>
-        <p:nvPr/>
-      </p:nvGrpSpPr>
-      <p:grpSpPr>
-        <a:xfrm>
-          <a:off x="0" y="0"/>
-          <a:ext cx="0" cy="0"/>
-          <a:chOff x="0" y="0"/>
-          <a:chExt cx="0" cy="0"/>
-        </a:xfrm>
-      </p:grpSpPr>
-      <p:sp>
-        <p:nvSpPr>
-          <p:cNvPr id="2" name="Title 1">
-            <a:extLst>
-              <a:ext uri="{FF2B5EF4-FFF2-40B4-BE49-F238E27FC236}">
-                <a16:creationId xmlns:a16="http://schemas.microsoft.com/office/drawing/2014/main" id="{F6693EDF-660D-4391-A114-A6C54268E445}"/>
-              </a:ext>
-            </a:extLst>
-          </p:cNvPr>
-          <p:cNvSpPr>
-            <a:spLocks noGrp="1"/>
-          </p:cNvSpPr>
-          <p:nvPr>
-            <p:ph type="ctrTitle"/>
-          </p:nvPr>
-        </p:nvSpPr>
-        <p:spPr/>
-        <p:txBody>
-          <a:bodyPr/>
-          <a:lstStyle/>
-          <a:p>
-            <a:r>
-              <a:rPr lang="en-US" dirty="0"/>
-              <a:t>Matching Techniques: </a:t>
-            </a:r>
-            <a:br>
-              <a:rPr lang="en-US" dirty="0"/>
-            </a:br>
-            <a:r>
-              <a:rPr lang="en-US" dirty="0"/>
-              <a:t>Single Variable</a:t>
-            </a:r>
-          </a:p>
-        </p:txBody>
-      </p:sp>
-      <p:sp>
-        <p:nvSpPr>
-          <p:cNvPr id="3" name="Subtitle 2">
-            <a:extLst>
-              <a:ext uri="{FF2B5EF4-FFF2-40B4-BE49-F238E27FC236}">
-                <a16:creationId xmlns:a16="http://schemas.microsoft.com/office/drawing/2014/main" id="{9A7FADE3-4D7C-4B3A-B023-71CD85AECCCB}"/>
-              </a:ext>
-            </a:extLst>
-          </p:cNvPr>
-          <p:cNvSpPr>
-            <a:spLocks noGrp="1"/>
-          </p:cNvSpPr>
-          <p:nvPr>
-            <p:ph type="subTitle" idx="1"/>
-          </p:nvPr>
-        </p:nvSpPr>
-        <p:spPr/>
-        <p:txBody>
-          <a:bodyPr/>
-          <a:lstStyle/>
-          <a:p>
-            <a:endParaRPr lang="en-US"/>
-          </a:p>
-        </p:txBody>
-      </p:sp>
-    </p:spTree>
-    <p:extLst>
-      <p:ext uri="{BB962C8B-B14F-4D97-AF65-F5344CB8AC3E}">
-        <p14:creationId xmlns:p14="http://schemas.microsoft.com/office/powerpoint/2010/main" val="1543526818"/>
-      </p:ext>
-    </p:extLst>
-  </p:cSld>
-  <p:clrMapOvr>
-    <a:masterClrMapping/>
-  </p:clrMapOvr>
-</p:sld>
-</file>
-
 <file path=ppt/slides/slide28.xml><?xml version="1.0" encoding="utf-8"?>
 <p:sld xmlns:a="http://schemas.openxmlformats.org/drawingml/2006/main" xmlns:r="http://schemas.openxmlformats.org/officeDocument/2006/relationships" xmlns:p="http://schemas.openxmlformats.org/presentationml/2006/main">
   <p:cSld>
@@ -14287,126 +14596,68 @@
       </p:grpSpPr>
       <p:sp>
         <p:nvSpPr>
-          <p:cNvPr id="2" name="Title 1"/>
-          <p:cNvSpPr>
-            <a:spLocks noGrp="1"/>
-          </p:cNvSpPr>
-          <p:nvPr>
-            <p:ph type="title"/>
-          </p:nvPr>
-        </p:nvSpPr>
-        <p:spPr>
-          <a:xfrm>
-            <a:off x="609600" y="228600"/>
-            <a:ext cx="10439400" cy="624840"/>
-          </a:xfrm>
-        </p:spPr>
-        <p:txBody>
-          <a:bodyPr>
-            <a:noAutofit/>
-          </a:bodyPr>
-          <a:lstStyle/>
-          <a:p>
-            <a:r>
-              <a:rPr lang="en-US" sz="3600" dirty="0">
-                <a:cs typeface="Times New Roman" panose="02020603050405020304" pitchFamily="18" charset="0"/>
-              </a:rPr>
-              <a:t>Subclassification</a:t>
-            </a:r>
-            <a:endParaRPr lang="en-US" sz="3600" dirty="0">
-              <a:latin typeface="Times New Roman" panose="02020603050405020304" pitchFamily="18" charset="0"/>
-              <a:cs typeface="Times New Roman" panose="02020603050405020304" pitchFamily="18" charset="0"/>
-            </a:endParaRPr>
-          </a:p>
-        </p:txBody>
-      </p:sp>
-      <p:sp>
-        <p:nvSpPr>
-          <p:cNvPr id="3" name="Content Placeholder 2"/>
-          <p:cNvSpPr>
-            <a:spLocks noGrp="1"/>
-          </p:cNvSpPr>
-          <p:nvPr>
-            <p:ph idx="1"/>
-          </p:nvPr>
-        </p:nvSpPr>
-        <p:spPr>
-          <a:xfrm>
-            <a:off x="609601" y="1066801"/>
-            <a:ext cx="10439400" cy="5141388"/>
-          </a:xfrm>
-        </p:spPr>
-        <p:txBody>
-          <a:bodyPr>
-            <a:noAutofit/>
-          </a:bodyPr>
-          <a:lstStyle/>
-          <a:p>
-            <a:r>
-              <a:rPr lang="en-US" sz="2400" dirty="0">
-                <a:cs typeface="Times New Roman" panose="02020603050405020304" pitchFamily="18" charset="0"/>
-              </a:rPr>
-              <a:t>We are worried about differences in </a:t>
-            </a:r>
-            <a:r>
-              <a:rPr lang="en-US" sz="2400" b="1" dirty="0">
-                <a:cs typeface="Times New Roman" panose="02020603050405020304" pitchFamily="18" charset="0"/>
-              </a:rPr>
-              <a:t>health status </a:t>
-            </a:r>
-            <a:r>
-              <a:rPr lang="en-US" sz="2400" dirty="0">
-                <a:cs typeface="Times New Roman" panose="02020603050405020304" pitchFamily="18" charset="0"/>
-              </a:rPr>
-              <a:t>affecting our estimates </a:t>
-            </a:r>
-          </a:p>
-          <a:p>
-            <a:pPr lvl="1"/>
-            <a:r>
-              <a:rPr lang="en-US" sz="2400" dirty="0">
-                <a:cs typeface="Times New Roman" panose="02020603050405020304" pitchFamily="18" charset="0"/>
-              </a:rPr>
-              <a:t>In practice, the treatment and control groups are</a:t>
-            </a:r>
-            <a:r>
-              <a:rPr lang="en-US" sz="2400" b="1" dirty="0">
-                <a:solidFill>
-                  <a:schemeClr val="accent2">
-                    <a:lumMod val="75000"/>
-                  </a:schemeClr>
-                </a:solidFill>
-                <a:cs typeface="Times New Roman" panose="02020603050405020304" pitchFamily="18" charset="0"/>
-              </a:rPr>
-              <a:t> not balanced</a:t>
-            </a:r>
-            <a:r>
-              <a:rPr lang="en-US" sz="2400" dirty="0">
-                <a:cs typeface="Times New Roman" panose="02020603050405020304" pitchFamily="18" charset="0"/>
-              </a:rPr>
-              <a:t> </a:t>
-            </a:r>
-          </a:p>
-          <a:p>
-            <a:r>
-              <a:rPr lang="en-US" sz="2400" b="1" dirty="0">
-                <a:cs typeface="Times New Roman" panose="02020603050405020304" pitchFamily="18" charset="0"/>
-              </a:rPr>
-              <a:t>Subclassification </a:t>
-            </a:r>
-            <a:r>
-              <a:rPr lang="en-US" sz="2400" dirty="0">
-                <a:cs typeface="Times New Roman" panose="02020603050405020304" pitchFamily="18" charset="0"/>
-              </a:rPr>
-              <a:t>is a matching strategy to “smooth out” differences: </a:t>
-            </a:r>
+          <p:cNvPr id="2" name="Title 1">
+            <a:extLst>
+              <a:ext uri="{FF2B5EF4-FFF2-40B4-BE49-F238E27FC236}">
+                <a16:creationId xmlns:a16="http://schemas.microsoft.com/office/drawing/2014/main" id="{F6693EDF-660D-4391-A114-A6C54268E445}"/>
+              </a:ext>
+            </a:extLst>
+          </p:cNvPr>
+          <p:cNvSpPr>
+            <a:spLocks noGrp="1"/>
+          </p:cNvSpPr>
+          <p:nvPr>
+            <p:ph type="ctrTitle"/>
+          </p:nvPr>
+        </p:nvSpPr>
+        <p:spPr/>
+        <p:txBody>
+          <a:bodyPr/>
+          <a:lstStyle/>
+          <a:p>
+            <a:r>
+              <a:rPr lang="en-US" dirty="0"/>
+              <a:t>Matching Techniques: </a:t>
+            </a:r>
+            <a:br>
+              <a:rPr lang="en-US" dirty="0"/>
+            </a:br>
+            <a:r>
+              <a:rPr lang="en-US" dirty="0"/>
+              <a:t>Single Variable</a:t>
+            </a:r>
+          </a:p>
+        </p:txBody>
+      </p:sp>
+      <p:sp>
+        <p:nvSpPr>
+          <p:cNvPr id="3" name="Subtitle 2">
+            <a:extLst>
+              <a:ext uri="{FF2B5EF4-FFF2-40B4-BE49-F238E27FC236}">
+                <a16:creationId xmlns:a16="http://schemas.microsoft.com/office/drawing/2014/main" id="{9A7FADE3-4D7C-4B3A-B023-71CD85AECCCB}"/>
+              </a:ext>
+            </a:extLst>
+          </p:cNvPr>
+          <p:cNvSpPr>
+            <a:spLocks noGrp="1"/>
+          </p:cNvSpPr>
+          <p:nvPr>
+            <p:ph type="subTitle" idx="1"/>
+          </p:nvPr>
+        </p:nvSpPr>
+        <p:spPr/>
+        <p:txBody>
+          <a:bodyPr/>
+          <a:lstStyle/>
+          <a:p>
+            <a:endParaRPr lang="en-US"/>
           </a:p>
         </p:txBody>
       </p:sp>
     </p:spTree>
     <p:extLst>
       <p:ext uri="{BB962C8B-B14F-4D97-AF65-F5344CB8AC3E}">
-        <p14:creationId xmlns:p14="http://schemas.microsoft.com/office/powerpoint/2010/main" val="2597052156"/>
+        <p14:creationId xmlns:p14="http://schemas.microsoft.com/office/powerpoint/2010/main" val="1543526818"/>
       </p:ext>
     </p:extLst>
   </p:cSld>
@@ -14549,131 +14800,12 @@
               <a:t>is a matching strategy to “smooth out” differences: </a:t>
             </a:r>
           </a:p>
-          <a:p>
-            <a:pPr marL="731520" lvl="1" indent="-457200">
-              <a:buFont typeface="+mj-lt"/>
-              <a:buAutoNum type="arabicPeriod"/>
-            </a:pPr>
-            <a:r>
-              <a:rPr lang="en-US" sz="2400" dirty="0">
-                <a:cs typeface="Times New Roman" panose="02020603050405020304" pitchFamily="18" charset="0"/>
-              </a:rPr>
-              <a:t>Create bins (for example, based on patient age)</a:t>
-            </a:r>
-          </a:p>
-          <a:p>
-            <a:pPr marL="731520" lvl="1" indent="-457200">
-              <a:buFont typeface="+mj-lt"/>
-              <a:buAutoNum type="arabicPeriod"/>
-            </a:pPr>
-            <a:r>
-              <a:rPr lang="en-US" sz="2400" dirty="0">
-                <a:cs typeface="Times New Roman" panose="02020603050405020304" pitchFamily="18" charset="0"/>
-              </a:rPr>
-              <a:t>In each bin, identify the “treatment effect” of unemployment benefits</a:t>
-            </a:r>
-          </a:p>
-          <a:p>
-            <a:pPr marL="731520" lvl="1" indent="-457200">
-              <a:buFont typeface="+mj-lt"/>
-              <a:buAutoNum type="arabicPeriod"/>
-            </a:pPr>
-            <a:r>
-              <a:rPr lang="en-US" sz="2400" dirty="0">
-                <a:cs typeface="Times New Roman" panose="02020603050405020304" pitchFamily="18" charset="0"/>
-              </a:rPr>
-              <a:t>Construct </a:t>
-            </a:r>
-            <a:r>
-              <a:rPr lang="en-US" sz="2400" i="1" dirty="0">
-                <a:cs typeface="Times New Roman" panose="02020603050405020304" pitchFamily="18" charset="0"/>
-              </a:rPr>
-              <a:t>strata-specific weights:</a:t>
-            </a:r>
-          </a:p>
-          <a:p>
-            <a:pPr lvl="2"/>
-            <a:r>
-              <a:rPr lang="en-US" sz="2400" dirty="0">
-                <a:cs typeface="Times New Roman" panose="02020603050405020304" pitchFamily="18" charset="0"/>
-              </a:rPr>
-              <a:t>Likelihood of being in each bin across treatment/control groups</a:t>
-            </a:r>
-          </a:p>
-          <a:p>
-            <a:pPr marL="731520" lvl="1" indent="-457200">
-              <a:buFont typeface="+mj-lt"/>
-              <a:buAutoNum type="arabicPeriod"/>
-            </a:pPr>
-            <a:r>
-              <a:rPr lang="en-US" sz="2400" dirty="0">
-                <a:cs typeface="Times New Roman" panose="02020603050405020304" pitchFamily="18" charset="0"/>
-              </a:rPr>
-              <a:t>Calculate the weighted average effect of unemployment benefits </a:t>
-            </a:r>
-          </a:p>
-          <a:p>
-            <a:pPr marL="731520" lvl="1" indent="-457200">
-              <a:buFont typeface="+mj-lt"/>
-              <a:buAutoNum type="arabicPeriod"/>
-            </a:pPr>
-            <a:endParaRPr lang="en-US" sz="2400" dirty="0">
-              <a:cs typeface="Times New Roman" panose="02020603050405020304" pitchFamily="18" charset="0"/>
-            </a:endParaRPr>
-          </a:p>
-        </p:txBody>
-      </p:sp>
-      <p:pic>
-        <p:nvPicPr>
-          <p:cNvPr id="4" name="Picture 2" descr="RStudio - RStudio">
-            <a:extLst>
-              <a:ext uri="{FF2B5EF4-FFF2-40B4-BE49-F238E27FC236}">
-                <a16:creationId xmlns:a16="http://schemas.microsoft.com/office/drawing/2014/main" id="{19345B0C-B728-28E3-25E6-579A4994AD74}"/>
-              </a:ext>
-            </a:extLst>
-          </p:cNvPr>
-          <p:cNvPicPr>
-            <a:picLocks noChangeAspect="1" noChangeArrowheads="1"/>
-          </p:cNvPicPr>
-          <p:nvPr/>
-        </p:nvPicPr>
-        <p:blipFill>
-          <a:blip r:embed="rId3">
-            <a:extLst>
-              <a:ext uri="{28A0092B-C50C-407E-A947-70E740481C1C}">
-                <a14:useLocalDpi xmlns:a14="http://schemas.microsoft.com/office/drawing/2010/main" val="0"/>
-              </a:ext>
-            </a:extLst>
-          </a:blip>
-          <a:srcRect/>
-          <a:stretch>
-            <a:fillRect/>
-          </a:stretch>
-        </p:blipFill>
-        <p:spPr bwMode="auto">
-          <a:xfrm>
-            <a:off x="9527629" y="5209968"/>
-            <a:ext cx="1371600" cy="1371600"/>
-          </a:xfrm>
-          <a:prstGeom prst="rect">
-            <a:avLst/>
-          </a:prstGeom>
-          <a:noFill/>
-          <a:extLst>
-            <a:ext uri="{909E8E84-426E-40DD-AFC4-6F175D3DCCD1}">
-              <a14:hiddenFill xmlns:a14="http://schemas.microsoft.com/office/drawing/2010/main">
-                <a:solidFill>
-                  <a:srgbClr val="FFFFFF"/>
-                </a:solidFill>
-              </a14:hiddenFill>
-            </a:ext>
-          </a:extLst>
-        </p:spPr>
-      </p:pic>
+        </p:txBody>
+      </p:sp>
     </p:spTree>
     <p:extLst>
       <p:ext uri="{BB962C8B-B14F-4D97-AF65-F5344CB8AC3E}">
-        <p14:creationId xmlns:p14="http://schemas.microsoft.com/office/powerpoint/2010/main" val="2434322783"/>
+        <p14:creationId xmlns:p14="http://schemas.microsoft.com/office/powerpoint/2010/main" val="2597052156"/>
       </p:ext>
     </p:extLst>
   </p:cSld>
@@ -15040,6 +15172,273 @@
               <a:rPr lang="en-US" sz="2400" dirty="0">
                 <a:cs typeface="Times New Roman" panose="02020603050405020304" pitchFamily="18" charset="0"/>
               </a:rPr>
+              <a:t>affecting our estimates </a:t>
+            </a:r>
+          </a:p>
+          <a:p>
+            <a:pPr lvl="1"/>
+            <a:r>
+              <a:rPr lang="en-US" sz="2400" dirty="0">
+                <a:cs typeface="Times New Roman" panose="02020603050405020304" pitchFamily="18" charset="0"/>
+              </a:rPr>
+              <a:t>In practice, the treatment and control groups are</a:t>
+            </a:r>
+            <a:r>
+              <a:rPr lang="en-US" sz="2400" b="1" dirty="0">
+                <a:solidFill>
+                  <a:schemeClr val="accent2">
+                    <a:lumMod val="75000"/>
+                  </a:schemeClr>
+                </a:solidFill>
+                <a:cs typeface="Times New Roman" panose="02020603050405020304" pitchFamily="18" charset="0"/>
+              </a:rPr>
+              <a:t> not balanced</a:t>
+            </a:r>
+            <a:r>
+              <a:rPr lang="en-US" sz="2400" dirty="0">
+                <a:cs typeface="Times New Roman" panose="02020603050405020304" pitchFamily="18" charset="0"/>
+              </a:rPr>
+              <a:t> </a:t>
+            </a:r>
+          </a:p>
+          <a:p>
+            <a:r>
+              <a:rPr lang="en-US" sz="2400" b="1" dirty="0">
+                <a:cs typeface="Times New Roman" panose="02020603050405020304" pitchFamily="18" charset="0"/>
+              </a:rPr>
+              <a:t>Subclassification </a:t>
+            </a:r>
+            <a:r>
+              <a:rPr lang="en-US" sz="2400" dirty="0">
+                <a:cs typeface="Times New Roman" panose="02020603050405020304" pitchFamily="18" charset="0"/>
+              </a:rPr>
+              <a:t>is a matching strategy to “smooth out” differences: </a:t>
+            </a:r>
+          </a:p>
+          <a:p>
+            <a:pPr marL="731520" lvl="1" indent="-457200">
+              <a:buFont typeface="+mj-lt"/>
+              <a:buAutoNum type="arabicPeriod"/>
+            </a:pPr>
+            <a:r>
+              <a:rPr lang="en-US" sz="2400" dirty="0">
+                <a:cs typeface="Times New Roman" panose="02020603050405020304" pitchFamily="18" charset="0"/>
+              </a:rPr>
+              <a:t>Create bins (for example, based on patient age)</a:t>
+            </a:r>
+          </a:p>
+          <a:p>
+            <a:pPr marL="731520" lvl="1" indent="-457200">
+              <a:buFont typeface="+mj-lt"/>
+              <a:buAutoNum type="arabicPeriod"/>
+            </a:pPr>
+            <a:r>
+              <a:rPr lang="en-US" sz="2400" dirty="0">
+                <a:cs typeface="Times New Roman" panose="02020603050405020304" pitchFamily="18" charset="0"/>
+              </a:rPr>
+              <a:t>In each bin, identify the “treatment effect” of unemployment benefits</a:t>
+            </a:r>
+          </a:p>
+          <a:p>
+            <a:pPr marL="731520" lvl="1" indent="-457200">
+              <a:buFont typeface="+mj-lt"/>
+              <a:buAutoNum type="arabicPeriod"/>
+            </a:pPr>
+            <a:r>
+              <a:rPr lang="en-US" sz="2400" dirty="0">
+                <a:cs typeface="Times New Roman" panose="02020603050405020304" pitchFamily="18" charset="0"/>
+              </a:rPr>
+              <a:t>Construct </a:t>
+            </a:r>
+            <a:r>
+              <a:rPr lang="en-US" sz="2400" i="1" dirty="0">
+                <a:cs typeface="Times New Roman" panose="02020603050405020304" pitchFamily="18" charset="0"/>
+              </a:rPr>
+              <a:t>strata-specific weights:</a:t>
+            </a:r>
+          </a:p>
+          <a:p>
+            <a:pPr lvl="2"/>
+            <a:r>
+              <a:rPr lang="en-US" sz="2400" dirty="0">
+                <a:cs typeface="Times New Roman" panose="02020603050405020304" pitchFamily="18" charset="0"/>
+              </a:rPr>
+              <a:t>Likelihood of being in each bin across treatment/control groups</a:t>
+            </a:r>
+          </a:p>
+          <a:p>
+            <a:pPr marL="731520" lvl="1" indent="-457200">
+              <a:buFont typeface="+mj-lt"/>
+              <a:buAutoNum type="arabicPeriod"/>
+            </a:pPr>
+            <a:r>
+              <a:rPr lang="en-US" sz="2400" dirty="0">
+                <a:cs typeface="Times New Roman" panose="02020603050405020304" pitchFamily="18" charset="0"/>
+              </a:rPr>
+              <a:t>Calculate the weighted average effect of unemployment benefits </a:t>
+            </a:r>
+          </a:p>
+          <a:p>
+            <a:pPr marL="731520" lvl="1" indent="-457200">
+              <a:buFont typeface="+mj-lt"/>
+              <a:buAutoNum type="arabicPeriod"/>
+            </a:pPr>
+            <a:endParaRPr lang="en-US" sz="2400" dirty="0">
+              <a:cs typeface="Times New Roman" panose="02020603050405020304" pitchFamily="18" charset="0"/>
+            </a:endParaRPr>
+          </a:p>
+        </p:txBody>
+      </p:sp>
+      <p:pic>
+        <p:nvPicPr>
+          <p:cNvPr id="4" name="Picture 2" descr="RStudio - RStudio">
+            <a:extLst>
+              <a:ext uri="{FF2B5EF4-FFF2-40B4-BE49-F238E27FC236}">
+                <a16:creationId xmlns:a16="http://schemas.microsoft.com/office/drawing/2014/main" id="{19345B0C-B728-28E3-25E6-579A4994AD74}"/>
+              </a:ext>
+            </a:extLst>
+          </p:cNvPr>
+          <p:cNvPicPr>
+            <a:picLocks noChangeAspect="1" noChangeArrowheads="1"/>
+          </p:cNvPicPr>
+          <p:nvPr/>
+        </p:nvPicPr>
+        <p:blipFill>
+          <a:blip r:embed="rId3">
+            <a:extLst>
+              <a:ext uri="{28A0092B-C50C-407E-A947-70E740481C1C}">
+                <a14:useLocalDpi xmlns:a14="http://schemas.microsoft.com/office/drawing/2010/main" val="0"/>
+              </a:ext>
+            </a:extLst>
+          </a:blip>
+          <a:srcRect/>
+          <a:stretch>
+            <a:fillRect/>
+          </a:stretch>
+        </p:blipFill>
+        <p:spPr bwMode="auto">
+          <a:xfrm>
+            <a:off x="9527629" y="5209968"/>
+            <a:ext cx="1371600" cy="1371600"/>
+          </a:xfrm>
+          <a:prstGeom prst="rect">
+            <a:avLst/>
+          </a:prstGeom>
+          <a:noFill/>
+          <a:extLst>
+            <a:ext uri="{909E8E84-426E-40DD-AFC4-6F175D3DCCD1}">
+              <a14:hiddenFill xmlns:a14="http://schemas.microsoft.com/office/drawing/2010/main">
+                <a:solidFill>
+                  <a:srgbClr val="FFFFFF"/>
+                </a:solidFill>
+              </a14:hiddenFill>
+            </a:ext>
+          </a:extLst>
+        </p:spPr>
+      </p:pic>
+    </p:spTree>
+    <p:extLst>
+      <p:ext uri="{BB962C8B-B14F-4D97-AF65-F5344CB8AC3E}">
+        <p14:creationId xmlns:p14="http://schemas.microsoft.com/office/powerpoint/2010/main" val="2434322783"/>
+      </p:ext>
+    </p:extLst>
+  </p:cSld>
+  <p:clrMapOvr>
+    <a:masterClrMapping/>
+  </p:clrMapOvr>
+</p:sld>
+</file>
+
+<file path=ppt/slides/slide31.xml><?xml version="1.0" encoding="utf-8"?>
+<p:sld xmlns:a="http://schemas.openxmlformats.org/drawingml/2006/main" xmlns:r="http://schemas.openxmlformats.org/officeDocument/2006/relationships" xmlns:p="http://schemas.openxmlformats.org/presentationml/2006/main">
+  <p:cSld>
+    <p:spTree>
+      <p:nvGrpSpPr>
+        <p:cNvPr id="1" name=""/>
+        <p:cNvGrpSpPr/>
+        <p:nvPr/>
+      </p:nvGrpSpPr>
+      <p:grpSpPr>
+        <a:xfrm>
+          <a:off x="0" y="0"/>
+          <a:ext cx="0" cy="0"/>
+          <a:chOff x="0" y="0"/>
+          <a:chExt cx="0" cy="0"/>
+        </a:xfrm>
+      </p:grpSpPr>
+      <p:sp>
+        <p:nvSpPr>
+          <p:cNvPr id="2" name="Title 1"/>
+          <p:cNvSpPr>
+            <a:spLocks noGrp="1"/>
+          </p:cNvSpPr>
+          <p:nvPr>
+            <p:ph type="title"/>
+          </p:nvPr>
+        </p:nvSpPr>
+        <p:spPr>
+          <a:xfrm>
+            <a:off x="609600" y="228600"/>
+            <a:ext cx="10439400" cy="624840"/>
+          </a:xfrm>
+        </p:spPr>
+        <p:txBody>
+          <a:bodyPr>
+            <a:noAutofit/>
+          </a:bodyPr>
+          <a:lstStyle/>
+          <a:p>
+            <a:r>
+              <a:rPr lang="en-US" sz="3600" dirty="0">
+                <a:cs typeface="Times New Roman" panose="02020603050405020304" pitchFamily="18" charset="0"/>
+              </a:rPr>
+              <a:t>Subclassification</a:t>
+            </a:r>
+            <a:endParaRPr lang="en-US" sz="3600" dirty="0">
+              <a:latin typeface="Times New Roman" panose="02020603050405020304" pitchFamily="18" charset="0"/>
+              <a:cs typeface="Times New Roman" panose="02020603050405020304" pitchFamily="18" charset="0"/>
+            </a:endParaRPr>
+          </a:p>
+        </p:txBody>
+      </p:sp>
+      <p:sp>
+        <p:nvSpPr>
+          <p:cNvPr id="3" name="Content Placeholder 2"/>
+          <p:cNvSpPr>
+            <a:spLocks noGrp="1"/>
+          </p:cNvSpPr>
+          <p:nvPr>
+            <p:ph idx="1"/>
+          </p:nvPr>
+        </p:nvSpPr>
+        <p:spPr>
+          <a:xfrm>
+            <a:off x="609601" y="1066801"/>
+            <a:ext cx="10439400" cy="5141388"/>
+          </a:xfrm>
+        </p:spPr>
+        <p:txBody>
+          <a:bodyPr>
+            <a:noAutofit/>
+          </a:bodyPr>
+          <a:lstStyle/>
+          <a:p>
+            <a:r>
+              <a:rPr lang="en-US" sz="2400" dirty="0">
+                <a:cs typeface="Times New Roman" panose="02020603050405020304" pitchFamily="18" charset="0"/>
+              </a:rPr>
+              <a:t>We are worried about differences in </a:t>
+            </a:r>
+            <a:r>
+              <a:rPr lang="en-US" sz="2400" b="1" dirty="0">
+                <a:cs typeface="Times New Roman" panose="02020603050405020304" pitchFamily="18" charset="0"/>
+              </a:rPr>
+              <a:t>health status </a:t>
+            </a:r>
+            <a:r>
+              <a:rPr lang="en-US" sz="2400" dirty="0">
+                <a:cs typeface="Times New Roman" panose="02020603050405020304" pitchFamily="18" charset="0"/>
+              </a:rPr>
               <a:t>affecting our estimates  </a:t>
             </a:r>
           </a:p>
@@ -15219,7 +15618,7 @@
 </p:sld>
 </file>
 
-<file path=ppt/slides/slide31.xml><?xml version="1.0" encoding="utf-8"?>
+<file path=ppt/slides/slide32.xml><?xml version="1.0" encoding="utf-8"?>
 <p:sld xmlns:a="http://schemas.openxmlformats.org/drawingml/2006/main" xmlns:r="http://schemas.openxmlformats.org/officeDocument/2006/relationships" xmlns:p="http://schemas.openxmlformats.org/presentationml/2006/main">
   <p:cSld>
     <p:spTree>
@@ -15379,7 +15778,7 @@
 </p:sld>
 </file>
 
-<file path=ppt/slides/slide32.xml><?xml version="1.0" encoding="utf-8"?>
+<file path=ppt/slides/slide33.xml><?xml version="1.0" encoding="utf-8"?>
 <p:sld xmlns:a="http://schemas.openxmlformats.org/drawingml/2006/main" xmlns:r="http://schemas.openxmlformats.org/officeDocument/2006/relationships" xmlns:p="http://schemas.openxmlformats.org/presentationml/2006/main">
   <p:cSld>
     <p:spTree>
@@ -15715,96 +16114,6 @@
 </p:sld>
 </file>
 
-<file path=ppt/slides/slide33.xml><?xml version="1.0" encoding="utf-8"?>
-<p:sld xmlns:a="http://schemas.openxmlformats.org/drawingml/2006/main" xmlns:r="http://schemas.openxmlformats.org/officeDocument/2006/relationships" xmlns:p="http://schemas.openxmlformats.org/presentationml/2006/main">
-  <p:cSld>
-    <p:spTree>
-      <p:nvGrpSpPr>
-        <p:cNvPr id="1" name=""/>
-        <p:cNvGrpSpPr/>
-        <p:nvPr/>
-      </p:nvGrpSpPr>
-      <p:grpSpPr>
-        <a:xfrm>
-          <a:off x="0" y="0"/>
-          <a:ext cx="0" cy="0"/>
-          <a:chOff x="0" y="0"/>
-          <a:chExt cx="0" cy="0"/>
-        </a:xfrm>
-      </p:grpSpPr>
-      <p:sp>
-        <p:nvSpPr>
-          <p:cNvPr id="2" name="Title 1">
-            <a:extLst>
-              <a:ext uri="{FF2B5EF4-FFF2-40B4-BE49-F238E27FC236}">
-                <a16:creationId xmlns:a16="http://schemas.microsoft.com/office/drawing/2014/main" id="{F6693EDF-660D-4391-A114-A6C54268E445}"/>
-              </a:ext>
-            </a:extLst>
-          </p:cNvPr>
-          <p:cNvSpPr>
-            <a:spLocks noGrp="1"/>
-          </p:cNvSpPr>
-          <p:nvPr>
-            <p:ph type="ctrTitle"/>
-          </p:nvPr>
-        </p:nvSpPr>
-        <p:spPr/>
-        <p:txBody>
-          <a:bodyPr/>
-          <a:lstStyle/>
-          <a:p>
-            <a:r>
-              <a:rPr lang="en-US" dirty="0"/>
-              <a:t>Matching Techniques: </a:t>
-            </a:r>
-            <a:br>
-              <a:rPr lang="en-US" dirty="0"/>
-            </a:br>
-            <a:r>
-              <a:rPr lang="en-US" dirty="0"/>
-              <a:t>Multiple Variables</a:t>
-            </a:r>
-          </a:p>
-        </p:txBody>
-      </p:sp>
-      <p:sp>
-        <p:nvSpPr>
-          <p:cNvPr id="3" name="Subtitle 2">
-            <a:extLst>
-              <a:ext uri="{FF2B5EF4-FFF2-40B4-BE49-F238E27FC236}">
-                <a16:creationId xmlns:a16="http://schemas.microsoft.com/office/drawing/2014/main" id="{9A7FADE3-4D7C-4B3A-B023-71CD85AECCCB}"/>
-              </a:ext>
-            </a:extLst>
-          </p:cNvPr>
-          <p:cNvSpPr>
-            <a:spLocks noGrp="1"/>
-          </p:cNvSpPr>
-          <p:nvPr>
-            <p:ph type="subTitle" idx="1"/>
-          </p:nvPr>
-        </p:nvSpPr>
-        <p:spPr/>
-        <p:txBody>
-          <a:bodyPr/>
-          <a:lstStyle/>
-          <a:p>
-            <a:endParaRPr lang="en-US"/>
-          </a:p>
-        </p:txBody>
-      </p:sp>
-    </p:spTree>
-    <p:extLst>
-      <p:ext uri="{BB962C8B-B14F-4D97-AF65-F5344CB8AC3E}">
-        <p14:creationId xmlns:p14="http://schemas.microsoft.com/office/powerpoint/2010/main" val="2094974890"/>
-      </p:ext>
-    </p:extLst>
-  </p:cSld>
-  <p:clrMapOvr>
-    <a:masterClrMapping/>
-  </p:clrMapOvr>
-</p:sld>
-</file>
-
 <file path=ppt/slides/slide34.xml><?xml version="1.0" encoding="utf-8"?>
 <p:sld xmlns:a="http://schemas.openxmlformats.org/drawingml/2006/main" xmlns:r="http://schemas.openxmlformats.org/officeDocument/2006/relationships" xmlns:p="http://schemas.openxmlformats.org/presentationml/2006/main">
   <p:cSld>
@@ -15824,6 +16133,96 @@
       </p:grpSpPr>
       <p:sp>
         <p:nvSpPr>
+          <p:cNvPr id="2" name="Title 1">
+            <a:extLst>
+              <a:ext uri="{FF2B5EF4-FFF2-40B4-BE49-F238E27FC236}">
+                <a16:creationId xmlns:a16="http://schemas.microsoft.com/office/drawing/2014/main" id="{F6693EDF-660D-4391-A114-A6C54268E445}"/>
+              </a:ext>
+            </a:extLst>
+          </p:cNvPr>
+          <p:cNvSpPr>
+            <a:spLocks noGrp="1"/>
+          </p:cNvSpPr>
+          <p:nvPr>
+            <p:ph type="ctrTitle"/>
+          </p:nvPr>
+        </p:nvSpPr>
+        <p:spPr/>
+        <p:txBody>
+          <a:bodyPr/>
+          <a:lstStyle/>
+          <a:p>
+            <a:r>
+              <a:rPr lang="en-US" dirty="0"/>
+              <a:t>Matching Techniques: </a:t>
+            </a:r>
+            <a:br>
+              <a:rPr lang="en-US" dirty="0"/>
+            </a:br>
+            <a:r>
+              <a:rPr lang="en-US" dirty="0"/>
+              <a:t>Multiple Variables</a:t>
+            </a:r>
+          </a:p>
+        </p:txBody>
+      </p:sp>
+      <p:sp>
+        <p:nvSpPr>
+          <p:cNvPr id="3" name="Subtitle 2">
+            <a:extLst>
+              <a:ext uri="{FF2B5EF4-FFF2-40B4-BE49-F238E27FC236}">
+                <a16:creationId xmlns:a16="http://schemas.microsoft.com/office/drawing/2014/main" id="{9A7FADE3-4D7C-4B3A-B023-71CD85AECCCB}"/>
+              </a:ext>
+            </a:extLst>
+          </p:cNvPr>
+          <p:cNvSpPr>
+            <a:spLocks noGrp="1"/>
+          </p:cNvSpPr>
+          <p:nvPr>
+            <p:ph type="subTitle" idx="1"/>
+          </p:nvPr>
+        </p:nvSpPr>
+        <p:spPr/>
+        <p:txBody>
+          <a:bodyPr/>
+          <a:lstStyle/>
+          <a:p>
+            <a:endParaRPr lang="en-US"/>
+          </a:p>
+        </p:txBody>
+      </p:sp>
+    </p:spTree>
+    <p:extLst>
+      <p:ext uri="{BB962C8B-B14F-4D97-AF65-F5344CB8AC3E}">
+        <p14:creationId xmlns:p14="http://schemas.microsoft.com/office/powerpoint/2010/main" val="2094974890"/>
+      </p:ext>
+    </p:extLst>
+  </p:cSld>
+  <p:clrMapOvr>
+    <a:masterClrMapping/>
+  </p:clrMapOvr>
+</p:sld>
+</file>
+
+<file path=ppt/slides/slide35.xml><?xml version="1.0" encoding="utf-8"?>
+<p:sld xmlns:a="http://schemas.openxmlformats.org/drawingml/2006/main" xmlns:r="http://schemas.openxmlformats.org/officeDocument/2006/relationships" xmlns:p="http://schemas.openxmlformats.org/presentationml/2006/main">
+  <p:cSld>
+    <p:spTree>
+      <p:nvGrpSpPr>
+        <p:cNvPr id="1" name=""/>
+        <p:cNvGrpSpPr/>
+        <p:nvPr/>
+      </p:nvGrpSpPr>
+      <p:grpSpPr>
+        <a:xfrm>
+          <a:off x="0" y="0"/>
+          <a:ext cx="0" cy="0"/>
+          <a:chOff x="0" y="0"/>
+          <a:chExt cx="0" cy="0"/>
+        </a:xfrm>
+      </p:grpSpPr>
+      <p:sp>
+        <p:nvSpPr>
           <p:cNvPr id="2" name="Title 1"/>
           <p:cNvSpPr>
             <a:spLocks noGrp="1"/>
@@ -15936,7 +16335,7 @@
 </p:sld>
 </file>
 
-<file path=ppt/slides/slide35.xml><?xml version="1.0" encoding="utf-8"?>
+<file path=ppt/slides/slide36.xml><?xml version="1.0" encoding="utf-8"?>
 <p:sld xmlns:a="http://schemas.openxmlformats.org/drawingml/2006/main" xmlns:r="http://schemas.openxmlformats.org/officeDocument/2006/relationships" xmlns:p="http://schemas.openxmlformats.org/presentationml/2006/main">
   <p:cSld>
     <p:spTree>
@@ -16486,7 +16885,7 @@
 </p:sld>
 </file>
 
-<file path=ppt/slides/slide36.xml><?xml version="1.0" encoding="utf-8"?>
+<file path=ppt/slides/slide37.xml><?xml version="1.0" encoding="utf-8"?>
 <p:sld xmlns:a="http://schemas.openxmlformats.org/drawingml/2006/main" xmlns:r="http://schemas.openxmlformats.org/officeDocument/2006/relationships" xmlns:p="http://schemas.openxmlformats.org/presentationml/2006/main">
   <p:cSld>
     <p:spTree>
@@ -17110,236 +17509,6 @@
 </p:sld>
 </file>
 
-<file path=ppt/slides/slide37.xml><?xml version="1.0" encoding="utf-8"?>
-<p:sld xmlns:a="http://schemas.openxmlformats.org/drawingml/2006/main" xmlns:r="http://schemas.openxmlformats.org/officeDocument/2006/relationships" xmlns:p="http://schemas.openxmlformats.org/presentationml/2006/main">
-  <p:cSld>
-    <p:spTree>
-      <p:nvGrpSpPr>
-        <p:cNvPr id="1" name=""/>
-        <p:cNvGrpSpPr/>
-        <p:nvPr/>
-      </p:nvGrpSpPr>
-      <p:grpSpPr>
-        <a:xfrm>
-          <a:off x="0" y="0"/>
-          <a:ext cx="0" cy="0"/>
-          <a:chOff x="0" y="0"/>
-          <a:chExt cx="0" cy="0"/>
-        </a:xfrm>
-      </p:grpSpPr>
-      <p:sp>
-        <p:nvSpPr>
-          <p:cNvPr id="2" name="Title 1"/>
-          <p:cNvSpPr>
-            <a:spLocks noGrp="1"/>
-          </p:cNvSpPr>
-          <p:nvPr>
-            <p:ph type="title"/>
-          </p:nvPr>
-        </p:nvSpPr>
-        <p:spPr>
-          <a:xfrm>
-            <a:off x="609600" y="228600"/>
-            <a:ext cx="10439400" cy="624840"/>
-          </a:xfrm>
-        </p:spPr>
-        <p:txBody>
-          <a:bodyPr>
-            <a:noAutofit/>
-          </a:bodyPr>
-          <a:lstStyle/>
-          <a:p>
-            <a:r>
-              <a:rPr lang="en-US" sz="3600" dirty="0">
-                <a:cs typeface="Times New Roman" panose="02020603050405020304" pitchFamily="18" charset="0"/>
-              </a:rPr>
-              <a:t>Exact Matching: Problems</a:t>
-            </a:r>
-            <a:endParaRPr lang="en-US" sz="3600" dirty="0">
-              <a:latin typeface="Times New Roman" panose="02020603050405020304" pitchFamily="18" charset="0"/>
-              <a:cs typeface="Times New Roman" panose="02020603050405020304" pitchFamily="18" charset="0"/>
-            </a:endParaRPr>
-          </a:p>
-        </p:txBody>
-      </p:sp>
-      <p:sp>
-        <p:nvSpPr>
-          <p:cNvPr id="3" name="Content Placeholder 2"/>
-          <p:cNvSpPr>
-            <a:spLocks noGrp="1"/>
-          </p:cNvSpPr>
-          <p:nvPr>
-            <p:ph idx="1"/>
-          </p:nvPr>
-        </p:nvSpPr>
-        <p:spPr>
-          <a:xfrm>
-            <a:off x="685801" y="1066801"/>
-            <a:ext cx="10363200" cy="5141388"/>
-          </a:xfrm>
-        </p:spPr>
-        <p:txBody>
-          <a:bodyPr>
-            <a:noAutofit/>
-          </a:bodyPr>
-          <a:lstStyle/>
-          <a:p>
-            <a:pPr marL="274320" lvl="1" indent="0">
-              <a:buNone/>
-            </a:pPr>
-            <a:r>
-              <a:rPr lang="en-US" sz="2400" dirty="0">
-                <a:cs typeface="Times New Roman" panose="02020603050405020304" pitchFamily="18" charset="0"/>
-              </a:rPr>
-              <a:t>Exact matching has its own problems: </a:t>
-            </a:r>
-          </a:p>
-          <a:p>
-            <a:pPr lvl="1"/>
-            <a:r>
-              <a:rPr lang="en-US" sz="2400" dirty="0">
-                <a:cs typeface="Times New Roman" panose="02020603050405020304" pitchFamily="18" charset="0"/>
-              </a:rPr>
-              <a:t>Small sample sizes (few matches)</a:t>
-            </a:r>
-          </a:p>
-          <a:p>
-            <a:pPr lvl="1"/>
-            <a:r>
-              <a:rPr lang="en-US" sz="2400" dirty="0">
-                <a:cs typeface="Times New Roman" panose="02020603050405020304" pitchFamily="18" charset="0"/>
-              </a:rPr>
-              <a:t>Continuous matching variables</a:t>
-            </a:r>
-          </a:p>
-          <a:p>
-            <a:pPr lvl="1"/>
-            <a:r>
-              <a:rPr lang="en-US" sz="2400" dirty="0">
-                <a:cs typeface="Times New Roman" panose="02020603050405020304" pitchFamily="18" charset="0"/>
-              </a:rPr>
-              <a:t>Inconsistent averages over a few observations (within cells) </a:t>
-            </a:r>
-          </a:p>
-          <a:p>
-            <a:pPr lvl="1"/>
-            <a:r>
-              <a:rPr lang="en-US" sz="2400" dirty="0">
-                <a:cs typeface="Times New Roman" panose="02020603050405020304" pitchFamily="18" charset="0"/>
-              </a:rPr>
-              <a:t>What if the people you are throwing out matter? </a:t>
-            </a:r>
-          </a:p>
-          <a:p>
-            <a:pPr marL="0" indent="0">
-              <a:buNone/>
-            </a:pPr>
-            <a:r>
-              <a:rPr lang="en-US" sz="2600" dirty="0">
-                <a:cs typeface="Times New Roman" panose="02020603050405020304" pitchFamily="18" charset="0"/>
-              </a:rPr>
-              <a:t>Generalize again! This time to</a:t>
-            </a:r>
-            <a:r>
-              <a:rPr lang="en-US" sz="2600" b="1" dirty="0">
-                <a:cs typeface="Times New Roman" panose="02020603050405020304" pitchFamily="18" charset="0"/>
-              </a:rPr>
-              <a:t> </a:t>
-            </a:r>
-            <a:r>
-              <a:rPr lang="en-US" sz="2600" b="1" dirty="0">
-                <a:solidFill>
-                  <a:schemeClr val="accent2">
-                    <a:lumMod val="75000"/>
-                  </a:schemeClr>
-                </a:solidFill>
-                <a:cs typeface="Times New Roman" panose="02020603050405020304" pitchFamily="18" charset="0"/>
-              </a:rPr>
-              <a:t>approximate matching: </a:t>
-            </a:r>
-          </a:p>
-          <a:p>
-            <a:pPr marL="514350" indent="-514350">
-              <a:buFont typeface="+mj-lt"/>
-              <a:buAutoNum type="arabicPeriod"/>
-            </a:pPr>
-            <a:r>
-              <a:rPr lang="en-US" sz="2600" b="1" dirty="0">
-                <a:solidFill>
-                  <a:schemeClr val="accent2">
-                    <a:lumMod val="75000"/>
-                  </a:schemeClr>
-                </a:solidFill>
-                <a:cs typeface="Times New Roman" panose="02020603050405020304" pitchFamily="18" charset="0"/>
-              </a:rPr>
-              <a:t>Nearest Neighbor Methods (NN)</a:t>
-            </a:r>
-          </a:p>
-          <a:p>
-            <a:pPr marL="514350" indent="-514350">
-              <a:buFont typeface="+mj-lt"/>
-              <a:buAutoNum type="arabicPeriod"/>
-            </a:pPr>
-            <a:r>
-              <a:rPr lang="en-US" sz="2600" b="1" dirty="0">
-                <a:solidFill>
-                  <a:schemeClr val="accent2">
-                    <a:lumMod val="75000"/>
-                  </a:schemeClr>
-                </a:solidFill>
-                <a:cs typeface="Times New Roman" panose="02020603050405020304" pitchFamily="18" charset="0"/>
-              </a:rPr>
-              <a:t>Propensity Score Matching (PSM)</a:t>
-            </a:r>
-          </a:p>
-          <a:p>
-            <a:pPr marL="514350" indent="-514350">
-              <a:buFont typeface="+mj-lt"/>
-              <a:buAutoNum type="arabicPeriod"/>
-            </a:pPr>
-            <a:r>
-              <a:rPr lang="en-US" sz="2600" b="1" dirty="0">
-                <a:solidFill>
-                  <a:schemeClr val="accent2">
-                    <a:lumMod val="75000"/>
-                  </a:schemeClr>
-                </a:solidFill>
-                <a:cs typeface="Times New Roman" panose="02020603050405020304" pitchFamily="18" charset="0"/>
-              </a:rPr>
-              <a:t>Inverse Probability Weighting (IPW)</a:t>
-            </a:r>
-            <a:endParaRPr lang="en-US" sz="2600" dirty="0">
-              <a:solidFill>
-                <a:schemeClr val="accent2">
-                  <a:lumMod val="75000"/>
-                </a:schemeClr>
-              </a:solidFill>
-              <a:cs typeface="Times New Roman" panose="02020603050405020304" pitchFamily="18" charset="0"/>
-            </a:endParaRPr>
-          </a:p>
-          <a:p>
-            <a:pPr marL="274320" lvl="1" indent="0">
-              <a:buNone/>
-            </a:pPr>
-            <a:endParaRPr lang="en-US" sz="2400" dirty="0">
-              <a:cs typeface="Times New Roman" panose="02020603050405020304" pitchFamily="18" charset="0"/>
-            </a:endParaRPr>
-          </a:p>
-        </p:txBody>
-      </p:sp>
-    </p:spTree>
-    <p:extLst>
-      <p:ext uri="{BB962C8B-B14F-4D97-AF65-F5344CB8AC3E}">
-        <p14:creationId xmlns:p14="http://schemas.microsoft.com/office/powerpoint/2010/main" val="1977658110"/>
-      </p:ext>
-    </p:extLst>
-  </p:cSld>
-  <p:clrMapOvr>
-    <a:masterClrMapping/>
-  </p:clrMapOvr>
-</p:sld>
-</file>
-
 <file path=ppt/slides/slide38.xml><?xml version="1.0" encoding="utf-8"?>
 <p:sld xmlns:a="http://schemas.openxmlformats.org/drawingml/2006/main" xmlns:r="http://schemas.openxmlformats.org/officeDocument/2006/relationships" xmlns:p="http://schemas.openxmlformats.org/presentationml/2006/main">
   <p:cSld>
@@ -17383,6 +17552,236 @@
               <a:rPr lang="en-US" sz="3600" dirty="0">
                 <a:cs typeface="Times New Roman" panose="02020603050405020304" pitchFamily="18" charset="0"/>
               </a:rPr>
+              <a:t>Exact Matching: Problems</a:t>
+            </a:r>
+            <a:endParaRPr lang="en-US" sz="3600" dirty="0">
+              <a:latin typeface="Times New Roman" panose="02020603050405020304" pitchFamily="18" charset="0"/>
+              <a:cs typeface="Times New Roman" panose="02020603050405020304" pitchFamily="18" charset="0"/>
+            </a:endParaRPr>
+          </a:p>
+        </p:txBody>
+      </p:sp>
+      <p:sp>
+        <p:nvSpPr>
+          <p:cNvPr id="3" name="Content Placeholder 2"/>
+          <p:cNvSpPr>
+            <a:spLocks noGrp="1"/>
+          </p:cNvSpPr>
+          <p:nvPr>
+            <p:ph idx="1"/>
+          </p:nvPr>
+        </p:nvSpPr>
+        <p:spPr>
+          <a:xfrm>
+            <a:off x="685801" y="1066801"/>
+            <a:ext cx="10363200" cy="5141388"/>
+          </a:xfrm>
+        </p:spPr>
+        <p:txBody>
+          <a:bodyPr>
+            <a:noAutofit/>
+          </a:bodyPr>
+          <a:lstStyle/>
+          <a:p>
+            <a:pPr marL="274320" lvl="1" indent="0">
+              <a:buNone/>
+            </a:pPr>
+            <a:r>
+              <a:rPr lang="en-US" sz="2400" dirty="0">
+                <a:cs typeface="Times New Roman" panose="02020603050405020304" pitchFamily="18" charset="0"/>
+              </a:rPr>
+              <a:t>Exact matching has its own problems: </a:t>
+            </a:r>
+          </a:p>
+          <a:p>
+            <a:pPr lvl="1"/>
+            <a:r>
+              <a:rPr lang="en-US" sz="2400" dirty="0">
+                <a:cs typeface="Times New Roman" panose="02020603050405020304" pitchFamily="18" charset="0"/>
+              </a:rPr>
+              <a:t>Small sample sizes (few matches)</a:t>
+            </a:r>
+          </a:p>
+          <a:p>
+            <a:pPr lvl="1"/>
+            <a:r>
+              <a:rPr lang="en-US" sz="2400" dirty="0">
+                <a:cs typeface="Times New Roman" panose="02020603050405020304" pitchFamily="18" charset="0"/>
+              </a:rPr>
+              <a:t>Continuous matching variables</a:t>
+            </a:r>
+          </a:p>
+          <a:p>
+            <a:pPr lvl="1"/>
+            <a:r>
+              <a:rPr lang="en-US" sz="2400" dirty="0">
+                <a:cs typeface="Times New Roman" panose="02020603050405020304" pitchFamily="18" charset="0"/>
+              </a:rPr>
+              <a:t>Inconsistent averages over a few observations (within cells) </a:t>
+            </a:r>
+          </a:p>
+          <a:p>
+            <a:pPr lvl="1"/>
+            <a:r>
+              <a:rPr lang="en-US" sz="2400" dirty="0">
+                <a:cs typeface="Times New Roman" panose="02020603050405020304" pitchFamily="18" charset="0"/>
+              </a:rPr>
+              <a:t>What if the people you are throwing out matter? </a:t>
+            </a:r>
+          </a:p>
+          <a:p>
+            <a:pPr marL="0" indent="0">
+              <a:buNone/>
+            </a:pPr>
+            <a:r>
+              <a:rPr lang="en-US" sz="2600" dirty="0">
+                <a:cs typeface="Times New Roman" panose="02020603050405020304" pitchFamily="18" charset="0"/>
+              </a:rPr>
+              <a:t>Generalize again! This time to</a:t>
+            </a:r>
+            <a:r>
+              <a:rPr lang="en-US" sz="2600" b="1" dirty="0">
+                <a:cs typeface="Times New Roman" panose="02020603050405020304" pitchFamily="18" charset="0"/>
+              </a:rPr>
+              <a:t> </a:t>
+            </a:r>
+            <a:r>
+              <a:rPr lang="en-US" sz="2600" b="1" dirty="0">
+                <a:solidFill>
+                  <a:schemeClr val="accent2">
+                    <a:lumMod val="75000"/>
+                  </a:schemeClr>
+                </a:solidFill>
+                <a:cs typeface="Times New Roman" panose="02020603050405020304" pitchFamily="18" charset="0"/>
+              </a:rPr>
+              <a:t>approximate matching: </a:t>
+            </a:r>
+          </a:p>
+          <a:p>
+            <a:pPr marL="514350" indent="-514350">
+              <a:buFont typeface="+mj-lt"/>
+              <a:buAutoNum type="arabicPeriod"/>
+            </a:pPr>
+            <a:r>
+              <a:rPr lang="en-US" sz="2600" b="1" dirty="0">
+                <a:solidFill>
+                  <a:schemeClr val="accent2">
+                    <a:lumMod val="75000"/>
+                  </a:schemeClr>
+                </a:solidFill>
+                <a:cs typeface="Times New Roman" panose="02020603050405020304" pitchFamily="18" charset="0"/>
+              </a:rPr>
+              <a:t>Nearest Neighbor Methods (NN)</a:t>
+            </a:r>
+          </a:p>
+          <a:p>
+            <a:pPr marL="514350" indent="-514350">
+              <a:buFont typeface="+mj-lt"/>
+              <a:buAutoNum type="arabicPeriod"/>
+            </a:pPr>
+            <a:r>
+              <a:rPr lang="en-US" sz="2600" b="1" dirty="0">
+                <a:solidFill>
+                  <a:schemeClr val="accent2">
+                    <a:lumMod val="75000"/>
+                  </a:schemeClr>
+                </a:solidFill>
+                <a:cs typeface="Times New Roman" panose="02020603050405020304" pitchFamily="18" charset="0"/>
+              </a:rPr>
+              <a:t>Propensity Score Matching (PSM)</a:t>
+            </a:r>
+          </a:p>
+          <a:p>
+            <a:pPr marL="514350" indent="-514350">
+              <a:buFont typeface="+mj-lt"/>
+              <a:buAutoNum type="arabicPeriod"/>
+            </a:pPr>
+            <a:r>
+              <a:rPr lang="en-US" sz="2600" b="1" dirty="0">
+                <a:solidFill>
+                  <a:schemeClr val="accent2">
+                    <a:lumMod val="75000"/>
+                  </a:schemeClr>
+                </a:solidFill>
+                <a:cs typeface="Times New Roman" panose="02020603050405020304" pitchFamily="18" charset="0"/>
+              </a:rPr>
+              <a:t>Inverse Probability Weighting (IPW)</a:t>
+            </a:r>
+            <a:endParaRPr lang="en-US" sz="2600" dirty="0">
+              <a:solidFill>
+                <a:schemeClr val="accent2">
+                  <a:lumMod val="75000"/>
+                </a:schemeClr>
+              </a:solidFill>
+              <a:cs typeface="Times New Roman" panose="02020603050405020304" pitchFamily="18" charset="0"/>
+            </a:endParaRPr>
+          </a:p>
+          <a:p>
+            <a:pPr marL="274320" lvl="1" indent="0">
+              <a:buNone/>
+            </a:pPr>
+            <a:endParaRPr lang="en-US" sz="2400" dirty="0">
+              <a:cs typeface="Times New Roman" panose="02020603050405020304" pitchFamily="18" charset="0"/>
+            </a:endParaRPr>
+          </a:p>
+        </p:txBody>
+      </p:sp>
+    </p:spTree>
+    <p:extLst>
+      <p:ext uri="{BB962C8B-B14F-4D97-AF65-F5344CB8AC3E}">
+        <p14:creationId xmlns:p14="http://schemas.microsoft.com/office/powerpoint/2010/main" val="1977658110"/>
+      </p:ext>
+    </p:extLst>
+  </p:cSld>
+  <p:clrMapOvr>
+    <a:masterClrMapping/>
+  </p:clrMapOvr>
+</p:sld>
+</file>
+
+<file path=ppt/slides/slide39.xml><?xml version="1.0" encoding="utf-8"?>
+<p:sld xmlns:a="http://schemas.openxmlformats.org/drawingml/2006/main" xmlns:r="http://schemas.openxmlformats.org/officeDocument/2006/relationships" xmlns:p="http://schemas.openxmlformats.org/presentationml/2006/main">
+  <p:cSld>
+    <p:spTree>
+      <p:nvGrpSpPr>
+        <p:cNvPr id="1" name=""/>
+        <p:cNvGrpSpPr/>
+        <p:nvPr/>
+      </p:nvGrpSpPr>
+      <p:grpSpPr>
+        <a:xfrm>
+          <a:off x="0" y="0"/>
+          <a:ext cx="0" cy="0"/>
+          <a:chOff x="0" y="0"/>
+          <a:chExt cx="0" cy="0"/>
+        </a:xfrm>
+      </p:grpSpPr>
+      <p:sp>
+        <p:nvSpPr>
+          <p:cNvPr id="2" name="Title 1"/>
+          <p:cNvSpPr>
+            <a:spLocks noGrp="1"/>
+          </p:cNvSpPr>
+          <p:nvPr>
+            <p:ph type="title"/>
+          </p:nvPr>
+        </p:nvSpPr>
+        <p:spPr>
+          <a:xfrm>
+            <a:off x="609600" y="228600"/>
+            <a:ext cx="10439400" cy="624840"/>
+          </a:xfrm>
+        </p:spPr>
+        <p:txBody>
+          <a:bodyPr>
+            <a:noAutofit/>
+          </a:bodyPr>
+          <a:lstStyle/>
+          <a:p>
+            <a:r>
+              <a:rPr lang="en-US" sz="3600" dirty="0">
+                <a:cs typeface="Times New Roman" panose="02020603050405020304" pitchFamily="18" charset="0"/>
+              </a:rPr>
               <a:t>Approximate Matching: Nearest Neighbor</a:t>
             </a:r>
             <a:endParaRPr lang="en-US" sz="3600" dirty="0">
@@ -17466,7 +17865,373 @@
 </p:sld>
 </file>
 
-<file path=ppt/slides/slide39.xml><?xml version="1.0" encoding="utf-8"?>
+<file path=ppt/slides/slide4.xml><?xml version="1.0" encoding="utf-8"?>
+<p:sld xmlns:a="http://schemas.openxmlformats.org/drawingml/2006/main" xmlns:r="http://schemas.openxmlformats.org/officeDocument/2006/relationships" xmlns:p="http://schemas.openxmlformats.org/presentationml/2006/main">
+  <p:cSld>
+    <p:spTree>
+      <p:nvGrpSpPr>
+        <p:cNvPr id="1" name=""/>
+        <p:cNvGrpSpPr/>
+        <p:nvPr/>
+      </p:nvGrpSpPr>
+      <p:grpSpPr>
+        <a:xfrm>
+          <a:off x="0" y="0"/>
+          <a:ext cx="0" cy="0"/>
+          <a:chOff x="0" y="0"/>
+          <a:chExt cx="0" cy="0"/>
+        </a:xfrm>
+      </p:grpSpPr>
+      <p:sp>
+        <p:nvSpPr>
+          <p:cNvPr id="2" name="Title 1"/>
+          <p:cNvSpPr>
+            <a:spLocks noGrp="1"/>
+          </p:cNvSpPr>
+          <p:nvPr>
+            <p:ph type="title"/>
+          </p:nvPr>
+        </p:nvSpPr>
+        <p:spPr>
+          <a:xfrm>
+            <a:off x="609600" y="337392"/>
+            <a:ext cx="10439400" cy="624840"/>
+          </a:xfrm>
+        </p:spPr>
+        <p:txBody>
+          <a:bodyPr>
+            <a:noAutofit/>
+          </a:bodyPr>
+          <a:lstStyle/>
+          <a:p>
+            <a:r>
+              <a:rPr lang="en-US" sz="3600" dirty="0">
+                <a:cs typeface="Times New Roman" panose="02020603050405020304" pitchFamily="18" charset="0"/>
+              </a:rPr>
+              <a:t>Causal Inference: Satisfying the Backdoor Criterion</a:t>
+            </a:r>
+            <a:endParaRPr lang="en-US" sz="3600" dirty="0">
+              <a:latin typeface="Times New Roman" panose="02020603050405020304" pitchFamily="18" charset="0"/>
+              <a:cs typeface="Times New Roman" panose="02020603050405020304" pitchFamily="18" charset="0"/>
+            </a:endParaRPr>
+          </a:p>
+        </p:txBody>
+      </p:sp>
+      <mc:AlternateContent xmlns:mc="http://schemas.openxmlformats.org/markup-compatibility/2006" xmlns:a14="http://schemas.microsoft.com/office/drawing/2010/main">
+        <mc:Choice Requires="a14">
+          <p:sp>
+            <p:nvSpPr>
+              <p:cNvPr id="3" name="Content Placeholder 2"/>
+              <p:cNvSpPr>
+                <a:spLocks noGrp="1"/>
+              </p:cNvSpPr>
+              <p:nvPr>
+                <p:ph idx="1"/>
+              </p:nvPr>
+            </p:nvSpPr>
+            <p:spPr>
+              <a:xfrm>
+                <a:off x="1219199" y="1066801"/>
+                <a:ext cx="9829801" cy="5141388"/>
+              </a:xfrm>
+            </p:spPr>
+            <p:txBody>
+              <a:bodyPr>
+                <a:noAutofit/>
+              </a:bodyPr>
+              <a:lstStyle/>
+              <a:p>
+                <a:r>
+                  <a:rPr lang="en-US" sz="2400" dirty="0">
+                    <a:cs typeface="Times New Roman" panose="02020603050405020304" pitchFamily="18" charset="0"/>
+                  </a:rPr>
+                  <a:t>If we want the effect of </a:t>
+                </a:r>
+                <a14:m>
+                  <m:oMath xmlns:m="http://schemas.openxmlformats.org/officeDocument/2006/math">
+                    <m:r>
+                      <a:rPr lang="en-US" sz="2400" b="0" i="1" smtClean="0">
+                        <a:latin typeface="Cambria Math" panose="02040503050406030204" pitchFamily="18" charset="0"/>
+                        <a:cs typeface="Times New Roman" panose="02020603050405020304" pitchFamily="18" charset="0"/>
+                      </a:rPr>
+                      <m:t>𝑋</m:t>
+                    </m:r>
+                  </m:oMath>
+                </a14:m>
+                <a:r>
+                  <a:rPr lang="en-US" sz="2400" dirty="0">
+                    <a:cs typeface="Times New Roman" panose="02020603050405020304" pitchFamily="18" charset="0"/>
+                  </a:rPr>
+                  <a:t> on </a:t>
+                </a:r>
+                <a14:m>
+                  <m:oMath xmlns:m="http://schemas.openxmlformats.org/officeDocument/2006/math">
+                    <m:r>
+                      <a:rPr lang="en-US" sz="2400" b="0" i="1" smtClean="0">
+                        <a:latin typeface="Cambria Math" panose="02040503050406030204" pitchFamily="18" charset="0"/>
+                        <a:cs typeface="Times New Roman" panose="02020603050405020304" pitchFamily="18" charset="0"/>
+                      </a:rPr>
+                      <m:t>𝑌</m:t>
+                    </m:r>
+                  </m:oMath>
+                </a14:m>
+                <a:r>
+                  <a:rPr lang="en-US" sz="2400" dirty="0">
+                    <a:cs typeface="Times New Roman" panose="02020603050405020304" pitchFamily="18" charset="0"/>
+                  </a:rPr>
+                  <a:t>, we need to satisfy </a:t>
+                </a:r>
+                <a:r>
+                  <a:rPr lang="en-US" sz="2400" b="1" dirty="0">
+                    <a:solidFill>
+                      <a:schemeClr val="accent2">
+                        <a:lumMod val="75000"/>
+                      </a:schemeClr>
+                    </a:solidFill>
+                    <a:cs typeface="Times New Roman" panose="02020603050405020304" pitchFamily="18" charset="0"/>
+                  </a:rPr>
+                  <a:t>the backdoor criterion</a:t>
+                </a:r>
+              </a:p>
+              <a:p>
+                <a:endParaRPr lang="en-US" sz="2400" b="1" dirty="0">
+                  <a:cs typeface="Times New Roman" panose="02020603050405020304" pitchFamily="18" charset="0"/>
+                </a:endParaRPr>
+              </a:p>
+              <a:p>
+                <a:endParaRPr lang="en-US" sz="2400" b="1" dirty="0">
+                  <a:cs typeface="Times New Roman" panose="02020603050405020304" pitchFamily="18" charset="0"/>
+                </a:endParaRPr>
+              </a:p>
+              <a:p>
+                <a:endParaRPr lang="en-US" sz="2400" b="1" dirty="0">
+                  <a:cs typeface="Times New Roman" panose="02020603050405020304" pitchFamily="18" charset="0"/>
+                </a:endParaRPr>
+              </a:p>
+              <a:p>
+                <a:endParaRPr lang="en-US" sz="2400" b="1" dirty="0">
+                  <a:cs typeface="Times New Roman" panose="02020603050405020304" pitchFamily="18" charset="0"/>
+                </a:endParaRPr>
+              </a:p>
+              <a:p>
+                <a:endParaRPr lang="en-US" sz="2400" b="1" dirty="0">
+                  <a:cs typeface="Times New Roman" panose="02020603050405020304" pitchFamily="18" charset="0"/>
+                </a:endParaRPr>
+              </a:p>
+              <a:p>
+                <a:pPr marL="0" indent="0">
+                  <a:buNone/>
+                </a:pPr>
+                <a:endParaRPr lang="en-US" sz="2400" b="1" dirty="0">
+                  <a:cs typeface="Times New Roman" panose="02020603050405020304" pitchFamily="18" charset="0"/>
+                </a:endParaRPr>
+              </a:p>
+              <a:p>
+                <a:r>
+                  <a:rPr lang="en-US" sz="2400" dirty="0">
+                    <a:cs typeface="Times New Roman" panose="02020603050405020304" pitchFamily="18" charset="0"/>
+                  </a:rPr>
+                  <a:t>Regression takes one approach: </a:t>
+                </a:r>
+                <a:r>
+                  <a:rPr lang="en-US" sz="2400" b="1" dirty="0">
+                    <a:cs typeface="Times New Roman" panose="02020603050405020304" pitchFamily="18" charset="0"/>
+                  </a:rPr>
+                  <a:t>controlling for confounders</a:t>
+                </a:r>
+              </a:p>
+              <a:p>
+                <a:r>
+                  <a:rPr lang="en-US" sz="2400" dirty="0">
+                    <a:cs typeface="Times New Roman" panose="02020603050405020304" pitchFamily="18" charset="0"/>
+                  </a:rPr>
+                  <a:t>There are others! </a:t>
+                </a:r>
+              </a:p>
+              <a:p>
+                <a:r>
+                  <a:rPr lang="en-US" sz="2400" b="1" dirty="0">
+                    <a:solidFill>
+                      <a:schemeClr val="accent2">
+                        <a:lumMod val="75000"/>
+                      </a:schemeClr>
+                    </a:solidFill>
+                    <a:cs typeface="Times New Roman" panose="02020603050405020304" pitchFamily="18" charset="0"/>
+                  </a:rPr>
+                  <a:t>Key for today: </a:t>
+                </a:r>
+                <a:r>
+                  <a:rPr lang="en-US" sz="2400" dirty="0">
+                    <a:solidFill>
+                      <a:schemeClr val="accent2">
+                        <a:lumMod val="75000"/>
+                      </a:schemeClr>
+                    </a:solidFill>
+                    <a:cs typeface="Times New Roman" panose="02020603050405020304" pitchFamily="18" charset="0"/>
+                  </a:rPr>
+                  <a:t>if there isn’t variation in </a:t>
+                </a:r>
+                <a14:m>
+                  <m:oMath xmlns:m="http://schemas.openxmlformats.org/officeDocument/2006/math">
+                    <m:r>
+                      <a:rPr lang="en-US" sz="2400" b="0" i="1" smtClean="0">
+                        <a:solidFill>
+                          <a:schemeClr val="accent2">
+                            <a:lumMod val="75000"/>
+                          </a:schemeClr>
+                        </a:solidFill>
+                        <a:latin typeface="Cambria Math" panose="02040503050406030204" pitchFamily="18" charset="0"/>
+                        <a:cs typeface="Times New Roman" panose="02020603050405020304" pitchFamily="18" charset="0"/>
+                      </a:rPr>
+                      <m:t>𝑊</m:t>
+                    </m:r>
+                  </m:oMath>
+                </a14:m>
+                <a:r>
+                  <a:rPr lang="en-US" sz="2400" dirty="0">
+                    <a:solidFill>
+                      <a:schemeClr val="accent2">
+                        <a:lumMod val="75000"/>
+                      </a:schemeClr>
+                    </a:solidFill>
+                    <a:cs typeface="Times New Roman" panose="02020603050405020304" pitchFamily="18" charset="0"/>
+                  </a:rPr>
+                  <a:t>, then no backdoors through </a:t>
+                </a:r>
+                <a14:m>
+                  <m:oMath xmlns:m="http://schemas.openxmlformats.org/officeDocument/2006/math">
+                    <m:r>
+                      <a:rPr lang="en-US" sz="2400" b="0" i="1" smtClean="0">
+                        <a:solidFill>
+                          <a:schemeClr val="accent2">
+                            <a:lumMod val="75000"/>
+                          </a:schemeClr>
+                        </a:solidFill>
+                        <a:latin typeface="Cambria Math" panose="02040503050406030204" pitchFamily="18" charset="0"/>
+                        <a:cs typeface="Times New Roman" panose="02020603050405020304" pitchFamily="18" charset="0"/>
+                      </a:rPr>
+                      <m:t>𝑊</m:t>
+                    </m:r>
+                    <m:r>
+                      <a:rPr lang="en-US" sz="2400" b="0" i="1" smtClean="0">
+                        <a:solidFill>
+                          <a:schemeClr val="accent2">
+                            <a:lumMod val="75000"/>
+                          </a:schemeClr>
+                        </a:solidFill>
+                        <a:latin typeface="Cambria Math" panose="02040503050406030204" pitchFamily="18" charset="0"/>
+                        <a:cs typeface="Times New Roman" panose="02020603050405020304" pitchFamily="18" charset="0"/>
+                      </a:rPr>
+                      <m:t>!</m:t>
+                    </m:r>
+                  </m:oMath>
+                </a14:m>
+                <a:endParaRPr lang="en-US" sz="2400" dirty="0">
+                  <a:cs typeface="Times New Roman" panose="02020603050405020304" pitchFamily="18" charset="0"/>
+                </a:endParaRPr>
+              </a:p>
+            </p:txBody>
+          </p:sp>
+        </mc:Choice>
+        <mc:Fallback xmlns="">
+          <p:sp>
+            <p:nvSpPr>
+              <p:cNvPr id="3" name="Content Placeholder 2"/>
+              <p:cNvSpPr>
+                <a:spLocks noGrp="1" noRot="1" noChangeAspect="1" noMove="1" noResize="1" noEditPoints="1" noAdjustHandles="1" noChangeArrowheads="1" noChangeShapeType="1" noTextEdit="1"/>
+              </p:cNvSpPr>
+              <p:nvPr>
+                <p:ph idx="1"/>
+              </p:nvPr>
+            </p:nvSpPr>
+            <p:spPr>
+              <a:xfrm>
+                <a:off x="1219199" y="1066801"/>
+                <a:ext cx="9829801" cy="5141388"/>
+              </a:xfrm>
+              <a:blipFill>
+                <a:blip r:embed="rId3"/>
+                <a:stretch>
+                  <a:fillRect l="-434" t="-1305" b="-7711"/>
+                </a:stretch>
+              </a:blipFill>
+            </p:spPr>
+            <p:txBody>
+              <a:bodyPr/>
+              <a:lstStyle/>
+              <a:p>
+                <a:r>
+                  <a:rPr lang="en-US">
+                    <a:noFill/>
+                  </a:rPr>
+                  <a:t> </a:t>
+                </a:r>
+              </a:p>
+            </p:txBody>
+          </p:sp>
+        </mc:Fallback>
+      </mc:AlternateContent>
+      <p:pic>
+        <p:nvPicPr>
+          <p:cNvPr id="10242" name="Picture 2">
+            <a:extLst>
+              <a:ext uri="{FF2B5EF4-FFF2-40B4-BE49-F238E27FC236}">
+                <a16:creationId xmlns:a16="http://schemas.microsoft.com/office/drawing/2014/main" id="{A9721058-34E7-2CAC-064A-72A9E7CB99AE}"/>
+              </a:ext>
+            </a:extLst>
+          </p:cNvPr>
+          <p:cNvPicPr>
+            <a:picLocks noChangeAspect="1" noChangeArrowheads="1"/>
+          </p:cNvPicPr>
+          <p:nvPr/>
+        </p:nvPicPr>
+        <p:blipFill>
+          <a:blip r:embed="rId4">
+            <a:extLst>
+              <a:ext uri="{28A0092B-C50C-407E-A947-70E740481C1C}">
+                <a14:useLocalDpi xmlns:a14="http://schemas.microsoft.com/office/drawing/2010/main" val="0"/>
+              </a:ext>
+            </a:extLst>
+          </a:blip>
+          <a:srcRect/>
+          <a:stretch>
+            <a:fillRect/>
+          </a:stretch>
+        </p:blipFill>
+        <p:spPr bwMode="auto">
+          <a:xfrm>
+            <a:off x="2438400" y="1524000"/>
+            <a:ext cx="7315200" cy="3150870"/>
+          </a:xfrm>
+          <a:prstGeom prst="rect">
+            <a:avLst/>
+          </a:prstGeom>
+          <a:noFill/>
+          <a:extLst>
+            <a:ext uri="{909E8E84-426E-40DD-AFC4-6F175D3DCCD1}">
+              <a14:hiddenFill xmlns:a14="http://schemas.microsoft.com/office/drawing/2010/main">
+                <a:solidFill>
+                  <a:srgbClr val="FFFFFF"/>
+                </a:solidFill>
+              </a14:hiddenFill>
+            </a:ext>
+          </a:extLst>
+        </p:spPr>
+      </p:pic>
+    </p:spTree>
+    <p:extLst>
+      <p:ext uri="{BB962C8B-B14F-4D97-AF65-F5344CB8AC3E}">
+        <p14:creationId xmlns:p14="http://schemas.microsoft.com/office/powerpoint/2010/main" val="1993530195"/>
+      </p:ext>
+    </p:extLst>
+  </p:cSld>
+  <p:clrMapOvr>
+    <a:masterClrMapping/>
+  </p:clrMapOvr>
+</p:sld>
+</file>
+
+<file path=ppt/slides/slide40.xml><?xml version="1.0" encoding="utf-8"?>
 <p:sld xmlns:a="http://schemas.openxmlformats.org/drawingml/2006/main" xmlns:r="http://schemas.openxmlformats.org/officeDocument/2006/relationships" xmlns:p="http://schemas.openxmlformats.org/presentationml/2006/main">
   <p:cSld>
     <p:spTree>
@@ -18117,373 +18882,7 @@
 </p:sld>
 </file>
 
-<file path=ppt/slides/slide4.xml><?xml version="1.0" encoding="utf-8"?>
-<p:sld xmlns:a="http://schemas.openxmlformats.org/drawingml/2006/main" xmlns:r="http://schemas.openxmlformats.org/officeDocument/2006/relationships" xmlns:p="http://schemas.openxmlformats.org/presentationml/2006/main">
-  <p:cSld>
-    <p:spTree>
-      <p:nvGrpSpPr>
-        <p:cNvPr id="1" name=""/>
-        <p:cNvGrpSpPr/>
-        <p:nvPr/>
-      </p:nvGrpSpPr>
-      <p:grpSpPr>
-        <a:xfrm>
-          <a:off x="0" y="0"/>
-          <a:ext cx="0" cy="0"/>
-          <a:chOff x="0" y="0"/>
-          <a:chExt cx="0" cy="0"/>
-        </a:xfrm>
-      </p:grpSpPr>
-      <p:sp>
-        <p:nvSpPr>
-          <p:cNvPr id="2" name="Title 1"/>
-          <p:cNvSpPr>
-            <a:spLocks noGrp="1"/>
-          </p:cNvSpPr>
-          <p:nvPr>
-            <p:ph type="title"/>
-          </p:nvPr>
-        </p:nvSpPr>
-        <p:spPr>
-          <a:xfrm>
-            <a:off x="609600" y="337392"/>
-            <a:ext cx="10439400" cy="624840"/>
-          </a:xfrm>
-        </p:spPr>
-        <p:txBody>
-          <a:bodyPr>
-            <a:noAutofit/>
-          </a:bodyPr>
-          <a:lstStyle/>
-          <a:p>
-            <a:r>
-              <a:rPr lang="en-US" sz="3600" dirty="0">
-                <a:cs typeface="Times New Roman" panose="02020603050405020304" pitchFamily="18" charset="0"/>
-              </a:rPr>
-              <a:t>Causal Inference: Satisfying the Backdoor Criterion</a:t>
-            </a:r>
-            <a:endParaRPr lang="en-US" sz="3600" dirty="0">
-              <a:latin typeface="Times New Roman" panose="02020603050405020304" pitchFamily="18" charset="0"/>
-              <a:cs typeface="Times New Roman" panose="02020603050405020304" pitchFamily="18" charset="0"/>
-            </a:endParaRPr>
-          </a:p>
-        </p:txBody>
-      </p:sp>
-      <mc:AlternateContent xmlns:mc="http://schemas.openxmlformats.org/markup-compatibility/2006" xmlns:a14="http://schemas.microsoft.com/office/drawing/2010/main">
-        <mc:Choice Requires="a14">
-          <p:sp>
-            <p:nvSpPr>
-              <p:cNvPr id="3" name="Content Placeholder 2"/>
-              <p:cNvSpPr>
-                <a:spLocks noGrp="1"/>
-              </p:cNvSpPr>
-              <p:nvPr>
-                <p:ph idx="1"/>
-              </p:nvPr>
-            </p:nvSpPr>
-            <p:spPr>
-              <a:xfrm>
-                <a:off x="1219199" y="1066801"/>
-                <a:ext cx="9829801" cy="5141388"/>
-              </a:xfrm>
-            </p:spPr>
-            <p:txBody>
-              <a:bodyPr>
-                <a:noAutofit/>
-              </a:bodyPr>
-              <a:lstStyle/>
-              <a:p>
-                <a:r>
-                  <a:rPr lang="en-US" sz="2400" dirty="0">
-                    <a:cs typeface="Times New Roman" panose="02020603050405020304" pitchFamily="18" charset="0"/>
-                  </a:rPr>
-                  <a:t>If we want the effect of </a:t>
-                </a:r>
-                <a14:m>
-                  <m:oMath xmlns:m="http://schemas.openxmlformats.org/officeDocument/2006/math">
-                    <m:r>
-                      <a:rPr lang="en-US" sz="2400" b="0" i="1" smtClean="0">
-                        <a:latin typeface="Cambria Math" panose="02040503050406030204" pitchFamily="18" charset="0"/>
-                        <a:cs typeface="Times New Roman" panose="02020603050405020304" pitchFamily="18" charset="0"/>
-                      </a:rPr>
-                      <m:t>𝑋</m:t>
-                    </m:r>
-                  </m:oMath>
-                </a14:m>
-                <a:r>
-                  <a:rPr lang="en-US" sz="2400" dirty="0">
-                    <a:cs typeface="Times New Roman" panose="02020603050405020304" pitchFamily="18" charset="0"/>
-                  </a:rPr>
-                  <a:t> on </a:t>
-                </a:r>
-                <a14:m>
-                  <m:oMath xmlns:m="http://schemas.openxmlformats.org/officeDocument/2006/math">
-                    <m:r>
-                      <a:rPr lang="en-US" sz="2400" b="0" i="1" smtClean="0">
-                        <a:latin typeface="Cambria Math" panose="02040503050406030204" pitchFamily="18" charset="0"/>
-                        <a:cs typeface="Times New Roman" panose="02020603050405020304" pitchFamily="18" charset="0"/>
-                      </a:rPr>
-                      <m:t>𝑌</m:t>
-                    </m:r>
-                  </m:oMath>
-                </a14:m>
-                <a:r>
-                  <a:rPr lang="en-US" sz="2400" dirty="0">
-                    <a:cs typeface="Times New Roman" panose="02020603050405020304" pitchFamily="18" charset="0"/>
-                  </a:rPr>
-                  <a:t>, we need to satisfy </a:t>
-                </a:r>
-                <a:r>
-                  <a:rPr lang="en-US" sz="2400" b="1" dirty="0">
-                    <a:solidFill>
-                      <a:schemeClr val="accent2">
-                        <a:lumMod val="75000"/>
-                      </a:schemeClr>
-                    </a:solidFill>
-                    <a:cs typeface="Times New Roman" panose="02020603050405020304" pitchFamily="18" charset="0"/>
-                  </a:rPr>
-                  <a:t>the backdoor criterion</a:t>
-                </a:r>
-              </a:p>
-              <a:p>
-                <a:endParaRPr lang="en-US" sz="2400" b="1" dirty="0">
-                  <a:cs typeface="Times New Roman" panose="02020603050405020304" pitchFamily="18" charset="0"/>
-                </a:endParaRPr>
-              </a:p>
-              <a:p>
-                <a:endParaRPr lang="en-US" sz="2400" b="1" dirty="0">
-                  <a:cs typeface="Times New Roman" panose="02020603050405020304" pitchFamily="18" charset="0"/>
-                </a:endParaRPr>
-              </a:p>
-              <a:p>
-                <a:endParaRPr lang="en-US" sz="2400" b="1" dirty="0">
-                  <a:cs typeface="Times New Roman" panose="02020603050405020304" pitchFamily="18" charset="0"/>
-                </a:endParaRPr>
-              </a:p>
-              <a:p>
-                <a:endParaRPr lang="en-US" sz="2400" b="1" dirty="0">
-                  <a:cs typeface="Times New Roman" panose="02020603050405020304" pitchFamily="18" charset="0"/>
-                </a:endParaRPr>
-              </a:p>
-              <a:p>
-                <a:endParaRPr lang="en-US" sz="2400" b="1" dirty="0">
-                  <a:cs typeface="Times New Roman" panose="02020603050405020304" pitchFamily="18" charset="0"/>
-                </a:endParaRPr>
-              </a:p>
-              <a:p>
-                <a:pPr marL="0" indent="0">
-                  <a:buNone/>
-                </a:pPr>
-                <a:endParaRPr lang="en-US" sz="2400" b="1" dirty="0">
-                  <a:cs typeface="Times New Roman" panose="02020603050405020304" pitchFamily="18" charset="0"/>
-                </a:endParaRPr>
-              </a:p>
-              <a:p>
-                <a:r>
-                  <a:rPr lang="en-US" sz="2400" dirty="0">
-                    <a:cs typeface="Times New Roman" panose="02020603050405020304" pitchFamily="18" charset="0"/>
-                  </a:rPr>
-                  <a:t>Regression takes one approach: </a:t>
-                </a:r>
-                <a:r>
-                  <a:rPr lang="en-US" sz="2400" b="1" dirty="0">
-                    <a:cs typeface="Times New Roman" panose="02020603050405020304" pitchFamily="18" charset="0"/>
-                  </a:rPr>
-                  <a:t>controlling for confounders</a:t>
-                </a:r>
-              </a:p>
-              <a:p>
-                <a:r>
-                  <a:rPr lang="en-US" sz="2400" dirty="0">
-                    <a:cs typeface="Times New Roman" panose="02020603050405020304" pitchFamily="18" charset="0"/>
-                  </a:rPr>
-                  <a:t>There are others! </a:t>
-                </a:r>
-              </a:p>
-              <a:p>
-                <a:r>
-                  <a:rPr lang="en-US" sz="2400" b="1" dirty="0">
-                    <a:solidFill>
-                      <a:schemeClr val="accent2">
-                        <a:lumMod val="75000"/>
-                      </a:schemeClr>
-                    </a:solidFill>
-                    <a:cs typeface="Times New Roman" panose="02020603050405020304" pitchFamily="18" charset="0"/>
-                  </a:rPr>
-                  <a:t>Key for today: </a:t>
-                </a:r>
-                <a:r>
-                  <a:rPr lang="en-US" sz="2400" dirty="0">
-                    <a:solidFill>
-                      <a:schemeClr val="accent2">
-                        <a:lumMod val="75000"/>
-                      </a:schemeClr>
-                    </a:solidFill>
-                    <a:cs typeface="Times New Roman" panose="02020603050405020304" pitchFamily="18" charset="0"/>
-                  </a:rPr>
-                  <a:t>if there isn’t variation in </a:t>
-                </a:r>
-                <a14:m>
-                  <m:oMath xmlns:m="http://schemas.openxmlformats.org/officeDocument/2006/math">
-                    <m:r>
-                      <a:rPr lang="en-US" sz="2400" b="0" i="1" smtClean="0">
-                        <a:solidFill>
-                          <a:schemeClr val="accent2">
-                            <a:lumMod val="75000"/>
-                          </a:schemeClr>
-                        </a:solidFill>
-                        <a:latin typeface="Cambria Math" panose="02040503050406030204" pitchFamily="18" charset="0"/>
-                        <a:cs typeface="Times New Roman" panose="02020603050405020304" pitchFamily="18" charset="0"/>
-                      </a:rPr>
-                      <m:t>𝑊</m:t>
-                    </m:r>
-                  </m:oMath>
-                </a14:m>
-                <a:r>
-                  <a:rPr lang="en-US" sz="2400" dirty="0">
-                    <a:solidFill>
-                      <a:schemeClr val="accent2">
-                        <a:lumMod val="75000"/>
-                      </a:schemeClr>
-                    </a:solidFill>
-                    <a:cs typeface="Times New Roman" panose="02020603050405020304" pitchFamily="18" charset="0"/>
-                  </a:rPr>
-                  <a:t>, then no backdoors through </a:t>
-                </a:r>
-                <a14:m>
-                  <m:oMath xmlns:m="http://schemas.openxmlformats.org/officeDocument/2006/math">
-                    <m:r>
-                      <a:rPr lang="en-US" sz="2400" b="0" i="1" smtClean="0">
-                        <a:solidFill>
-                          <a:schemeClr val="accent2">
-                            <a:lumMod val="75000"/>
-                          </a:schemeClr>
-                        </a:solidFill>
-                        <a:latin typeface="Cambria Math" panose="02040503050406030204" pitchFamily="18" charset="0"/>
-                        <a:cs typeface="Times New Roman" panose="02020603050405020304" pitchFamily="18" charset="0"/>
-                      </a:rPr>
-                      <m:t>𝑊</m:t>
-                    </m:r>
-                    <m:r>
-                      <a:rPr lang="en-US" sz="2400" b="0" i="1" smtClean="0">
-                        <a:solidFill>
-                          <a:schemeClr val="accent2">
-                            <a:lumMod val="75000"/>
-                          </a:schemeClr>
-                        </a:solidFill>
-                        <a:latin typeface="Cambria Math" panose="02040503050406030204" pitchFamily="18" charset="0"/>
-                        <a:cs typeface="Times New Roman" panose="02020603050405020304" pitchFamily="18" charset="0"/>
-                      </a:rPr>
-                      <m:t>!</m:t>
-                    </m:r>
-                  </m:oMath>
-                </a14:m>
-                <a:endParaRPr lang="en-US" sz="2400" dirty="0">
-                  <a:cs typeface="Times New Roman" panose="02020603050405020304" pitchFamily="18" charset="0"/>
-                </a:endParaRPr>
-              </a:p>
-            </p:txBody>
-          </p:sp>
-        </mc:Choice>
-        <mc:Fallback xmlns="">
-          <p:sp>
-            <p:nvSpPr>
-              <p:cNvPr id="3" name="Content Placeholder 2"/>
-              <p:cNvSpPr>
-                <a:spLocks noGrp="1" noRot="1" noChangeAspect="1" noMove="1" noResize="1" noEditPoints="1" noAdjustHandles="1" noChangeArrowheads="1" noChangeShapeType="1" noTextEdit="1"/>
-              </p:cNvSpPr>
-              <p:nvPr>
-                <p:ph idx="1"/>
-              </p:nvPr>
-            </p:nvSpPr>
-            <p:spPr>
-              <a:xfrm>
-                <a:off x="1219199" y="1066801"/>
-                <a:ext cx="9829801" cy="5141388"/>
-              </a:xfrm>
-              <a:blipFill>
-                <a:blip r:embed="rId3"/>
-                <a:stretch>
-                  <a:fillRect l="-434" t="-1305" b="-7711"/>
-                </a:stretch>
-              </a:blipFill>
-            </p:spPr>
-            <p:txBody>
-              <a:bodyPr/>
-              <a:lstStyle/>
-              <a:p>
-                <a:r>
-                  <a:rPr lang="en-US">
-                    <a:noFill/>
-                  </a:rPr>
-                  <a:t> </a:t>
-                </a:r>
-              </a:p>
-            </p:txBody>
-          </p:sp>
-        </mc:Fallback>
-      </mc:AlternateContent>
-      <p:pic>
-        <p:nvPicPr>
-          <p:cNvPr id="10242" name="Picture 2">
-            <a:extLst>
-              <a:ext uri="{FF2B5EF4-FFF2-40B4-BE49-F238E27FC236}">
-                <a16:creationId xmlns:a16="http://schemas.microsoft.com/office/drawing/2014/main" id="{A9721058-34E7-2CAC-064A-72A9E7CB99AE}"/>
-              </a:ext>
-            </a:extLst>
-          </p:cNvPr>
-          <p:cNvPicPr>
-            <a:picLocks noChangeAspect="1" noChangeArrowheads="1"/>
-          </p:cNvPicPr>
-          <p:nvPr/>
-        </p:nvPicPr>
-        <p:blipFill>
-          <a:blip r:embed="rId4">
-            <a:extLst>
-              <a:ext uri="{28A0092B-C50C-407E-A947-70E740481C1C}">
-                <a14:useLocalDpi xmlns:a14="http://schemas.microsoft.com/office/drawing/2010/main" val="0"/>
-              </a:ext>
-            </a:extLst>
-          </a:blip>
-          <a:srcRect/>
-          <a:stretch>
-            <a:fillRect/>
-          </a:stretch>
-        </p:blipFill>
-        <p:spPr bwMode="auto">
-          <a:xfrm>
-            <a:off x="2438400" y="1524000"/>
-            <a:ext cx="7315200" cy="3150870"/>
-          </a:xfrm>
-          <a:prstGeom prst="rect">
-            <a:avLst/>
-          </a:prstGeom>
-          <a:noFill/>
-          <a:extLst>
-            <a:ext uri="{909E8E84-426E-40DD-AFC4-6F175D3DCCD1}">
-              <a14:hiddenFill xmlns:a14="http://schemas.microsoft.com/office/drawing/2010/main">
-                <a:solidFill>
-                  <a:srgbClr val="FFFFFF"/>
-                </a:solidFill>
-              </a14:hiddenFill>
-            </a:ext>
-          </a:extLst>
-        </p:spPr>
-      </p:pic>
-    </p:spTree>
-    <p:extLst>
-      <p:ext uri="{BB962C8B-B14F-4D97-AF65-F5344CB8AC3E}">
-        <p14:creationId xmlns:p14="http://schemas.microsoft.com/office/powerpoint/2010/main" val="1993530195"/>
-      </p:ext>
-    </p:extLst>
-  </p:cSld>
-  <p:clrMapOvr>
-    <a:masterClrMapping/>
-  </p:clrMapOvr>
-</p:sld>
-</file>
-
-<file path=ppt/slides/slide40.xml><?xml version="1.0" encoding="utf-8"?>
+<file path=ppt/slides/slide41.xml><?xml version="1.0" encoding="utf-8"?>
 <p:sld xmlns:a="http://schemas.openxmlformats.org/drawingml/2006/main" xmlns:r="http://schemas.openxmlformats.org/officeDocument/2006/relationships" xmlns:p="http://schemas.openxmlformats.org/presentationml/2006/main">
   <p:cSld>
     <p:spTree>
@@ -19174,7 +19573,7 @@
 </p:sld>
 </file>
 
-<file path=ppt/slides/slide41.xml><?xml version="1.0" encoding="utf-8"?>
+<file path=ppt/slides/slide42.xml><?xml version="1.0" encoding="utf-8"?>
 <p:sld xmlns:a="http://schemas.openxmlformats.org/drawingml/2006/main" xmlns:r="http://schemas.openxmlformats.org/officeDocument/2006/relationships" xmlns:p="http://schemas.openxmlformats.org/presentationml/2006/main">
   <p:cSld>
     <p:spTree>
@@ -19300,7 +19699,7 @@
 </p:sld>
 </file>
 
-<file path=ppt/slides/slide42.xml><?xml version="1.0" encoding="utf-8"?>
+<file path=ppt/slides/slide43.xml><?xml version="1.0" encoding="utf-8"?>
 <p:sld xmlns:a="http://schemas.openxmlformats.org/drawingml/2006/main" xmlns:r="http://schemas.openxmlformats.org/officeDocument/2006/relationships" xmlns:p="http://schemas.openxmlformats.org/presentationml/2006/main">
   <p:cSld>
     <p:spTree>
@@ -19480,7 +19879,7 @@
 </p:sld>
 </file>
 
-<file path=ppt/slides/slide43.xml><?xml version="1.0" encoding="utf-8"?>
+<file path=ppt/slides/slide44.xml><?xml version="1.0" encoding="utf-8"?>
 <p:sld xmlns:a="http://schemas.openxmlformats.org/drawingml/2006/main" xmlns:r="http://schemas.openxmlformats.org/officeDocument/2006/relationships" xmlns:p="http://schemas.openxmlformats.org/presentationml/2006/main">
   <p:cSld>
     <p:spTree>
@@ -19712,7 +20111,7 @@
 </p:sld>
 </file>
 
-<file path=ppt/slides/slide44.xml><?xml version="1.0" encoding="utf-8"?>
+<file path=ppt/slides/slide45.xml><?xml version="1.0" encoding="utf-8"?>
 <p:sld xmlns:a="http://schemas.openxmlformats.org/drawingml/2006/main" xmlns:r="http://schemas.openxmlformats.org/officeDocument/2006/relationships" xmlns:p="http://schemas.openxmlformats.org/presentationml/2006/main">
   <p:cSld>
     <p:spTree>
@@ -19944,7 +20343,7 @@
 </p:sld>
 </file>
 
-<file path=ppt/slides/slide45.xml><?xml version="1.0" encoding="utf-8"?>
+<file path=ppt/slides/slide46.xml><?xml version="1.0" encoding="utf-8"?>
 <p:sld xmlns:a="http://schemas.openxmlformats.org/drawingml/2006/main" xmlns:r="http://schemas.openxmlformats.org/officeDocument/2006/relationships" xmlns:p="http://schemas.openxmlformats.org/presentationml/2006/main">
   <p:cSld>
     <p:spTree>
@@ -20265,7 +20664,7 @@
 </p:sld>
 </file>
 
-<file path=ppt/slides/slide46.xml><?xml version="1.0" encoding="utf-8"?>
+<file path=ppt/slides/slide47.xml><?xml version="1.0" encoding="utf-8"?>
 <p:sld xmlns:a="http://schemas.openxmlformats.org/drawingml/2006/main" xmlns:r="http://schemas.openxmlformats.org/officeDocument/2006/relationships" xmlns:p="http://schemas.openxmlformats.org/presentationml/2006/main">
   <p:cSld>
     <p:spTree>
@@ -20606,7 +21005,7 @@
 </p:sld>
 </file>
 
-<file path=ppt/slides/slide47.xml><?xml version="1.0" encoding="utf-8"?>
+<file path=ppt/slides/slide48.xml><?xml version="1.0" encoding="utf-8"?>
 <p:sld xmlns:a="http://schemas.openxmlformats.org/drawingml/2006/main" xmlns:r="http://schemas.openxmlformats.org/officeDocument/2006/relationships" xmlns:p="http://schemas.openxmlformats.org/presentationml/2006/main">
   <p:cSld>
     <p:spTree>
@@ -20977,7 +21376,7 @@
 </p:sld>
 </file>
 
-<file path=ppt/slides/slide48.xml><?xml version="1.0" encoding="utf-8"?>
+<file path=ppt/slides/slide49.xml><?xml version="1.0" encoding="utf-8"?>
 <p:sld xmlns:a="http://schemas.openxmlformats.org/drawingml/2006/main" xmlns:r="http://schemas.openxmlformats.org/officeDocument/2006/relationships" xmlns:p="http://schemas.openxmlformats.org/presentationml/2006/main">
   <p:cSld>
     <p:spTree>
@@ -21475,7 +21874,334 @@
 </p:sld>
 </file>
 
-<file path=ppt/slides/slide49.xml><?xml version="1.0" encoding="utf-8"?>
+<file path=ppt/slides/slide5.xml><?xml version="1.0" encoding="utf-8"?>
+<p:sld xmlns:a="http://schemas.openxmlformats.org/drawingml/2006/main" xmlns:r="http://schemas.openxmlformats.org/officeDocument/2006/relationships" xmlns:p="http://schemas.openxmlformats.org/presentationml/2006/main">
+  <p:cSld>
+    <p:spTree>
+      <p:nvGrpSpPr>
+        <p:cNvPr id="1" name=""/>
+        <p:cNvGrpSpPr/>
+        <p:nvPr/>
+      </p:nvGrpSpPr>
+      <p:grpSpPr>
+        <a:xfrm>
+          <a:off x="0" y="0"/>
+          <a:ext cx="0" cy="0"/>
+          <a:chOff x="0" y="0"/>
+          <a:chExt cx="0" cy="0"/>
+        </a:xfrm>
+      </p:grpSpPr>
+      <p:sp>
+        <p:nvSpPr>
+          <p:cNvPr id="2" name="Title 1"/>
+          <p:cNvSpPr>
+            <a:spLocks noGrp="1"/>
+          </p:cNvSpPr>
+          <p:nvPr>
+            <p:ph type="title"/>
+          </p:nvPr>
+        </p:nvSpPr>
+        <p:spPr>
+          <a:xfrm>
+            <a:off x="609600" y="337392"/>
+            <a:ext cx="10439400" cy="624840"/>
+          </a:xfrm>
+        </p:spPr>
+        <p:txBody>
+          <a:bodyPr>
+            <a:noAutofit/>
+          </a:bodyPr>
+          <a:lstStyle/>
+          <a:p>
+            <a:r>
+              <a:rPr lang="en-US" sz="3600" dirty="0">
+                <a:cs typeface="Times New Roman" panose="02020603050405020304" pitchFamily="18" charset="0"/>
+              </a:rPr>
+              <a:t>Causal Inference: Satisfying the Backdoor Criterion</a:t>
+            </a:r>
+            <a:endParaRPr lang="en-US" sz="3600" dirty="0">
+              <a:latin typeface="Times New Roman" panose="02020603050405020304" pitchFamily="18" charset="0"/>
+              <a:cs typeface="Times New Roman" panose="02020603050405020304" pitchFamily="18" charset="0"/>
+            </a:endParaRPr>
+          </a:p>
+        </p:txBody>
+      </p:sp>
+      <mc:AlternateContent xmlns:mc="http://schemas.openxmlformats.org/markup-compatibility/2006" xmlns:a14="http://schemas.microsoft.com/office/drawing/2010/main">
+        <mc:Choice Requires="a14">
+          <p:sp>
+            <p:nvSpPr>
+              <p:cNvPr id="3" name="Content Placeholder 2"/>
+              <p:cNvSpPr>
+                <a:spLocks noGrp="1"/>
+              </p:cNvSpPr>
+              <p:nvPr>
+                <p:ph idx="1"/>
+              </p:nvPr>
+            </p:nvSpPr>
+            <p:spPr>
+              <a:xfrm>
+                <a:off x="1219199" y="1066801"/>
+                <a:ext cx="9829801" cy="5141388"/>
+              </a:xfrm>
+            </p:spPr>
+            <p:txBody>
+              <a:bodyPr>
+                <a:noAutofit/>
+              </a:bodyPr>
+              <a:lstStyle/>
+              <a:p>
+                <a:r>
+                  <a:rPr lang="en-US" sz="2400" dirty="0">
+                    <a:cs typeface="Times New Roman" panose="02020603050405020304" pitchFamily="18" charset="0"/>
+                  </a:rPr>
+                  <a:t>If we want the effect of </a:t>
+                </a:r>
+                <a14:m>
+                  <m:oMath xmlns:m="http://schemas.openxmlformats.org/officeDocument/2006/math">
+                    <m:r>
+                      <a:rPr lang="en-US" sz="2400" b="0" i="1" smtClean="0">
+                        <a:latin typeface="Cambria Math" panose="02040503050406030204" pitchFamily="18" charset="0"/>
+                        <a:cs typeface="Times New Roman" panose="02020603050405020304" pitchFamily="18" charset="0"/>
+                      </a:rPr>
+                      <m:t>𝑋</m:t>
+                    </m:r>
+                  </m:oMath>
+                </a14:m>
+                <a:r>
+                  <a:rPr lang="en-US" sz="2400" dirty="0">
+                    <a:cs typeface="Times New Roman" panose="02020603050405020304" pitchFamily="18" charset="0"/>
+                  </a:rPr>
+                  <a:t> on </a:t>
+                </a:r>
+                <a14:m>
+                  <m:oMath xmlns:m="http://schemas.openxmlformats.org/officeDocument/2006/math">
+                    <m:r>
+                      <a:rPr lang="en-US" sz="2400" b="0" i="1" smtClean="0">
+                        <a:latin typeface="Cambria Math" panose="02040503050406030204" pitchFamily="18" charset="0"/>
+                        <a:cs typeface="Times New Roman" panose="02020603050405020304" pitchFamily="18" charset="0"/>
+                      </a:rPr>
+                      <m:t>𝑌</m:t>
+                    </m:r>
+                  </m:oMath>
+                </a14:m>
+                <a:r>
+                  <a:rPr lang="en-US" sz="2400" dirty="0">
+                    <a:cs typeface="Times New Roman" panose="02020603050405020304" pitchFamily="18" charset="0"/>
+                  </a:rPr>
+                  <a:t>, we need to satisfy </a:t>
+                </a:r>
+                <a:r>
+                  <a:rPr lang="en-US" sz="2400" b="1" dirty="0">
+                    <a:solidFill>
+                      <a:schemeClr val="accent2">
+                        <a:lumMod val="75000"/>
+                      </a:schemeClr>
+                    </a:solidFill>
+                    <a:cs typeface="Times New Roman" panose="02020603050405020304" pitchFamily="18" charset="0"/>
+                  </a:rPr>
+                  <a:t>the backdoor criterion</a:t>
+                </a:r>
+              </a:p>
+              <a:p>
+                <a:endParaRPr lang="en-US" sz="2400" b="1" dirty="0">
+                  <a:cs typeface="Times New Roman" panose="02020603050405020304" pitchFamily="18" charset="0"/>
+                </a:endParaRPr>
+              </a:p>
+              <a:p>
+                <a:endParaRPr lang="en-US" sz="2400" b="1" dirty="0">
+                  <a:cs typeface="Times New Roman" panose="02020603050405020304" pitchFamily="18" charset="0"/>
+                </a:endParaRPr>
+              </a:p>
+              <a:p>
+                <a:endParaRPr lang="en-US" sz="2400" b="1" dirty="0">
+                  <a:cs typeface="Times New Roman" panose="02020603050405020304" pitchFamily="18" charset="0"/>
+                </a:endParaRPr>
+              </a:p>
+              <a:p>
+                <a:endParaRPr lang="en-US" sz="2400" b="1" dirty="0">
+                  <a:cs typeface="Times New Roman" panose="02020603050405020304" pitchFamily="18" charset="0"/>
+                </a:endParaRPr>
+              </a:p>
+              <a:p>
+                <a:endParaRPr lang="en-US" sz="2400" b="1" dirty="0">
+                  <a:cs typeface="Times New Roman" panose="02020603050405020304" pitchFamily="18" charset="0"/>
+                </a:endParaRPr>
+              </a:p>
+              <a:p>
+                <a:pPr marL="0" indent="0">
+                  <a:buNone/>
+                </a:pPr>
+                <a:endParaRPr lang="en-US" sz="2400" b="1" dirty="0">
+                  <a:cs typeface="Times New Roman" panose="02020603050405020304" pitchFamily="18" charset="0"/>
+                </a:endParaRPr>
+              </a:p>
+              <a:p>
+                <a:r>
+                  <a:rPr lang="en-US" sz="2400" b="1" dirty="0">
+                    <a:solidFill>
+                      <a:schemeClr val="accent2">
+                        <a:lumMod val="75000"/>
+                      </a:schemeClr>
+                    </a:solidFill>
+                    <a:cs typeface="Times New Roman" panose="02020603050405020304" pitchFamily="18" charset="0"/>
+                  </a:rPr>
+                  <a:t>Key for today: </a:t>
+                </a:r>
+                <a:r>
+                  <a:rPr lang="en-US" sz="2400" dirty="0">
+                    <a:solidFill>
+                      <a:schemeClr val="accent2">
+                        <a:lumMod val="75000"/>
+                      </a:schemeClr>
+                    </a:solidFill>
+                    <a:cs typeface="Times New Roman" panose="02020603050405020304" pitchFamily="18" charset="0"/>
+                  </a:rPr>
+                  <a:t>if there isn’t variation in </a:t>
+                </a:r>
+                <a14:m>
+                  <m:oMath xmlns:m="http://schemas.openxmlformats.org/officeDocument/2006/math">
+                    <m:r>
+                      <a:rPr lang="en-US" sz="2400" b="0" i="1" smtClean="0">
+                        <a:solidFill>
+                          <a:schemeClr val="accent2">
+                            <a:lumMod val="75000"/>
+                          </a:schemeClr>
+                        </a:solidFill>
+                        <a:latin typeface="Cambria Math" panose="02040503050406030204" pitchFamily="18" charset="0"/>
+                        <a:cs typeface="Times New Roman" panose="02020603050405020304" pitchFamily="18" charset="0"/>
+                      </a:rPr>
+                      <m:t>𝑊</m:t>
+                    </m:r>
+                  </m:oMath>
+                </a14:m>
+                <a:r>
+                  <a:rPr lang="en-US" sz="2400" dirty="0">
+                    <a:solidFill>
+                      <a:schemeClr val="accent2">
+                        <a:lumMod val="75000"/>
+                      </a:schemeClr>
+                    </a:solidFill>
+                    <a:cs typeface="Times New Roman" panose="02020603050405020304" pitchFamily="18" charset="0"/>
+                  </a:rPr>
+                  <a:t>, then no backdoors through </a:t>
+                </a:r>
+                <a14:m>
+                  <m:oMath xmlns:m="http://schemas.openxmlformats.org/officeDocument/2006/math">
+                    <m:r>
+                      <a:rPr lang="en-US" sz="2400" b="0" i="1" smtClean="0">
+                        <a:solidFill>
+                          <a:schemeClr val="accent2">
+                            <a:lumMod val="75000"/>
+                          </a:schemeClr>
+                        </a:solidFill>
+                        <a:latin typeface="Cambria Math" panose="02040503050406030204" pitchFamily="18" charset="0"/>
+                        <a:cs typeface="Times New Roman" panose="02020603050405020304" pitchFamily="18" charset="0"/>
+                      </a:rPr>
+                      <m:t>𝑊</m:t>
+                    </m:r>
+                    <m:r>
+                      <a:rPr lang="en-US" sz="2400" b="0" i="1" smtClean="0">
+                        <a:solidFill>
+                          <a:schemeClr val="accent2">
+                            <a:lumMod val="75000"/>
+                          </a:schemeClr>
+                        </a:solidFill>
+                        <a:latin typeface="Cambria Math" panose="02040503050406030204" pitchFamily="18" charset="0"/>
+                        <a:cs typeface="Times New Roman" panose="02020603050405020304" pitchFamily="18" charset="0"/>
+                      </a:rPr>
+                      <m:t>!</m:t>
+                    </m:r>
+                  </m:oMath>
+                </a14:m>
+                <a:endParaRPr lang="en-US" sz="2400" dirty="0">
+                  <a:cs typeface="Times New Roman" panose="02020603050405020304" pitchFamily="18" charset="0"/>
+                </a:endParaRPr>
+              </a:p>
+            </p:txBody>
+          </p:sp>
+        </mc:Choice>
+        <mc:Fallback xmlns="">
+          <p:sp>
+            <p:nvSpPr>
+              <p:cNvPr id="3" name="Content Placeholder 2"/>
+              <p:cNvSpPr>
+                <a:spLocks noGrp="1" noRot="1" noChangeAspect="1" noMove="1" noResize="1" noEditPoints="1" noAdjustHandles="1" noChangeArrowheads="1" noChangeShapeType="1" noTextEdit="1"/>
+              </p:cNvSpPr>
+              <p:nvPr>
+                <p:ph idx="1"/>
+              </p:nvPr>
+            </p:nvSpPr>
+            <p:spPr>
+              <a:xfrm>
+                <a:off x="1219199" y="1066801"/>
+                <a:ext cx="9829801" cy="5141388"/>
+              </a:xfrm>
+              <a:blipFill>
+                <a:blip r:embed="rId3"/>
+                <a:stretch>
+                  <a:fillRect l="-434" t="-1305"/>
+                </a:stretch>
+              </a:blipFill>
+            </p:spPr>
+            <p:txBody>
+              <a:bodyPr/>
+              <a:lstStyle/>
+              <a:p>
+                <a:r>
+                  <a:rPr lang="en-CA">
+                    <a:noFill/>
+                  </a:rPr>
+                  <a:t> </a:t>
+                </a:r>
+              </a:p>
+            </p:txBody>
+          </p:sp>
+        </mc:Fallback>
+      </mc:AlternateContent>
+      <p:pic>
+        <p:nvPicPr>
+          <p:cNvPr id="5" name="Picture 4">
+            <a:extLst>
+              <a:ext uri="{FF2B5EF4-FFF2-40B4-BE49-F238E27FC236}">
+                <a16:creationId xmlns:a16="http://schemas.microsoft.com/office/drawing/2014/main" id="{AC97B542-F4FC-0526-2803-160792BE6C9F}"/>
+              </a:ext>
+            </a:extLst>
+          </p:cNvPr>
+          <p:cNvPicPr>
+            <a:picLocks noChangeAspect="1"/>
+          </p:cNvPicPr>
+          <p:nvPr/>
+        </p:nvPicPr>
+        <p:blipFill>
+          <a:blip r:embed="rId4"/>
+          <a:stretch>
+            <a:fillRect/>
+          </a:stretch>
+        </p:blipFill>
+        <p:spPr>
+          <a:xfrm>
+            <a:off x="1143000" y="1066801"/>
+            <a:ext cx="9772246" cy="3457368"/>
+          </a:xfrm>
+          <a:prstGeom prst="rect">
+            <a:avLst/>
+          </a:prstGeom>
+        </p:spPr>
+      </p:pic>
+    </p:spTree>
+    <p:extLst>
+      <p:ext uri="{BB962C8B-B14F-4D97-AF65-F5344CB8AC3E}">
+        <p14:creationId xmlns:p14="http://schemas.microsoft.com/office/powerpoint/2010/main" val="1218761096"/>
+      </p:ext>
+    </p:extLst>
+  </p:cSld>
+  <p:clrMapOvr>
+    <a:masterClrMapping/>
+  </p:clrMapOvr>
+</p:sld>
+</file>
+
+<file path=ppt/slides/slide50.xml><?xml version="1.0" encoding="utf-8"?>
 <p:sld xmlns:a="http://schemas.openxmlformats.org/drawingml/2006/main" xmlns:r="http://schemas.openxmlformats.org/officeDocument/2006/relationships" xmlns:p="http://schemas.openxmlformats.org/presentationml/2006/main">
   <p:cSld>
     <p:spTree>
@@ -21933,334 +22659,7 @@
 </p:sld>
 </file>
 
-<file path=ppt/slides/slide5.xml><?xml version="1.0" encoding="utf-8"?>
-<p:sld xmlns:a="http://schemas.openxmlformats.org/drawingml/2006/main" xmlns:r="http://schemas.openxmlformats.org/officeDocument/2006/relationships" xmlns:p="http://schemas.openxmlformats.org/presentationml/2006/main">
-  <p:cSld>
-    <p:spTree>
-      <p:nvGrpSpPr>
-        <p:cNvPr id="1" name=""/>
-        <p:cNvGrpSpPr/>
-        <p:nvPr/>
-      </p:nvGrpSpPr>
-      <p:grpSpPr>
-        <a:xfrm>
-          <a:off x="0" y="0"/>
-          <a:ext cx="0" cy="0"/>
-          <a:chOff x="0" y="0"/>
-          <a:chExt cx="0" cy="0"/>
-        </a:xfrm>
-      </p:grpSpPr>
-      <p:sp>
-        <p:nvSpPr>
-          <p:cNvPr id="2" name="Title 1"/>
-          <p:cNvSpPr>
-            <a:spLocks noGrp="1"/>
-          </p:cNvSpPr>
-          <p:nvPr>
-            <p:ph type="title"/>
-          </p:nvPr>
-        </p:nvSpPr>
-        <p:spPr>
-          <a:xfrm>
-            <a:off x="609600" y="337392"/>
-            <a:ext cx="10439400" cy="624840"/>
-          </a:xfrm>
-        </p:spPr>
-        <p:txBody>
-          <a:bodyPr>
-            <a:noAutofit/>
-          </a:bodyPr>
-          <a:lstStyle/>
-          <a:p>
-            <a:r>
-              <a:rPr lang="en-US" sz="3600" dirty="0">
-                <a:cs typeface="Times New Roman" panose="02020603050405020304" pitchFamily="18" charset="0"/>
-              </a:rPr>
-              <a:t>Causal Inference: Satisfying the Backdoor Criterion</a:t>
-            </a:r>
-            <a:endParaRPr lang="en-US" sz="3600" dirty="0">
-              <a:latin typeface="Times New Roman" panose="02020603050405020304" pitchFamily="18" charset="0"/>
-              <a:cs typeface="Times New Roman" panose="02020603050405020304" pitchFamily="18" charset="0"/>
-            </a:endParaRPr>
-          </a:p>
-        </p:txBody>
-      </p:sp>
-      <mc:AlternateContent xmlns:mc="http://schemas.openxmlformats.org/markup-compatibility/2006" xmlns:a14="http://schemas.microsoft.com/office/drawing/2010/main">
-        <mc:Choice Requires="a14">
-          <p:sp>
-            <p:nvSpPr>
-              <p:cNvPr id="3" name="Content Placeholder 2"/>
-              <p:cNvSpPr>
-                <a:spLocks noGrp="1"/>
-              </p:cNvSpPr>
-              <p:nvPr>
-                <p:ph idx="1"/>
-              </p:nvPr>
-            </p:nvSpPr>
-            <p:spPr>
-              <a:xfrm>
-                <a:off x="1219199" y="1066801"/>
-                <a:ext cx="9829801" cy="5141388"/>
-              </a:xfrm>
-            </p:spPr>
-            <p:txBody>
-              <a:bodyPr>
-                <a:noAutofit/>
-              </a:bodyPr>
-              <a:lstStyle/>
-              <a:p>
-                <a:r>
-                  <a:rPr lang="en-US" sz="2400" dirty="0">
-                    <a:cs typeface="Times New Roman" panose="02020603050405020304" pitchFamily="18" charset="0"/>
-                  </a:rPr>
-                  <a:t>If we want the effect of </a:t>
-                </a:r>
-                <a14:m>
-                  <m:oMath xmlns:m="http://schemas.openxmlformats.org/officeDocument/2006/math">
-                    <m:r>
-                      <a:rPr lang="en-US" sz="2400" b="0" i="1" smtClean="0">
-                        <a:latin typeface="Cambria Math" panose="02040503050406030204" pitchFamily="18" charset="0"/>
-                        <a:cs typeface="Times New Roman" panose="02020603050405020304" pitchFamily="18" charset="0"/>
-                      </a:rPr>
-                      <m:t>𝑋</m:t>
-                    </m:r>
-                  </m:oMath>
-                </a14:m>
-                <a:r>
-                  <a:rPr lang="en-US" sz="2400" dirty="0">
-                    <a:cs typeface="Times New Roman" panose="02020603050405020304" pitchFamily="18" charset="0"/>
-                  </a:rPr>
-                  <a:t> on </a:t>
-                </a:r>
-                <a14:m>
-                  <m:oMath xmlns:m="http://schemas.openxmlformats.org/officeDocument/2006/math">
-                    <m:r>
-                      <a:rPr lang="en-US" sz="2400" b="0" i="1" smtClean="0">
-                        <a:latin typeface="Cambria Math" panose="02040503050406030204" pitchFamily="18" charset="0"/>
-                        <a:cs typeface="Times New Roman" panose="02020603050405020304" pitchFamily="18" charset="0"/>
-                      </a:rPr>
-                      <m:t>𝑌</m:t>
-                    </m:r>
-                  </m:oMath>
-                </a14:m>
-                <a:r>
-                  <a:rPr lang="en-US" sz="2400" dirty="0">
-                    <a:cs typeface="Times New Roman" panose="02020603050405020304" pitchFamily="18" charset="0"/>
-                  </a:rPr>
-                  <a:t>, we need to satisfy </a:t>
-                </a:r>
-                <a:r>
-                  <a:rPr lang="en-US" sz="2400" b="1" dirty="0">
-                    <a:solidFill>
-                      <a:schemeClr val="accent2">
-                        <a:lumMod val="75000"/>
-                      </a:schemeClr>
-                    </a:solidFill>
-                    <a:cs typeface="Times New Roman" panose="02020603050405020304" pitchFamily="18" charset="0"/>
-                  </a:rPr>
-                  <a:t>the backdoor criterion</a:t>
-                </a:r>
-              </a:p>
-              <a:p>
-                <a:endParaRPr lang="en-US" sz="2400" b="1" dirty="0">
-                  <a:cs typeface="Times New Roman" panose="02020603050405020304" pitchFamily="18" charset="0"/>
-                </a:endParaRPr>
-              </a:p>
-              <a:p>
-                <a:endParaRPr lang="en-US" sz="2400" b="1" dirty="0">
-                  <a:cs typeface="Times New Roman" panose="02020603050405020304" pitchFamily="18" charset="0"/>
-                </a:endParaRPr>
-              </a:p>
-              <a:p>
-                <a:endParaRPr lang="en-US" sz="2400" b="1" dirty="0">
-                  <a:cs typeface="Times New Roman" panose="02020603050405020304" pitchFamily="18" charset="0"/>
-                </a:endParaRPr>
-              </a:p>
-              <a:p>
-                <a:endParaRPr lang="en-US" sz="2400" b="1" dirty="0">
-                  <a:cs typeface="Times New Roman" panose="02020603050405020304" pitchFamily="18" charset="0"/>
-                </a:endParaRPr>
-              </a:p>
-              <a:p>
-                <a:endParaRPr lang="en-US" sz="2400" b="1" dirty="0">
-                  <a:cs typeface="Times New Roman" panose="02020603050405020304" pitchFamily="18" charset="0"/>
-                </a:endParaRPr>
-              </a:p>
-              <a:p>
-                <a:pPr marL="0" indent="0">
-                  <a:buNone/>
-                </a:pPr>
-                <a:endParaRPr lang="en-US" sz="2400" b="1" dirty="0">
-                  <a:cs typeface="Times New Roman" panose="02020603050405020304" pitchFamily="18" charset="0"/>
-                </a:endParaRPr>
-              </a:p>
-              <a:p>
-                <a:r>
-                  <a:rPr lang="en-US" sz="2400" b="1" dirty="0">
-                    <a:solidFill>
-                      <a:schemeClr val="accent2">
-                        <a:lumMod val="75000"/>
-                      </a:schemeClr>
-                    </a:solidFill>
-                    <a:cs typeface="Times New Roman" panose="02020603050405020304" pitchFamily="18" charset="0"/>
-                  </a:rPr>
-                  <a:t>Key for today: </a:t>
-                </a:r>
-                <a:r>
-                  <a:rPr lang="en-US" sz="2400" dirty="0">
-                    <a:solidFill>
-                      <a:schemeClr val="accent2">
-                        <a:lumMod val="75000"/>
-                      </a:schemeClr>
-                    </a:solidFill>
-                    <a:cs typeface="Times New Roman" panose="02020603050405020304" pitchFamily="18" charset="0"/>
-                  </a:rPr>
-                  <a:t>if there isn’t variation in </a:t>
-                </a:r>
-                <a14:m>
-                  <m:oMath xmlns:m="http://schemas.openxmlformats.org/officeDocument/2006/math">
-                    <m:r>
-                      <a:rPr lang="en-US" sz="2400" b="0" i="1" smtClean="0">
-                        <a:solidFill>
-                          <a:schemeClr val="accent2">
-                            <a:lumMod val="75000"/>
-                          </a:schemeClr>
-                        </a:solidFill>
-                        <a:latin typeface="Cambria Math" panose="02040503050406030204" pitchFamily="18" charset="0"/>
-                        <a:cs typeface="Times New Roman" panose="02020603050405020304" pitchFamily="18" charset="0"/>
-                      </a:rPr>
-                      <m:t>𝑊</m:t>
-                    </m:r>
-                  </m:oMath>
-                </a14:m>
-                <a:r>
-                  <a:rPr lang="en-US" sz="2400" dirty="0">
-                    <a:solidFill>
-                      <a:schemeClr val="accent2">
-                        <a:lumMod val="75000"/>
-                      </a:schemeClr>
-                    </a:solidFill>
-                    <a:cs typeface="Times New Roman" panose="02020603050405020304" pitchFamily="18" charset="0"/>
-                  </a:rPr>
-                  <a:t>, then no backdoors through </a:t>
-                </a:r>
-                <a14:m>
-                  <m:oMath xmlns:m="http://schemas.openxmlformats.org/officeDocument/2006/math">
-                    <m:r>
-                      <a:rPr lang="en-US" sz="2400" b="0" i="1" smtClean="0">
-                        <a:solidFill>
-                          <a:schemeClr val="accent2">
-                            <a:lumMod val="75000"/>
-                          </a:schemeClr>
-                        </a:solidFill>
-                        <a:latin typeface="Cambria Math" panose="02040503050406030204" pitchFamily="18" charset="0"/>
-                        <a:cs typeface="Times New Roman" panose="02020603050405020304" pitchFamily="18" charset="0"/>
-                      </a:rPr>
-                      <m:t>𝑊</m:t>
-                    </m:r>
-                    <m:r>
-                      <a:rPr lang="en-US" sz="2400" b="0" i="1" smtClean="0">
-                        <a:solidFill>
-                          <a:schemeClr val="accent2">
-                            <a:lumMod val="75000"/>
-                          </a:schemeClr>
-                        </a:solidFill>
-                        <a:latin typeface="Cambria Math" panose="02040503050406030204" pitchFamily="18" charset="0"/>
-                        <a:cs typeface="Times New Roman" panose="02020603050405020304" pitchFamily="18" charset="0"/>
-                      </a:rPr>
-                      <m:t>!</m:t>
-                    </m:r>
-                  </m:oMath>
-                </a14:m>
-                <a:endParaRPr lang="en-US" sz="2400" dirty="0">
-                  <a:cs typeface="Times New Roman" panose="02020603050405020304" pitchFamily="18" charset="0"/>
-                </a:endParaRPr>
-              </a:p>
-            </p:txBody>
-          </p:sp>
-        </mc:Choice>
-        <mc:Fallback xmlns="">
-          <p:sp>
-            <p:nvSpPr>
-              <p:cNvPr id="3" name="Content Placeholder 2"/>
-              <p:cNvSpPr>
-                <a:spLocks noGrp="1" noRot="1" noChangeAspect="1" noMove="1" noResize="1" noEditPoints="1" noAdjustHandles="1" noChangeArrowheads="1" noChangeShapeType="1" noTextEdit="1"/>
-              </p:cNvSpPr>
-              <p:nvPr>
-                <p:ph idx="1"/>
-              </p:nvPr>
-            </p:nvSpPr>
-            <p:spPr>
-              <a:xfrm>
-                <a:off x="1219199" y="1066801"/>
-                <a:ext cx="9829801" cy="5141388"/>
-              </a:xfrm>
-              <a:blipFill>
-                <a:blip r:embed="rId3"/>
-                <a:stretch>
-                  <a:fillRect l="-434" t="-1305"/>
-                </a:stretch>
-              </a:blipFill>
-            </p:spPr>
-            <p:txBody>
-              <a:bodyPr/>
-              <a:lstStyle/>
-              <a:p>
-                <a:r>
-                  <a:rPr lang="en-CA">
-                    <a:noFill/>
-                  </a:rPr>
-                  <a:t> </a:t>
-                </a:r>
-              </a:p>
-            </p:txBody>
-          </p:sp>
-        </mc:Fallback>
-      </mc:AlternateContent>
-      <p:pic>
-        <p:nvPicPr>
-          <p:cNvPr id="5" name="Picture 4">
-            <a:extLst>
-              <a:ext uri="{FF2B5EF4-FFF2-40B4-BE49-F238E27FC236}">
-                <a16:creationId xmlns:a16="http://schemas.microsoft.com/office/drawing/2014/main" id="{AC97B542-F4FC-0526-2803-160792BE6C9F}"/>
-              </a:ext>
-            </a:extLst>
-          </p:cNvPr>
-          <p:cNvPicPr>
-            <a:picLocks noChangeAspect="1"/>
-          </p:cNvPicPr>
-          <p:nvPr/>
-        </p:nvPicPr>
-        <p:blipFill>
-          <a:blip r:embed="rId4"/>
-          <a:stretch>
-            <a:fillRect/>
-          </a:stretch>
-        </p:blipFill>
-        <p:spPr>
-          <a:xfrm>
-            <a:off x="1143000" y="1066801"/>
-            <a:ext cx="9772246" cy="3457368"/>
-          </a:xfrm>
-          <a:prstGeom prst="rect">
-            <a:avLst/>
-          </a:prstGeom>
-        </p:spPr>
-      </p:pic>
-    </p:spTree>
-    <p:extLst>
-      <p:ext uri="{BB962C8B-B14F-4D97-AF65-F5344CB8AC3E}">
-        <p14:creationId xmlns:p14="http://schemas.microsoft.com/office/powerpoint/2010/main" val="1218761096"/>
-      </p:ext>
-    </p:extLst>
-  </p:cSld>
-  <p:clrMapOvr>
-    <a:masterClrMapping/>
-  </p:clrMapOvr>
-</p:sld>
-</file>
-
-<file path=ppt/slides/slide50.xml><?xml version="1.0" encoding="utf-8"?>
+<file path=ppt/slides/slide51.xml><?xml version="1.0" encoding="utf-8"?>
 <p:sld xmlns:a="http://schemas.openxmlformats.org/drawingml/2006/main" xmlns:r="http://schemas.openxmlformats.org/officeDocument/2006/relationships" xmlns:p="http://schemas.openxmlformats.org/presentationml/2006/main">
   <p:cSld>
     <p:spTree>
@@ -22807,7 +23206,7 @@
 </p:sld>
 </file>
 
-<file path=ppt/slides/slide51.xml><?xml version="1.0" encoding="utf-8"?>
+<file path=ppt/slides/slide52.xml><?xml version="1.0" encoding="utf-8"?>
 <p:sld xmlns:a="http://schemas.openxmlformats.org/drawingml/2006/main" xmlns:r="http://schemas.openxmlformats.org/officeDocument/2006/relationships" xmlns:p="http://schemas.openxmlformats.org/presentationml/2006/main">
   <p:cSld>
     <p:spTree>
@@ -22927,7 +23326,7 @@
 </p:sld>
 </file>
 
-<file path=ppt/slides/slide52.xml><?xml version="1.0" encoding="utf-8"?>
+<file path=ppt/slides/slide53.xml><?xml version="1.0" encoding="utf-8"?>
 <p:sld xmlns:a="http://schemas.openxmlformats.org/drawingml/2006/main" xmlns:r="http://schemas.openxmlformats.org/officeDocument/2006/relationships" xmlns:p="http://schemas.openxmlformats.org/presentationml/2006/main">
   <p:cSld>
     <p:spTree>
@@ -23135,7 +23534,7 @@
 </p:sld>
 </file>
 
-<file path=ppt/slides/slide53.xml><?xml version="1.0" encoding="utf-8"?>
+<file path=ppt/slides/slide54.xml><?xml version="1.0" encoding="utf-8"?>
 <p:sld xmlns:a="http://schemas.openxmlformats.org/drawingml/2006/main" xmlns:r="http://schemas.openxmlformats.org/officeDocument/2006/relationships" xmlns:p="http://schemas.openxmlformats.org/presentationml/2006/main">
   <p:cSld>
     <p:spTree>
@@ -23218,7 +23617,7 @@
 </p:sld>
 </file>
 
-<file path=ppt/slides/slide54.xml><?xml version="1.0" encoding="utf-8"?>
+<file path=ppt/slides/slide55.xml><?xml version="1.0" encoding="utf-8"?>
 <p:sld xmlns:a="http://schemas.openxmlformats.org/drawingml/2006/main" xmlns:r="http://schemas.openxmlformats.org/officeDocument/2006/relationships" xmlns:p="http://schemas.openxmlformats.org/presentationml/2006/main">
   <p:cSld>
     <p:spTree>
@@ -23354,7 +23753,7 @@
 </p:sld>
 </file>
 
-<file path=ppt/slides/slide55.xml><?xml version="1.0" encoding="utf-8"?>
+<file path=ppt/slides/slide56.xml><?xml version="1.0" encoding="utf-8"?>
 <p:sld xmlns:a="http://schemas.openxmlformats.org/drawingml/2006/main" xmlns:r="http://schemas.openxmlformats.org/officeDocument/2006/relationships" xmlns:p="http://schemas.openxmlformats.org/presentationml/2006/main">
   <p:cSld>
     <p:spTree>
@@ -23467,7 +23866,7 @@
 </p:sld>
 </file>
 
-<file path=ppt/slides/slide56.xml><?xml version="1.0" encoding="utf-8"?>
+<file path=ppt/slides/slide57.xml><?xml version="1.0" encoding="utf-8"?>
 <p:sld xmlns:a="http://schemas.openxmlformats.org/drawingml/2006/main" xmlns:r="http://schemas.openxmlformats.org/officeDocument/2006/relationships" xmlns:p="http://schemas.openxmlformats.org/presentationml/2006/main">
   <p:cSld>
     <p:spTree>
@@ -23562,7 +23961,7 @@
 </p:sld>
 </file>
 
-<file path=ppt/slides/slide57.xml><?xml version="1.0" encoding="utf-8"?>
+<file path=ppt/slides/slide58.xml><?xml version="1.0" encoding="utf-8"?>
 <p:sld xmlns:a="http://schemas.openxmlformats.org/drawingml/2006/main" xmlns:r="http://schemas.openxmlformats.org/officeDocument/2006/relationships" xmlns:p="http://schemas.openxmlformats.org/presentationml/2006/main">
   <p:cSld>
     <p:spTree>
@@ -23689,148 +24088,6 @@
     <p:extLst>
       <p:ext uri="{BB962C8B-B14F-4D97-AF65-F5344CB8AC3E}">
         <p14:creationId xmlns:p14="http://schemas.microsoft.com/office/powerpoint/2010/main" val="1410180954"/>
-      </p:ext>
-    </p:extLst>
-  </p:cSld>
-  <p:clrMapOvr>
-    <a:masterClrMapping/>
-  </p:clrMapOvr>
-</p:sld>
-</file>
-
-<file path=ppt/slides/slide58.xml><?xml version="1.0" encoding="utf-8"?>
-<p:sld xmlns:a="http://schemas.openxmlformats.org/drawingml/2006/main" xmlns:r="http://schemas.openxmlformats.org/officeDocument/2006/relationships" xmlns:p="http://schemas.openxmlformats.org/presentationml/2006/main">
-  <p:cSld>
-    <p:spTree>
-      <p:nvGrpSpPr>
-        <p:cNvPr id="1" name=""/>
-        <p:cNvGrpSpPr/>
-        <p:nvPr/>
-      </p:nvGrpSpPr>
-      <p:grpSpPr>
-        <a:xfrm>
-          <a:off x="0" y="0"/>
-          <a:ext cx="0" cy="0"/>
-          <a:chOff x="0" y="0"/>
-          <a:chExt cx="0" cy="0"/>
-        </a:xfrm>
-      </p:grpSpPr>
-      <p:sp>
-        <p:nvSpPr>
-          <p:cNvPr id="2" name="Title 1"/>
-          <p:cNvSpPr>
-            <a:spLocks noGrp="1"/>
-          </p:cNvSpPr>
-          <p:nvPr>
-            <p:ph type="title"/>
-          </p:nvPr>
-        </p:nvSpPr>
-        <p:spPr>
-          <a:xfrm>
-            <a:off x="609600" y="228600"/>
-            <a:ext cx="10439400" cy="624840"/>
-          </a:xfrm>
-        </p:spPr>
-        <p:txBody>
-          <a:bodyPr>
-            <a:noAutofit/>
-          </a:bodyPr>
-          <a:lstStyle/>
-          <a:p>
-            <a:r>
-              <a:rPr lang="en-US" sz="3600" dirty="0">
-                <a:latin typeface="Times New Roman" panose="02020603050405020304" pitchFamily="18" charset="0"/>
-                <a:cs typeface="Times New Roman" panose="02020603050405020304" pitchFamily="18" charset="0"/>
-              </a:rPr>
-              <a:t>Identification Concerns</a:t>
-            </a:r>
-          </a:p>
-        </p:txBody>
-      </p:sp>
-      <p:sp>
-        <p:nvSpPr>
-          <p:cNvPr id="4" name="Content Placeholder 3">
-            <a:extLst>
-              <a:ext uri="{FF2B5EF4-FFF2-40B4-BE49-F238E27FC236}">
-                <a16:creationId xmlns:a16="http://schemas.microsoft.com/office/drawing/2014/main" id="{2237AF9E-7447-969B-46EC-461FC8693B8E}"/>
-              </a:ext>
-            </a:extLst>
-          </p:cNvPr>
-          <p:cNvSpPr>
-            <a:spLocks noGrp="1"/>
-          </p:cNvSpPr>
-          <p:nvPr>
-            <p:ph idx="1"/>
-          </p:nvPr>
-        </p:nvSpPr>
-        <p:spPr>
-          <a:xfrm>
-            <a:off x="609600" y="853440"/>
-            <a:ext cx="10439400" cy="5326697"/>
-          </a:xfrm>
-        </p:spPr>
-        <p:txBody>
-          <a:bodyPr>
-            <a:normAutofit/>
-          </a:bodyPr>
-          <a:lstStyle/>
-          <a:p>
-            <a:pPr marL="457200" indent="-457200">
-              <a:buFont typeface="+mj-lt"/>
-              <a:buAutoNum type="arabicPeriod"/>
-            </a:pPr>
-            <a:r>
-              <a:rPr lang="en-US" sz="2600" dirty="0"/>
-              <a:t>What did they do about income? </a:t>
-            </a:r>
-          </a:p>
-          <a:p>
-            <a:pPr marL="457200" indent="-457200">
-              <a:buFont typeface="+mj-lt"/>
-              <a:buAutoNum type="arabicPeriod"/>
-            </a:pPr>
-            <a:r>
-              <a:rPr lang="en-US" sz="2600" dirty="0"/>
-              <a:t>What did they do about </a:t>
-            </a:r>
-            <a:r>
-              <a:rPr lang="en-US" sz="2600" dirty="0" err="1"/>
-              <a:t>labour</a:t>
-            </a:r>
-            <a:r>
-              <a:rPr lang="en-US" sz="2600" dirty="0"/>
-              <a:t> force participation? </a:t>
-            </a:r>
-          </a:p>
-          <a:p>
-            <a:pPr marL="457200" indent="-457200">
-              <a:buFont typeface="+mj-lt"/>
-              <a:buAutoNum type="arabicPeriod"/>
-            </a:pPr>
-            <a:endParaRPr lang="en-US" sz="2600" dirty="0"/>
-          </a:p>
-          <a:p>
-            <a:pPr marL="0" indent="0">
-              <a:buNone/>
-            </a:pPr>
-            <a:r>
-              <a:rPr lang="en-US" sz="2600" dirty="0"/>
-              <a:t>How do these affect the reported results? How do they affect what you think of the paper? </a:t>
-            </a:r>
-          </a:p>
-          <a:p>
-            <a:pPr marL="457200" indent="-457200">
-              <a:buFont typeface="+mj-lt"/>
-              <a:buAutoNum type="arabicPeriod"/>
-            </a:pPr>
-            <a:endParaRPr lang="en-US" sz="2600" dirty="0"/>
-          </a:p>
-        </p:txBody>
-      </p:sp>
-    </p:spTree>
-    <p:extLst>
-      <p:ext uri="{BB962C8B-B14F-4D97-AF65-F5344CB8AC3E}">
-        <p14:creationId xmlns:p14="http://schemas.microsoft.com/office/powerpoint/2010/main" val="2345075395"/>
       </p:ext>
     </p:extLst>
   </p:cSld>
@@ -23880,21 +24137,24 @@
           <a:lstStyle/>
           <a:p>
             <a:r>
-              <a:rPr lang="en-US" sz="3600" dirty="0">
+              <a:rPr lang="en-US" sz="3200" dirty="0">
+                <a:latin typeface="Times New Roman" panose="02020603050405020304" pitchFamily="18" charset="0"/>
                 <a:cs typeface="Times New Roman" panose="02020603050405020304" pitchFamily="18" charset="0"/>
               </a:rPr>
-              <a:t>Interpretation and Limitations of Analysis </a:t>
-            </a:r>
-            <a:endParaRPr lang="en-US" sz="3600" dirty="0">
-              <a:latin typeface="Times New Roman" panose="02020603050405020304" pitchFamily="18" charset="0"/>
-              <a:cs typeface="Times New Roman" panose="02020603050405020304" pitchFamily="18" charset="0"/>
-            </a:endParaRPr>
-          </a:p>
-        </p:txBody>
-      </p:sp>
-      <p:sp>
-        <p:nvSpPr>
-          <p:cNvPr id="3" name="Content Placeholder 2"/>
+              <a:t>Identification Concerns and Interpretation/Policy Implications</a:t>
+            </a:r>
+          </a:p>
+        </p:txBody>
+      </p:sp>
+      <p:sp>
+        <p:nvSpPr>
+          <p:cNvPr id="4" name="Content Placeholder 3">
+            <a:extLst>
+              <a:ext uri="{FF2B5EF4-FFF2-40B4-BE49-F238E27FC236}">
+                <a16:creationId xmlns:a16="http://schemas.microsoft.com/office/drawing/2014/main" id="{2237AF9E-7447-969B-46EC-461FC8693B8E}"/>
+              </a:ext>
+            </a:extLst>
+          </p:cNvPr>
           <p:cNvSpPr>
             <a:spLocks noGrp="1"/>
           </p:cNvSpPr>
@@ -23904,66 +24164,82 @@
         </p:nvSpPr>
         <p:spPr>
           <a:xfrm>
-            <a:off x="609601" y="1066801"/>
-            <a:ext cx="10439400" cy="5141388"/>
+            <a:off x="609600" y="853440"/>
+            <a:ext cx="10439400" cy="5326697"/>
           </a:xfrm>
         </p:spPr>
         <p:txBody>
           <a:bodyPr>
-            <a:noAutofit/>
+            <a:normAutofit/>
           </a:bodyPr>
           <a:lstStyle/>
           <a:p>
-            <a:pPr lvl="1"/>
-            <a:r>
-              <a:rPr lang="en-US" sz="2400" dirty="0">
-                <a:cs typeface="Times New Roman" panose="02020603050405020304" pitchFamily="18" charset="0"/>
-              </a:rPr>
-              <a:t>What worked well in this analysis? </a:t>
-            </a:r>
-          </a:p>
-          <a:p>
-            <a:pPr lvl="1"/>
-            <a:r>
-              <a:rPr lang="en-US" sz="2400" dirty="0">
-                <a:cs typeface="Times New Roman" panose="02020603050405020304" pitchFamily="18" charset="0"/>
-              </a:rPr>
-              <a:t>What was lacking? </a:t>
-            </a:r>
-          </a:p>
-          <a:p>
-            <a:pPr lvl="1"/>
-            <a:r>
-              <a:rPr lang="en-US" sz="2400" dirty="0">
-                <a:cs typeface="Times New Roman" panose="02020603050405020304" pitchFamily="18" charset="0"/>
-              </a:rPr>
-              <a:t>What are the takeaways for you? </a:t>
-            </a:r>
-          </a:p>
-          <a:p>
-            <a:pPr lvl="1"/>
-            <a:r>
-              <a:rPr lang="en-US" sz="2400" dirty="0">
-                <a:cs typeface="Times New Roman" panose="02020603050405020304" pitchFamily="18" charset="0"/>
-              </a:rPr>
-              <a:t>What might limit the takeaways? What hinders your approach to thinking of this as causal? </a:t>
-            </a:r>
-          </a:p>
-          <a:p>
-            <a:pPr lvl="1"/>
-            <a:r>
-              <a:rPr lang="en-US" sz="2400" dirty="0">
-                <a:cs typeface="Times New Roman" panose="02020603050405020304" pitchFamily="18" charset="0"/>
-              </a:rPr>
-              <a:t>Any other thoughts? </a:t>
-            </a:r>
+            <a:pPr marL="457200" indent="-457200">
+              <a:buFont typeface="+mj-lt"/>
+              <a:buAutoNum type="arabicPeriod"/>
+            </a:pPr>
+            <a:r>
+              <a:rPr lang="en-US" sz="2600" dirty="0"/>
+              <a:t>What did they do about income? </a:t>
+            </a:r>
+          </a:p>
+          <a:p>
+            <a:pPr marL="457200" indent="-457200">
+              <a:buFont typeface="+mj-lt"/>
+              <a:buAutoNum type="arabicPeriod"/>
+            </a:pPr>
+            <a:r>
+              <a:rPr lang="en-US" sz="2600" dirty="0"/>
+              <a:t>What did they do about </a:t>
+            </a:r>
+            <a:r>
+              <a:rPr lang="en-US" sz="2600" dirty="0" err="1"/>
+              <a:t>labour</a:t>
+            </a:r>
+            <a:r>
+              <a:rPr lang="en-US" sz="2600" dirty="0"/>
+              <a:t> force participation? </a:t>
+            </a:r>
+          </a:p>
+          <a:p>
+            <a:pPr marL="457200" indent="-457200">
+              <a:buFont typeface="+mj-lt"/>
+              <a:buAutoNum type="arabicPeriod"/>
+            </a:pPr>
+            <a:r>
+              <a:rPr lang="en-US" sz="2600" dirty="0"/>
+              <a:t>What about stratification? Where are the effects strongest?</a:t>
+            </a:r>
+          </a:p>
+          <a:p>
+            <a:pPr marL="457200" indent="-457200">
+              <a:buFont typeface="+mj-lt"/>
+              <a:buAutoNum type="arabicPeriod"/>
+            </a:pPr>
+            <a:endParaRPr lang="en-US" sz="2600" dirty="0"/>
+          </a:p>
+          <a:p>
+            <a:pPr marL="0" indent="0">
+              <a:buNone/>
+            </a:pPr>
+            <a:r>
+              <a:rPr lang="en-US" sz="2600" dirty="0"/>
+              <a:t>How do these affect the reported results? How do they affect what you think of the paper? </a:t>
+            </a:r>
+          </a:p>
+          <a:p>
+            <a:pPr marL="457200" indent="-457200">
+              <a:buFont typeface="+mj-lt"/>
+              <a:buAutoNum type="arabicPeriod"/>
+            </a:pPr>
+            <a:endParaRPr lang="en-US" sz="2600" dirty="0"/>
           </a:p>
         </p:txBody>
       </p:sp>
     </p:spTree>
     <p:extLst>
       <p:ext uri="{BB962C8B-B14F-4D97-AF65-F5344CB8AC3E}">
-        <p14:creationId xmlns:p14="http://schemas.microsoft.com/office/powerpoint/2010/main" val="62032694"/>
+        <p14:creationId xmlns:p14="http://schemas.microsoft.com/office/powerpoint/2010/main" val="2345075395"/>
       </p:ext>
     </p:extLst>
   </p:cSld>
@@ -24379,6 +24655,139 @@
       </p:grpSpPr>
       <p:sp>
         <p:nvSpPr>
+          <p:cNvPr id="2" name="Title 1"/>
+          <p:cNvSpPr>
+            <a:spLocks noGrp="1"/>
+          </p:cNvSpPr>
+          <p:nvPr>
+            <p:ph type="title"/>
+          </p:nvPr>
+        </p:nvSpPr>
+        <p:spPr>
+          <a:xfrm>
+            <a:off x="609600" y="228600"/>
+            <a:ext cx="10439400" cy="624840"/>
+          </a:xfrm>
+        </p:spPr>
+        <p:txBody>
+          <a:bodyPr>
+            <a:noAutofit/>
+          </a:bodyPr>
+          <a:lstStyle/>
+          <a:p>
+            <a:r>
+              <a:rPr lang="en-US" sz="3600" dirty="0">
+                <a:cs typeface="Times New Roman" panose="02020603050405020304" pitchFamily="18" charset="0"/>
+              </a:rPr>
+              <a:t>Interpretation and Limitations of Analysis </a:t>
+            </a:r>
+            <a:endParaRPr lang="en-US" sz="3600" dirty="0">
+              <a:latin typeface="Times New Roman" panose="02020603050405020304" pitchFamily="18" charset="0"/>
+              <a:cs typeface="Times New Roman" panose="02020603050405020304" pitchFamily="18" charset="0"/>
+            </a:endParaRPr>
+          </a:p>
+        </p:txBody>
+      </p:sp>
+      <p:sp>
+        <p:nvSpPr>
+          <p:cNvPr id="3" name="Content Placeholder 2"/>
+          <p:cNvSpPr>
+            <a:spLocks noGrp="1"/>
+          </p:cNvSpPr>
+          <p:nvPr>
+            <p:ph idx="1"/>
+          </p:nvPr>
+        </p:nvSpPr>
+        <p:spPr>
+          <a:xfrm>
+            <a:off x="609601" y="1066801"/>
+            <a:ext cx="10439400" cy="5141388"/>
+          </a:xfrm>
+        </p:spPr>
+        <p:txBody>
+          <a:bodyPr>
+            <a:noAutofit/>
+          </a:bodyPr>
+          <a:lstStyle/>
+          <a:p>
+            <a:pPr lvl="1"/>
+            <a:r>
+              <a:rPr lang="en-US" sz="2400" dirty="0">
+                <a:cs typeface="Times New Roman" panose="02020603050405020304" pitchFamily="18" charset="0"/>
+              </a:rPr>
+              <a:t>What worked well in this analysis? </a:t>
+            </a:r>
+          </a:p>
+          <a:p>
+            <a:pPr lvl="1"/>
+            <a:r>
+              <a:rPr lang="en-US" sz="2400" dirty="0">
+                <a:cs typeface="Times New Roman" panose="02020603050405020304" pitchFamily="18" charset="0"/>
+              </a:rPr>
+              <a:t>What was lacking? </a:t>
+            </a:r>
+          </a:p>
+          <a:p>
+            <a:pPr lvl="1"/>
+            <a:r>
+              <a:rPr lang="en-US" sz="2400" dirty="0">
+                <a:cs typeface="Times New Roman" panose="02020603050405020304" pitchFamily="18" charset="0"/>
+              </a:rPr>
+              <a:t>What are the takeaways for you? </a:t>
+            </a:r>
+          </a:p>
+          <a:p>
+            <a:pPr lvl="1"/>
+            <a:r>
+              <a:rPr lang="en-US" sz="2400" dirty="0">
+                <a:cs typeface="Times New Roman" panose="02020603050405020304" pitchFamily="18" charset="0"/>
+              </a:rPr>
+              <a:t>What might limit the takeaways? What hinders your approach to thinking of this as causal? </a:t>
+            </a:r>
+          </a:p>
+          <a:p>
+            <a:pPr lvl="1"/>
+            <a:r>
+              <a:rPr lang="en-US" sz="2400" dirty="0">
+                <a:cs typeface="Times New Roman" panose="02020603050405020304" pitchFamily="18" charset="0"/>
+              </a:rPr>
+              <a:t>Any other thoughts? </a:t>
+            </a:r>
+          </a:p>
+        </p:txBody>
+      </p:sp>
+    </p:spTree>
+    <p:extLst>
+      <p:ext uri="{BB962C8B-B14F-4D97-AF65-F5344CB8AC3E}">
+        <p14:creationId xmlns:p14="http://schemas.microsoft.com/office/powerpoint/2010/main" val="62032694"/>
+      </p:ext>
+    </p:extLst>
+  </p:cSld>
+  <p:clrMapOvr>
+    <a:masterClrMapping/>
+  </p:clrMapOvr>
+</p:sld>
+</file>
+
+<file path=ppt/slides/slide61.xml><?xml version="1.0" encoding="utf-8"?>
+<p:sld xmlns:a="http://schemas.openxmlformats.org/drawingml/2006/main" xmlns:r="http://schemas.openxmlformats.org/officeDocument/2006/relationships" xmlns:p="http://schemas.openxmlformats.org/presentationml/2006/main">
+  <p:cSld>
+    <p:spTree>
+      <p:nvGrpSpPr>
+        <p:cNvPr id="1" name=""/>
+        <p:cNvGrpSpPr/>
+        <p:nvPr/>
+      </p:nvGrpSpPr>
+      <p:grpSpPr>
+        <a:xfrm>
+          <a:off x="0" y="0"/>
+          <a:ext cx="0" cy="0"/>
+          <a:chOff x="0" y="0"/>
+          <a:chExt cx="0" cy="0"/>
+        </a:xfrm>
+      </p:grpSpPr>
+      <p:sp>
+        <p:nvSpPr>
           <p:cNvPr id="2" name="Title 1">
             <a:extLst>
               <a:ext uri="{FF2B5EF4-FFF2-40B4-BE49-F238E27FC236}">
@@ -24443,7 +24852,7 @@
 </p:sld>
 </file>
 
-<file path=ppt/slides/slide61.xml><?xml version="1.0" encoding="utf-8"?>
+<file path=ppt/slides/slide62.xml><?xml version="1.0" encoding="utf-8"?>
 <p:sld xmlns:a="http://schemas.openxmlformats.org/drawingml/2006/main" xmlns:r="http://schemas.openxmlformats.org/officeDocument/2006/relationships" xmlns:p="http://schemas.openxmlformats.org/presentationml/2006/main">
   <p:cSld>
     <p:spTree>
@@ -24646,7 +25055,7 @@
 </p:sld>
 </file>
 
-<file path=ppt/slides/slide62.xml><?xml version="1.0" encoding="utf-8"?>
+<file path=ppt/slides/slide63.xml><?xml version="1.0" encoding="utf-8"?>
 <p:sld xmlns:a="http://schemas.openxmlformats.org/drawingml/2006/main" xmlns:r="http://schemas.openxmlformats.org/officeDocument/2006/relationships" xmlns:p="http://schemas.openxmlformats.org/presentationml/2006/main">
   <p:cSld>
     <p:spTree>
@@ -24829,7 +25238,7 @@
 </p:sld>
 </file>
 
-<file path=ppt/slides/slide63.xml><?xml version="1.0" encoding="utf-8"?>
+<file path=ppt/slides/slide64.xml><?xml version="1.0" encoding="utf-8"?>
 <p:sld xmlns:a="http://schemas.openxmlformats.org/drawingml/2006/main" xmlns:r="http://schemas.openxmlformats.org/officeDocument/2006/relationships" xmlns:p="http://schemas.openxmlformats.org/presentationml/2006/main">
   <p:cSld>
     <p:spTree>
@@ -25150,7 +25559,7 @@
 </p:sld>
 </file>
 
-<file path=ppt/slides/slide64.xml><?xml version="1.0" encoding="utf-8"?>
+<file path=ppt/slides/slide65.xml><?xml version="1.0" encoding="utf-8"?>
 <p:sld xmlns:a="http://schemas.openxmlformats.org/drawingml/2006/main" xmlns:r="http://schemas.openxmlformats.org/officeDocument/2006/relationships" xmlns:p="http://schemas.openxmlformats.org/presentationml/2006/main">
   <p:cSld>
     <p:spTree>
@@ -25549,7 +25958,7 @@
 </p:sld>
 </file>
 
-<file path=ppt/slides/slide65.xml><?xml version="1.0" encoding="utf-8"?>
+<file path=ppt/slides/slide66.xml><?xml version="1.0" encoding="utf-8"?>
 <p:sld xmlns:a="http://schemas.openxmlformats.org/drawingml/2006/main" xmlns:r="http://schemas.openxmlformats.org/officeDocument/2006/relationships" xmlns:p="http://schemas.openxmlformats.org/presentationml/2006/main">
   <p:cSld>
     <p:spTree>
@@ -25748,7 +26157,7 @@
 </p:sld>
 </file>
 
-<file path=ppt/slides/slide66.xml><?xml version="1.0" encoding="utf-8"?>
+<file path=ppt/slides/slide67.xml><?xml version="1.0" encoding="utf-8"?>
 <p:sld xmlns:a="http://schemas.openxmlformats.org/drawingml/2006/main" xmlns:r="http://schemas.openxmlformats.org/officeDocument/2006/relationships" xmlns:p="http://schemas.openxmlformats.org/presentationml/2006/main">
   <p:cSld>
     <p:spTree>
@@ -25947,7 +26356,7 @@
 </p:sld>
 </file>
 
-<file path=ppt/slides/slide67.xml><?xml version="1.0" encoding="utf-8"?>
+<file path=ppt/slides/slide68.xml><?xml version="1.0" encoding="utf-8"?>
 <p:sld xmlns:a="http://schemas.openxmlformats.org/drawingml/2006/main" xmlns:r="http://schemas.openxmlformats.org/officeDocument/2006/relationships" xmlns:p="http://schemas.openxmlformats.org/presentationml/2006/main">
   <p:cSld>
     <p:spTree>
@@ -26086,7 +26495,7 @@
 </p:sld>
 </file>
 
-<file path=ppt/slides/slide68.xml><?xml version="1.0" encoding="utf-8"?>
+<file path=ppt/slides/slide69.xml><?xml version="1.0" encoding="utf-8"?>
 <p:sld xmlns:a="http://schemas.openxmlformats.org/drawingml/2006/main" xmlns:r="http://schemas.openxmlformats.org/officeDocument/2006/relationships" xmlns:p="http://schemas.openxmlformats.org/presentationml/2006/main">
   <p:cSld>
     <p:spTree>
@@ -26225,7 +26634,101 @@
 </p:sld>
 </file>
 
-<file path=ppt/slides/slide69.xml><?xml version="1.0" encoding="utf-8"?>
+<file path=ppt/slides/slide7.xml><?xml version="1.0" encoding="utf-8"?>
+<p:sld xmlns:a="http://schemas.openxmlformats.org/drawingml/2006/main" xmlns:r="http://schemas.openxmlformats.org/officeDocument/2006/relationships" xmlns:p="http://schemas.openxmlformats.org/presentationml/2006/main">
+  <p:cSld>
+    <p:spTree>
+      <p:nvGrpSpPr>
+        <p:cNvPr id="1" name=""/>
+        <p:cNvGrpSpPr/>
+        <p:nvPr/>
+      </p:nvGrpSpPr>
+      <p:grpSpPr>
+        <a:xfrm>
+          <a:off x="0" y="0"/>
+          <a:ext cx="0" cy="0"/>
+          <a:chOff x="0" y="0"/>
+          <a:chExt cx="0" cy="0"/>
+        </a:xfrm>
+      </p:grpSpPr>
+      <p:sp>
+        <p:nvSpPr>
+          <p:cNvPr id="2" name="Title 1"/>
+          <p:cNvSpPr>
+            <a:spLocks noGrp="1"/>
+          </p:cNvSpPr>
+          <p:nvPr>
+            <p:ph type="title"/>
+          </p:nvPr>
+        </p:nvSpPr>
+        <p:spPr>
+          <a:xfrm>
+            <a:off x="609600" y="272078"/>
+            <a:ext cx="10439400" cy="624840"/>
+          </a:xfrm>
+        </p:spPr>
+        <p:txBody>
+          <a:bodyPr>
+            <a:noAutofit/>
+          </a:bodyPr>
+          <a:lstStyle/>
+          <a:p>
+            <a:r>
+              <a:rPr lang="en-US" sz="3600" dirty="0">
+                <a:cs typeface="Times New Roman" panose="02020603050405020304" pitchFamily="18" charset="0"/>
+              </a:rPr>
+              <a:t>Matching reduces model dependence</a:t>
+            </a:r>
+            <a:endParaRPr lang="en-US" sz="3600" dirty="0">
+              <a:latin typeface="Times New Roman" panose="02020603050405020304" pitchFamily="18" charset="0"/>
+              <a:cs typeface="Times New Roman" panose="02020603050405020304" pitchFamily="18" charset="0"/>
+            </a:endParaRPr>
+          </a:p>
+        </p:txBody>
+      </p:sp>
+      <p:pic>
+        <p:nvPicPr>
+          <p:cNvPr id="5" name="Content Placeholder 4">
+            <a:extLst>
+              <a:ext uri="{FF2B5EF4-FFF2-40B4-BE49-F238E27FC236}">
+                <a16:creationId xmlns:a16="http://schemas.microsoft.com/office/drawing/2014/main" id="{72EC37A5-7217-D178-6839-8C40C6A093D6}"/>
+              </a:ext>
+            </a:extLst>
+          </p:cNvPr>
+          <p:cNvPicPr>
+            <a:picLocks noGrp="1" noChangeAspect="1"/>
+          </p:cNvPicPr>
+          <p:nvPr>
+            <p:ph idx="1"/>
+          </p:nvPr>
+        </p:nvPicPr>
+        <p:blipFill>
+          <a:blip r:embed="rId3"/>
+          <a:stretch>
+            <a:fillRect/>
+          </a:stretch>
+        </p:blipFill>
+        <p:spPr>
+          <a:xfrm>
+            <a:off x="609600" y="1196946"/>
+            <a:ext cx="10287000" cy="4822854"/>
+          </a:xfrm>
+        </p:spPr>
+      </p:pic>
+    </p:spTree>
+    <p:extLst>
+      <p:ext uri="{BB962C8B-B14F-4D97-AF65-F5344CB8AC3E}">
+        <p14:creationId xmlns:p14="http://schemas.microsoft.com/office/powerpoint/2010/main" val="578261057"/>
+      </p:ext>
+    </p:extLst>
+  </p:cSld>
+  <p:clrMapOvr>
+    <a:masterClrMapping/>
+  </p:clrMapOvr>
+</p:sld>
+</file>
+
+<file path=ppt/slides/slide70.xml><?xml version="1.0" encoding="utf-8"?>
 <p:sld xmlns:a="http://schemas.openxmlformats.org/drawingml/2006/main" xmlns:r="http://schemas.openxmlformats.org/officeDocument/2006/relationships" xmlns:p="http://schemas.openxmlformats.org/presentationml/2006/main">
   <p:cSld>
     <p:spTree>
@@ -26726,101 +27229,7 @@
 </p:sld>
 </file>
 
-<file path=ppt/slides/slide7.xml><?xml version="1.0" encoding="utf-8"?>
-<p:sld xmlns:a="http://schemas.openxmlformats.org/drawingml/2006/main" xmlns:r="http://schemas.openxmlformats.org/officeDocument/2006/relationships" xmlns:p="http://schemas.openxmlformats.org/presentationml/2006/main">
-  <p:cSld>
-    <p:spTree>
-      <p:nvGrpSpPr>
-        <p:cNvPr id="1" name=""/>
-        <p:cNvGrpSpPr/>
-        <p:nvPr/>
-      </p:nvGrpSpPr>
-      <p:grpSpPr>
-        <a:xfrm>
-          <a:off x="0" y="0"/>
-          <a:ext cx="0" cy="0"/>
-          <a:chOff x="0" y="0"/>
-          <a:chExt cx="0" cy="0"/>
-        </a:xfrm>
-      </p:grpSpPr>
-      <p:sp>
-        <p:nvSpPr>
-          <p:cNvPr id="2" name="Title 1"/>
-          <p:cNvSpPr>
-            <a:spLocks noGrp="1"/>
-          </p:cNvSpPr>
-          <p:nvPr>
-            <p:ph type="title"/>
-          </p:nvPr>
-        </p:nvSpPr>
-        <p:spPr>
-          <a:xfrm>
-            <a:off x="609600" y="272078"/>
-            <a:ext cx="10439400" cy="624840"/>
-          </a:xfrm>
-        </p:spPr>
-        <p:txBody>
-          <a:bodyPr>
-            <a:noAutofit/>
-          </a:bodyPr>
-          <a:lstStyle/>
-          <a:p>
-            <a:r>
-              <a:rPr lang="en-US" sz="3600" dirty="0">
-                <a:cs typeface="Times New Roman" panose="02020603050405020304" pitchFamily="18" charset="0"/>
-              </a:rPr>
-              <a:t>Matching reduces model dependence</a:t>
-            </a:r>
-            <a:endParaRPr lang="en-US" sz="3600" dirty="0">
-              <a:latin typeface="Times New Roman" panose="02020603050405020304" pitchFamily="18" charset="0"/>
-              <a:cs typeface="Times New Roman" panose="02020603050405020304" pitchFamily="18" charset="0"/>
-            </a:endParaRPr>
-          </a:p>
-        </p:txBody>
-      </p:sp>
-      <p:pic>
-        <p:nvPicPr>
-          <p:cNvPr id="5" name="Content Placeholder 4">
-            <a:extLst>
-              <a:ext uri="{FF2B5EF4-FFF2-40B4-BE49-F238E27FC236}">
-                <a16:creationId xmlns:a16="http://schemas.microsoft.com/office/drawing/2014/main" id="{72EC37A5-7217-D178-6839-8C40C6A093D6}"/>
-              </a:ext>
-            </a:extLst>
-          </p:cNvPr>
-          <p:cNvPicPr>
-            <a:picLocks noGrp="1" noChangeAspect="1"/>
-          </p:cNvPicPr>
-          <p:nvPr>
-            <p:ph idx="1"/>
-          </p:nvPr>
-        </p:nvPicPr>
-        <p:blipFill>
-          <a:blip r:embed="rId3"/>
-          <a:stretch>
-            <a:fillRect/>
-          </a:stretch>
-        </p:blipFill>
-        <p:spPr>
-          <a:xfrm>
-            <a:off x="609600" y="1196946"/>
-            <a:ext cx="10287000" cy="4822854"/>
-          </a:xfrm>
-        </p:spPr>
-      </p:pic>
-    </p:spTree>
-    <p:extLst>
-      <p:ext uri="{BB962C8B-B14F-4D97-AF65-F5344CB8AC3E}">
-        <p14:creationId xmlns:p14="http://schemas.microsoft.com/office/powerpoint/2010/main" val="578261057"/>
-      </p:ext>
-    </p:extLst>
-  </p:cSld>
-  <p:clrMapOvr>
-    <a:masterClrMapping/>
-  </p:clrMapOvr>
-</p:sld>
-</file>
-
-<file path=ppt/slides/slide70.xml><?xml version="1.0" encoding="utf-8"?>
+<file path=ppt/slides/slide71.xml><?xml version="1.0" encoding="utf-8"?>
 <p:sld xmlns:a="http://schemas.openxmlformats.org/drawingml/2006/main" xmlns:r="http://schemas.openxmlformats.org/officeDocument/2006/relationships" xmlns:p="http://schemas.openxmlformats.org/presentationml/2006/main">
   <p:cSld>
     <p:spTree>
@@ -27014,7 +27423,7 @@
 </p:sld>
 </file>
 
-<file path=ppt/slides/slide71.xml><?xml version="1.0" encoding="utf-8"?>
+<file path=ppt/slides/slide72.xml><?xml version="1.0" encoding="utf-8"?>
 <p:sld xmlns:a="http://schemas.openxmlformats.org/drawingml/2006/main" xmlns:r="http://schemas.openxmlformats.org/officeDocument/2006/relationships" xmlns:p="http://schemas.openxmlformats.org/presentationml/2006/main">
   <p:cSld>
     <p:spTree>
@@ -27280,7 +27689,7 @@
 </p:sld>
 </file>
 
-<file path=ppt/slides/slide72.xml><?xml version="1.0" encoding="utf-8"?>
+<file path=ppt/slides/slide73.xml><?xml version="1.0" encoding="utf-8"?>
 <p:sld xmlns:a="http://schemas.openxmlformats.org/drawingml/2006/main" xmlns:r="http://schemas.openxmlformats.org/officeDocument/2006/relationships" xmlns:p="http://schemas.openxmlformats.org/presentationml/2006/main">
   <p:cSld>
     <p:spTree>
@@ -27561,7 +27970,7 @@
 </p:sld>
 </file>
 
-<file path=ppt/slides/slide73.xml><?xml version="1.0" encoding="utf-8"?>
+<file path=ppt/slides/slide74.xml><?xml version="1.0" encoding="utf-8"?>
 <p:sld xmlns:a="http://schemas.openxmlformats.org/drawingml/2006/main" xmlns:r="http://schemas.openxmlformats.org/officeDocument/2006/relationships" xmlns:p="http://schemas.openxmlformats.org/presentationml/2006/main">
   <p:cSld>
     <p:spTree>
@@ -27957,7 +28366,7 @@
 </p:sld>
 </file>
 
-<file path=ppt/slides/slide74.xml><?xml version="1.0" encoding="utf-8"?>
+<file path=ppt/slides/slide75.xml><?xml version="1.0" encoding="utf-8"?>
 <p:sld xmlns:a="http://schemas.openxmlformats.org/drawingml/2006/main" xmlns:r="http://schemas.openxmlformats.org/officeDocument/2006/relationships" xmlns:p="http://schemas.openxmlformats.org/presentationml/2006/main">
   <p:cSld>
     <p:spTree>
@@ -28298,7 +28707,7 @@
 </p:sld>
 </file>
 
-<file path=ppt/slides/slide75.xml><?xml version="1.0" encoding="utf-8"?>
+<file path=ppt/slides/slide76.xml><?xml version="1.0" encoding="utf-8"?>
 <p:sld xmlns:a="http://schemas.openxmlformats.org/drawingml/2006/main" xmlns:r="http://schemas.openxmlformats.org/officeDocument/2006/relationships" xmlns:p="http://schemas.openxmlformats.org/presentationml/2006/main">
   <p:cSld>
     <p:spTree>
@@ -28524,7 +28933,7 @@
 </p:sld>
 </file>
 
-<file path=ppt/slides/slide76.xml><?xml version="1.0" encoding="utf-8"?>
+<file path=ppt/slides/slide77.xml><?xml version="1.0" encoding="utf-8"?>
 <p:sld xmlns:a="http://schemas.openxmlformats.org/drawingml/2006/main" xmlns:r="http://schemas.openxmlformats.org/officeDocument/2006/relationships" xmlns:p="http://schemas.openxmlformats.org/presentationml/2006/main">
   <p:cSld>
     <p:spTree>
